--- a/Micro Credit Loan Defaulter.pptx
+++ b/Micro Credit Loan Defaulter.pptx
@@ -12,21 +12,56 @@
     <p:sldId id="260" r:id="rId6"/>
     <p:sldId id="261" r:id="rId7"/>
     <p:sldId id="262" r:id="rId8"/>
-    <p:sldId id="263" r:id="rId9"/>
-    <p:sldId id="264" r:id="rId10"/>
-    <p:sldId id="303" r:id="rId11"/>
-    <p:sldId id="304" r:id="rId12"/>
-    <p:sldId id="305" r:id="rId13"/>
-    <p:sldId id="306" r:id="rId14"/>
-    <p:sldId id="307" r:id="rId15"/>
-    <p:sldId id="290" r:id="rId16"/>
-    <p:sldId id="291" r:id="rId17"/>
-    <p:sldId id="292" r:id="rId18"/>
-    <p:sldId id="293" r:id="rId19"/>
-    <p:sldId id="294" r:id="rId20"/>
-    <p:sldId id="295" r:id="rId21"/>
-    <p:sldId id="300" r:id="rId22"/>
-    <p:sldId id="302" r:id="rId23"/>
+    <p:sldId id="309" r:id="rId9"/>
+    <p:sldId id="311" r:id="rId10"/>
+    <p:sldId id="312" r:id="rId11"/>
+    <p:sldId id="313" r:id="rId12"/>
+    <p:sldId id="314" r:id="rId13"/>
+    <p:sldId id="263" r:id="rId14"/>
+    <p:sldId id="315" r:id="rId15"/>
+    <p:sldId id="316" r:id="rId16"/>
+    <p:sldId id="317" r:id="rId17"/>
+    <p:sldId id="318" r:id="rId18"/>
+    <p:sldId id="319" r:id="rId19"/>
+    <p:sldId id="320" r:id="rId20"/>
+    <p:sldId id="321" r:id="rId21"/>
+    <p:sldId id="322" r:id="rId22"/>
+    <p:sldId id="264" r:id="rId23"/>
+    <p:sldId id="303" r:id="rId24"/>
+    <p:sldId id="304" r:id="rId25"/>
+    <p:sldId id="305" r:id="rId26"/>
+    <p:sldId id="306" r:id="rId27"/>
+    <p:sldId id="307" r:id="rId28"/>
+    <p:sldId id="290" r:id="rId29"/>
+    <p:sldId id="324" r:id="rId30"/>
+    <p:sldId id="325" r:id="rId31"/>
+    <p:sldId id="323" r:id="rId32"/>
+    <p:sldId id="327" r:id="rId33"/>
+    <p:sldId id="328" r:id="rId34"/>
+    <p:sldId id="329" r:id="rId35"/>
+    <p:sldId id="330" r:id="rId36"/>
+    <p:sldId id="331" r:id="rId37"/>
+    <p:sldId id="326" r:id="rId38"/>
+    <p:sldId id="291" r:id="rId39"/>
+    <p:sldId id="292" r:id="rId40"/>
+    <p:sldId id="293" r:id="rId41"/>
+    <p:sldId id="294" r:id="rId42"/>
+    <p:sldId id="295" r:id="rId43"/>
+    <p:sldId id="308" r:id="rId44"/>
+    <p:sldId id="332" r:id="rId45"/>
+    <p:sldId id="333" r:id="rId46"/>
+    <p:sldId id="335" r:id="rId47"/>
+    <p:sldId id="334" r:id="rId48"/>
+    <p:sldId id="336" r:id="rId49"/>
+    <p:sldId id="337" r:id="rId50"/>
+    <p:sldId id="338" r:id="rId51"/>
+    <p:sldId id="339" r:id="rId52"/>
+    <p:sldId id="340" r:id="rId53"/>
+    <p:sldId id="341" r:id="rId54"/>
+    <p:sldId id="300" r:id="rId55"/>
+    <p:sldId id="342" r:id="rId56"/>
+    <p:sldId id="343" r:id="rId57"/>
+    <p:sldId id="302" r:id="rId58"/>
   </p:sldIdLst>
   <p:sldSz cx="12192000" cy="6858000"/>
   <p:notesSz cx="6858000" cy="9144000"/>
@@ -320,7 +355,7 @@
           <a:p>
             <a:fld id="{5FFF6345-D9F2-4AD2-95BF-86AE0484AF96}" type="datetimeFigureOut">
               <a:rPr lang="en-IN" smtClean="0"/>
-              <a:t>20-02-2021</a:t>
+              <a:t>25-02-2021</a:t>
             </a:fld>
             <a:endParaRPr lang="en-IN"/>
           </a:p>
@@ -485,7 +520,7 @@
           <a:p>
             <a:fld id="{5FFF6345-D9F2-4AD2-95BF-86AE0484AF96}" type="datetimeFigureOut">
               <a:rPr lang="en-IN" smtClean="0"/>
-              <a:t>20-02-2021</a:t>
+              <a:t>25-02-2021</a:t>
             </a:fld>
             <a:endParaRPr lang="en-IN"/>
           </a:p>
@@ -660,7 +695,7 @@
           <a:p>
             <a:fld id="{5FFF6345-D9F2-4AD2-95BF-86AE0484AF96}" type="datetimeFigureOut">
               <a:rPr lang="en-IN" smtClean="0"/>
-              <a:t>20-02-2021</a:t>
+              <a:t>25-02-2021</a:t>
             </a:fld>
             <a:endParaRPr lang="en-IN"/>
           </a:p>
@@ -843,7 +878,7 @@
           <a:p>
             <a:fld id="{5FFF6345-D9F2-4AD2-95BF-86AE0484AF96}" type="datetimeFigureOut">
               <a:rPr lang="en-IN" smtClean="0"/>
-              <a:t>20-02-2021</a:t>
+              <a:t>25-02-2021</a:t>
             </a:fld>
             <a:endParaRPr lang="en-IN"/>
           </a:p>
@@ -1105,7 +1140,7 @@
           <a:p>
             <a:fld id="{5FFF6345-D9F2-4AD2-95BF-86AE0484AF96}" type="datetimeFigureOut">
               <a:rPr lang="en-IN" smtClean="0"/>
-              <a:t>20-02-2021</a:t>
+              <a:t>25-02-2021</a:t>
             </a:fld>
             <a:endParaRPr lang="en-IN"/>
           </a:p>
@@ -1453,7 +1488,7 @@
           <a:p>
             <a:fld id="{5FFF6345-D9F2-4AD2-95BF-86AE0484AF96}" type="datetimeFigureOut">
               <a:rPr lang="en-IN" smtClean="0"/>
-              <a:t>20-02-2021</a:t>
+              <a:t>25-02-2021</a:t>
             </a:fld>
             <a:endParaRPr lang="en-IN"/>
           </a:p>
@@ -1761,7 +1796,7 @@
           <a:p>
             <a:fld id="{5FFF6345-D9F2-4AD2-95BF-86AE0484AF96}" type="datetimeFigureOut">
               <a:rPr lang="en-IN" smtClean="0"/>
-              <a:t>20-02-2021</a:t>
+              <a:t>25-02-2021</a:t>
             </a:fld>
             <a:endParaRPr lang="en-IN"/>
           </a:p>
@@ -1988,7 +2023,7 @@
           <a:p>
             <a:fld id="{5FFF6345-D9F2-4AD2-95BF-86AE0484AF96}" type="datetimeFigureOut">
               <a:rPr lang="en-IN" smtClean="0"/>
-              <a:t>20-02-2021</a:t>
+              <a:t>25-02-2021</a:t>
             </a:fld>
             <a:endParaRPr lang="en-IN"/>
           </a:p>
@@ -2078,7 +2113,7 @@
           <a:p>
             <a:fld id="{5FFF6345-D9F2-4AD2-95BF-86AE0484AF96}" type="datetimeFigureOut">
               <a:rPr lang="en-IN" smtClean="0"/>
-              <a:t>20-02-2021</a:t>
+              <a:t>25-02-2021</a:t>
             </a:fld>
             <a:endParaRPr lang="en-IN"/>
           </a:p>
@@ -2366,7 +2401,7 @@
           <a:p>
             <a:fld id="{5FFF6345-D9F2-4AD2-95BF-86AE0484AF96}" type="datetimeFigureOut">
               <a:rPr lang="en-IN" smtClean="0"/>
-              <a:t>20-02-2021</a:t>
+              <a:t>25-02-2021</a:t>
             </a:fld>
             <a:endParaRPr lang="en-IN"/>
           </a:p>
@@ -2635,7 +2670,7 @@
           <a:p>
             <a:fld id="{5FFF6345-D9F2-4AD2-95BF-86AE0484AF96}" type="datetimeFigureOut">
               <a:rPr lang="en-IN" smtClean="0"/>
-              <a:t>20-02-2021</a:t>
+              <a:t>25-02-2021</a:t>
             </a:fld>
             <a:endParaRPr lang="en-IN"/>
           </a:p>
@@ -2845,7 +2880,7 @@
           <a:p>
             <a:fld id="{5FFF6345-D9F2-4AD2-95BF-86AE0484AF96}" type="datetimeFigureOut">
               <a:rPr lang="en-IN" smtClean="0"/>
-              <a:t>20-02-2021</a:t>
+              <a:t>25-02-2021</a:t>
             </a:fld>
             <a:endParaRPr lang="en-IN"/>
           </a:p>
@@ -3498,6 +3533,1300 @@
       </p:grpSpPr>
       <p:pic>
         <p:nvPicPr>
+          <p:cNvPr id="3074" name="Picture 2"/>
+          <p:cNvPicPr>
+            <a:picLocks noChangeAspect="1" noChangeArrowheads="1"/>
+          </p:cNvPicPr>
+          <p:nvPr/>
+        </p:nvPicPr>
+        <p:blipFill>
+          <a:blip r:embed="rId2">
+            <a:extLst>
+              <a:ext uri="{28A0092B-C50C-407E-A947-70E740481C1C}">
+                <a14:useLocalDpi xmlns:a14="http://schemas.microsoft.com/office/drawing/2010/main" val="0"/>
+              </a:ext>
+            </a:extLst>
+          </a:blip>
+          <a:srcRect/>
+          <a:stretch>
+            <a:fillRect/>
+          </a:stretch>
+        </p:blipFill>
+        <p:spPr bwMode="auto">
+          <a:xfrm>
+            <a:off x="256540" y="677926"/>
+            <a:ext cx="11599158" cy="5091938"/>
+          </a:xfrm>
+          <a:prstGeom prst="rect">
+            <a:avLst/>
+          </a:prstGeom>
+          <a:noFill/>
+          <a:ln>
+            <a:noFill/>
+          </a:ln>
+          <a:extLst>
+            <a:ext uri="{909E8E84-426E-40DD-AFC4-6F175D3DCCD1}">
+              <a14:hiddenFill xmlns:a14="http://schemas.microsoft.com/office/drawing/2010/main">
+                <a:solidFill>
+                  <a:schemeClr val="accent1"/>
+                </a:solidFill>
+              </a14:hiddenFill>
+            </a:ext>
+            <a:ext uri="{91240B29-F687-4F45-9708-019B960494DF}">
+              <a14:hiddenLine xmlns:a14="http://schemas.microsoft.com/office/drawing/2010/main" w="9525">
+                <a:solidFill>
+                  <a:schemeClr val="tx1"/>
+                </a:solidFill>
+                <a:miter lim="800000"/>
+                <a:headEnd/>
+                <a:tailEnd/>
+              </a14:hiddenLine>
+            </a:ext>
+          </a:extLst>
+        </p:spPr>
+      </p:pic>
+    </p:spTree>
+    <p:extLst>
+      <p:ext uri="{BB962C8B-B14F-4D97-AF65-F5344CB8AC3E}">
+        <p14:creationId xmlns:p14="http://schemas.microsoft.com/office/powerpoint/2010/main" val="3541256034"/>
+      </p:ext>
+    </p:extLst>
+  </p:cSld>
+  <p:clrMapOvr>
+    <a:masterClrMapping/>
+  </p:clrMapOvr>
+</p:sld>
+</file>
+
+<file path=ppt/slides/slide11.xml><?xml version="1.0" encoding="utf-8"?>
+<p:sld xmlns:a="http://schemas.openxmlformats.org/drawingml/2006/main" xmlns:r="http://schemas.openxmlformats.org/officeDocument/2006/relationships" xmlns:p="http://schemas.openxmlformats.org/presentationml/2006/main">
+  <p:cSld>
+    <p:spTree>
+      <p:nvGrpSpPr>
+        <p:cNvPr id="1" name=""/>
+        <p:cNvGrpSpPr/>
+        <p:nvPr/>
+      </p:nvGrpSpPr>
+      <p:grpSpPr>
+        <a:xfrm>
+          <a:off x="0" y="0"/>
+          <a:ext cx="0" cy="0"/>
+          <a:chOff x="0" y="0"/>
+          <a:chExt cx="0" cy="0"/>
+        </a:xfrm>
+      </p:grpSpPr>
+      <p:pic>
+        <p:nvPicPr>
+          <p:cNvPr id="4098" name="Picture 2"/>
+          <p:cNvPicPr>
+            <a:picLocks noChangeAspect="1" noChangeArrowheads="1"/>
+          </p:cNvPicPr>
+          <p:nvPr/>
+        </p:nvPicPr>
+        <p:blipFill>
+          <a:blip r:embed="rId2">
+            <a:extLst>
+              <a:ext uri="{28A0092B-C50C-407E-A947-70E740481C1C}">
+                <a14:useLocalDpi xmlns:a14="http://schemas.microsoft.com/office/drawing/2010/main" val="0"/>
+              </a:ext>
+            </a:extLst>
+          </a:blip>
+          <a:srcRect/>
+          <a:stretch>
+            <a:fillRect/>
+          </a:stretch>
+        </p:blipFill>
+        <p:spPr bwMode="auto">
+          <a:xfrm>
+            <a:off x="254507" y="666114"/>
+            <a:ext cx="11048163" cy="5030597"/>
+          </a:xfrm>
+          <a:prstGeom prst="rect">
+            <a:avLst/>
+          </a:prstGeom>
+          <a:noFill/>
+          <a:ln>
+            <a:noFill/>
+          </a:ln>
+          <a:extLst>
+            <a:ext uri="{909E8E84-426E-40DD-AFC4-6F175D3DCCD1}">
+              <a14:hiddenFill xmlns:a14="http://schemas.microsoft.com/office/drawing/2010/main">
+                <a:solidFill>
+                  <a:schemeClr val="accent1"/>
+                </a:solidFill>
+              </a14:hiddenFill>
+            </a:ext>
+            <a:ext uri="{91240B29-F687-4F45-9708-019B960494DF}">
+              <a14:hiddenLine xmlns:a14="http://schemas.microsoft.com/office/drawing/2010/main" w="9525">
+                <a:solidFill>
+                  <a:schemeClr val="tx1"/>
+                </a:solidFill>
+                <a:miter lim="800000"/>
+                <a:headEnd/>
+                <a:tailEnd/>
+              </a14:hiddenLine>
+            </a:ext>
+          </a:extLst>
+        </p:spPr>
+      </p:pic>
+    </p:spTree>
+    <p:extLst>
+      <p:ext uri="{BB962C8B-B14F-4D97-AF65-F5344CB8AC3E}">
+        <p14:creationId xmlns:p14="http://schemas.microsoft.com/office/powerpoint/2010/main" val="3738458134"/>
+      </p:ext>
+    </p:extLst>
+  </p:cSld>
+  <p:clrMapOvr>
+    <a:masterClrMapping/>
+  </p:clrMapOvr>
+</p:sld>
+</file>
+
+<file path=ppt/slides/slide12.xml><?xml version="1.0" encoding="utf-8"?>
+<p:sld xmlns:a="http://schemas.openxmlformats.org/drawingml/2006/main" xmlns:r="http://schemas.openxmlformats.org/officeDocument/2006/relationships" xmlns:p="http://schemas.openxmlformats.org/presentationml/2006/main">
+  <p:cSld>
+    <p:spTree>
+      <p:nvGrpSpPr>
+        <p:cNvPr id="1" name=""/>
+        <p:cNvGrpSpPr/>
+        <p:nvPr/>
+      </p:nvGrpSpPr>
+      <p:grpSpPr>
+        <a:xfrm>
+          <a:off x="0" y="0"/>
+          <a:ext cx="0" cy="0"/>
+          <a:chOff x="0" y="0"/>
+          <a:chExt cx="0" cy="0"/>
+        </a:xfrm>
+      </p:grpSpPr>
+      <p:pic>
+        <p:nvPicPr>
+          <p:cNvPr id="5122" name="Picture 2"/>
+          <p:cNvPicPr>
+            <a:picLocks noChangeAspect="1" noChangeArrowheads="1"/>
+          </p:cNvPicPr>
+          <p:nvPr/>
+        </p:nvPicPr>
+        <p:blipFill>
+          <a:blip r:embed="rId2">
+            <a:extLst>
+              <a:ext uri="{28A0092B-C50C-407E-A947-70E740481C1C}">
+                <a14:useLocalDpi xmlns:a14="http://schemas.microsoft.com/office/drawing/2010/main" val="0"/>
+              </a:ext>
+            </a:extLst>
+          </a:blip>
+          <a:srcRect/>
+          <a:stretch>
+            <a:fillRect/>
+          </a:stretch>
+        </p:blipFill>
+        <p:spPr bwMode="auto">
+          <a:xfrm>
+            <a:off x="430910" y="971804"/>
+            <a:ext cx="11406971" cy="4103116"/>
+          </a:xfrm>
+          <a:prstGeom prst="rect">
+            <a:avLst/>
+          </a:prstGeom>
+          <a:noFill/>
+          <a:ln>
+            <a:noFill/>
+          </a:ln>
+          <a:extLst>
+            <a:ext uri="{909E8E84-426E-40DD-AFC4-6F175D3DCCD1}">
+              <a14:hiddenFill xmlns:a14="http://schemas.microsoft.com/office/drawing/2010/main">
+                <a:solidFill>
+                  <a:schemeClr val="accent1"/>
+                </a:solidFill>
+              </a14:hiddenFill>
+            </a:ext>
+            <a:ext uri="{91240B29-F687-4F45-9708-019B960494DF}">
+              <a14:hiddenLine xmlns:a14="http://schemas.microsoft.com/office/drawing/2010/main" w="9525">
+                <a:solidFill>
+                  <a:schemeClr val="tx1"/>
+                </a:solidFill>
+                <a:miter lim="800000"/>
+                <a:headEnd/>
+                <a:tailEnd/>
+              </a14:hiddenLine>
+            </a:ext>
+          </a:extLst>
+        </p:spPr>
+      </p:pic>
+    </p:spTree>
+    <p:extLst>
+      <p:ext uri="{BB962C8B-B14F-4D97-AF65-F5344CB8AC3E}">
+        <p14:creationId xmlns:p14="http://schemas.microsoft.com/office/powerpoint/2010/main" val="2084923033"/>
+      </p:ext>
+    </p:extLst>
+  </p:cSld>
+  <p:clrMapOvr>
+    <a:masterClrMapping/>
+  </p:clrMapOvr>
+</p:sld>
+</file>
+
+<file path=ppt/slides/slide13.xml><?xml version="1.0" encoding="utf-8"?>
+<p:sld xmlns:a="http://schemas.openxmlformats.org/drawingml/2006/main" xmlns:r="http://schemas.openxmlformats.org/officeDocument/2006/relationships" xmlns:p="http://schemas.openxmlformats.org/presentationml/2006/main">
+  <p:cSld>
+    <p:spTree>
+      <p:nvGrpSpPr>
+        <p:cNvPr id="1" name=""/>
+        <p:cNvGrpSpPr/>
+        <p:nvPr/>
+      </p:nvGrpSpPr>
+      <p:grpSpPr>
+        <a:xfrm>
+          <a:off x="0" y="0"/>
+          <a:ext cx="0" cy="0"/>
+          <a:chOff x="0" y="0"/>
+          <a:chExt cx="0" cy="0"/>
+        </a:xfrm>
+      </p:grpSpPr>
+      <p:sp>
+        <p:nvSpPr>
+          <p:cNvPr id="2" name="Title 1"/>
+          <p:cNvSpPr>
+            <a:spLocks noGrp="1"/>
+          </p:cNvSpPr>
+          <p:nvPr>
+            <p:ph type="title"/>
+          </p:nvPr>
+        </p:nvSpPr>
+        <p:spPr/>
+        <p:txBody>
+          <a:bodyPr/>
+          <a:lstStyle/>
+          <a:p>
+            <a:r>
+              <a:rPr lang="en-IN" b="1" i="1" dirty="0" smtClean="0">
+                <a:effectLst/>
+                <a:latin typeface="Arial Black" panose="020B0A04020102020204" pitchFamily="34" charset="0"/>
+              </a:rPr>
+              <a:t>Data Analysis &amp; Visualization</a:t>
+            </a:r>
+            <a:endParaRPr lang="en-IN" b="1" i="1" dirty="0">
+              <a:effectLst/>
+              <a:latin typeface="Arial Black" panose="020B0A04020102020204" pitchFamily="34" charset="0"/>
+            </a:endParaRPr>
+          </a:p>
+        </p:txBody>
+      </p:sp>
+      <p:pic>
+        <p:nvPicPr>
+          <p:cNvPr id="5" name="Picture 4"/>
+          <p:cNvPicPr/>
+          <p:nvPr/>
+        </p:nvPicPr>
+        <p:blipFill>
+          <a:blip r:embed="rId2"/>
+          <a:stretch>
+            <a:fillRect/>
+          </a:stretch>
+        </p:blipFill>
+        <p:spPr>
+          <a:xfrm>
+            <a:off x="2966466" y="1796796"/>
+            <a:ext cx="5417820" cy="4709160"/>
+          </a:xfrm>
+          <a:prstGeom prst="rect">
+            <a:avLst/>
+          </a:prstGeom>
+        </p:spPr>
+      </p:pic>
+      <p:sp>
+        <p:nvSpPr>
+          <p:cNvPr id="7" name="Rectangle 6"/>
+          <p:cNvSpPr/>
+          <p:nvPr/>
+        </p:nvSpPr>
+        <p:spPr>
+          <a:xfrm>
+            <a:off x="236679" y="1427464"/>
+            <a:ext cx="4256293" cy="400110"/>
+          </a:xfrm>
+          <a:prstGeom prst="rect">
+            <a:avLst/>
+          </a:prstGeom>
+        </p:spPr>
+        <p:txBody>
+          <a:bodyPr wrap="none">
+            <a:spAutoFit/>
+          </a:bodyPr>
+          <a:lstStyle/>
+          <a:p>
+            <a:r>
+              <a:rPr lang="en-IN" sz="2000" b="1" dirty="0">
+                <a:latin typeface="Arial" panose="020B0604020202020204" pitchFamily="34" charset="0"/>
+                <a:cs typeface="Arial" panose="020B0604020202020204" pitchFamily="34" charset="0"/>
+              </a:rPr>
+              <a:t>Dataset Datatypes are as follows:</a:t>
+            </a:r>
+            <a:endParaRPr lang="en-US" sz="2000" b="1" dirty="0">
+              <a:latin typeface="Arial" panose="020B0604020202020204" pitchFamily="34" charset="0"/>
+              <a:cs typeface="Arial" panose="020B0604020202020204" pitchFamily="34" charset="0"/>
+            </a:endParaRPr>
+          </a:p>
+        </p:txBody>
+      </p:sp>
+    </p:spTree>
+    <p:extLst>
+      <p:ext uri="{BB962C8B-B14F-4D97-AF65-F5344CB8AC3E}">
+        <p14:creationId xmlns:p14="http://schemas.microsoft.com/office/powerpoint/2010/main" val="2928757114"/>
+      </p:ext>
+    </p:extLst>
+  </p:cSld>
+  <p:clrMapOvr>
+    <a:masterClrMapping/>
+  </p:clrMapOvr>
+</p:sld>
+</file>
+
+<file path=ppt/slides/slide14.xml><?xml version="1.0" encoding="utf-8"?>
+<p:sld xmlns:a="http://schemas.openxmlformats.org/drawingml/2006/main" xmlns:r="http://schemas.openxmlformats.org/officeDocument/2006/relationships" xmlns:p="http://schemas.openxmlformats.org/presentationml/2006/main">
+  <p:cSld>
+    <p:spTree>
+      <p:nvGrpSpPr>
+        <p:cNvPr id="1" name=""/>
+        <p:cNvGrpSpPr/>
+        <p:nvPr/>
+      </p:nvGrpSpPr>
+      <p:grpSpPr>
+        <a:xfrm>
+          <a:off x="0" y="0"/>
+          <a:ext cx="0" cy="0"/>
+          <a:chOff x="0" y="0"/>
+          <a:chExt cx="0" cy="0"/>
+        </a:xfrm>
+      </p:grpSpPr>
+      <p:pic>
+        <p:nvPicPr>
+          <p:cNvPr id="6146" name="Picture 2"/>
+          <p:cNvPicPr>
+            <a:picLocks noChangeAspect="1" noChangeArrowheads="1"/>
+          </p:cNvPicPr>
+          <p:nvPr/>
+        </p:nvPicPr>
+        <p:blipFill>
+          <a:blip r:embed="rId2">
+            <a:extLst>
+              <a:ext uri="{28A0092B-C50C-407E-A947-70E740481C1C}">
+                <a14:useLocalDpi xmlns:a14="http://schemas.microsoft.com/office/drawing/2010/main" val="0"/>
+              </a:ext>
+            </a:extLst>
+          </a:blip>
+          <a:srcRect/>
+          <a:stretch>
+            <a:fillRect/>
+          </a:stretch>
+        </p:blipFill>
+        <p:spPr bwMode="auto">
+          <a:xfrm>
+            <a:off x="1104900" y="138113"/>
+            <a:ext cx="9982200" cy="6581775"/>
+          </a:xfrm>
+          <a:prstGeom prst="rect">
+            <a:avLst/>
+          </a:prstGeom>
+          <a:noFill/>
+          <a:ln>
+            <a:noFill/>
+          </a:ln>
+          <a:extLst>
+            <a:ext uri="{909E8E84-426E-40DD-AFC4-6F175D3DCCD1}">
+              <a14:hiddenFill xmlns:a14="http://schemas.microsoft.com/office/drawing/2010/main">
+                <a:solidFill>
+                  <a:schemeClr val="accent1"/>
+                </a:solidFill>
+              </a14:hiddenFill>
+            </a:ext>
+            <a:ext uri="{91240B29-F687-4F45-9708-019B960494DF}">
+              <a14:hiddenLine xmlns:a14="http://schemas.microsoft.com/office/drawing/2010/main" w="9525">
+                <a:solidFill>
+                  <a:schemeClr val="tx1"/>
+                </a:solidFill>
+                <a:miter lim="800000"/>
+                <a:headEnd/>
+                <a:tailEnd/>
+              </a14:hiddenLine>
+            </a:ext>
+          </a:extLst>
+        </p:spPr>
+      </p:pic>
+    </p:spTree>
+    <p:extLst>
+      <p:ext uri="{BB962C8B-B14F-4D97-AF65-F5344CB8AC3E}">
+        <p14:creationId xmlns:p14="http://schemas.microsoft.com/office/powerpoint/2010/main" val="300932027"/>
+      </p:ext>
+    </p:extLst>
+  </p:cSld>
+  <p:clrMapOvr>
+    <a:masterClrMapping/>
+  </p:clrMapOvr>
+</p:sld>
+</file>
+
+<file path=ppt/slides/slide15.xml><?xml version="1.0" encoding="utf-8"?>
+<p:sld xmlns:a="http://schemas.openxmlformats.org/drawingml/2006/main" xmlns:r="http://schemas.openxmlformats.org/officeDocument/2006/relationships" xmlns:p="http://schemas.openxmlformats.org/presentationml/2006/main">
+  <p:cSld>
+    <p:spTree>
+      <p:nvGrpSpPr>
+        <p:cNvPr id="1" name=""/>
+        <p:cNvGrpSpPr/>
+        <p:nvPr/>
+      </p:nvGrpSpPr>
+      <p:grpSpPr>
+        <a:xfrm>
+          <a:off x="0" y="0"/>
+          <a:ext cx="0" cy="0"/>
+          <a:chOff x="0" y="0"/>
+          <a:chExt cx="0" cy="0"/>
+        </a:xfrm>
+      </p:grpSpPr>
+      <p:pic>
+        <p:nvPicPr>
+          <p:cNvPr id="7170" name="Picture 2"/>
+          <p:cNvPicPr>
+            <a:picLocks noChangeAspect="1" noChangeArrowheads="1"/>
+          </p:cNvPicPr>
+          <p:nvPr/>
+        </p:nvPicPr>
+        <p:blipFill>
+          <a:blip r:embed="rId2">
+            <a:extLst>
+              <a:ext uri="{28A0092B-C50C-407E-A947-70E740481C1C}">
+                <a14:useLocalDpi xmlns:a14="http://schemas.microsoft.com/office/drawing/2010/main" val="0"/>
+              </a:ext>
+            </a:extLst>
+          </a:blip>
+          <a:srcRect/>
+          <a:stretch>
+            <a:fillRect/>
+          </a:stretch>
+        </p:blipFill>
+        <p:spPr bwMode="auto">
+          <a:xfrm>
+            <a:off x="845058" y="431800"/>
+            <a:ext cx="9899142" cy="5802396"/>
+          </a:xfrm>
+          <a:prstGeom prst="rect">
+            <a:avLst/>
+          </a:prstGeom>
+          <a:noFill/>
+          <a:ln>
+            <a:noFill/>
+          </a:ln>
+          <a:extLst>
+            <a:ext uri="{909E8E84-426E-40DD-AFC4-6F175D3DCCD1}">
+              <a14:hiddenFill xmlns:a14="http://schemas.microsoft.com/office/drawing/2010/main">
+                <a:solidFill>
+                  <a:schemeClr val="accent1"/>
+                </a:solidFill>
+              </a14:hiddenFill>
+            </a:ext>
+            <a:ext uri="{91240B29-F687-4F45-9708-019B960494DF}">
+              <a14:hiddenLine xmlns:a14="http://schemas.microsoft.com/office/drawing/2010/main" w="9525">
+                <a:solidFill>
+                  <a:schemeClr val="tx1"/>
+                </a:solidFill>
+                <a:miter lim="800000"/>
+                <a:headEnd/>
+                <a:tailEnd/>
+              </a14:hiddenLine>
+            </a:ext>
+          </a:extLst>
+        </p:spPr>
+      </p:pic>
+    </p:spTree>
+    <p:extLst>
+      <p:ext uri="{BB962C8B-B14F-4D97-AF65-F5344CB8AC3E}">
+        <p14:creationId xmlns:p14="http://schemas.microsoft.com/office/powerpoint/2010/main" val="2568575530"/>
+      </p:ext>
+    </p:extLst>
+  </p:cSld>
+  <p:clrMapOvr>
+    <a:masterClrMapping/>
+  </p:clrMapOvr>
+</p:sld>
+</file>
+
+<file path=ppt/slides/slide16.xml><?xml version="1.0" encoding="utf-8"?>
+<p:sld xmlns:a="http://schemas.openxmlformats.org/drawingml/2006/main" xmlns:r="http://schemas.openxmlformats.org/officeDocument/2006/relationships" xmlns:p="http://schemas.openxmlformats.org/presentationml/2006/main">
+  <p:cSld>
+    <p:spTree>
+      <p:nvGrpSpPr>
+        <p:cNvPr id="1" name=""/>
+        <p:cNvGrpSpPr/>
+        <p:nvPr/>
+      </p:nvGrpSpPr>
+      <p:grpSpPr>
+        <a:xfrm>
+          <a:off x="0" y="0"/>
+          <a:ext cx="0" cy="0"/>
+          <a:chOff x="0" y="0"/>
+          <a:chExt cx="0" cy="0"/>
+        </a:xfrm>
+      </p:grpSpPr>
+      <p:pic>
+        <p:nvPicPr>
+          <p:cNvPr id="8194" name="Picture 2"/>
+          <p:cNvPicPr>
+            <a:picLocks noChangeAspect="1" noChangeArrowheads="1"/>
+          </p:cNvPicPr>
+          <p:nvPr/>
+        </p:nvPicPr>
+        <p:blipFill>
+          <a:blip r:embed="rId2">
+            <a:extLst>
+              <a:ext uri="{28A0092B-C50C-407E-A947-70E740481C1C}">
+                <a14:useLocalDpi xmlns:a14="http://schemas.microsoft.com/office/drawing/2010/main" val="0"/>
+              </a:ext>
+            </a:extLst>
+          </a:blip>
+          <a:srcRect/>
+          <a:stretch>
+            <a:fillRect/>
+          </a:stretch>
+        </p:blipFill>
+        <p:spPr bwMode="auto">
+          <a:xfrm>
+            <a:off x="171450" y="447675"/>
+            <a:ext cx="11849100" cy="5962650"/>
+          </a:xfrm>
+          <a:prstGeom prst="rect">
+            <a:avLst/>
+          </a:prstGeom>
+          <a:noFill/>
+          <a:ln>
+            <a:noFill/>
+          </a:ln>
+          <a:extLst>
+            <a:ext uri="{909E8E84-426E-40DD-AFC4-6F175D3DCCD1}">
+              <a14:hiddenFill xmlns:a14="http://schemas.microsoft.com/office/drawing/2010/main">
+                <a:solidFill>
+                  <a:schemeClr val="accent1"/>
+                </a:solidFill>
+              </a14:hiddenFill>
+            </a:ext>
+            <a:ext uri="{91240B29-F687-4F45-9708-019B960494DF}">
+              <a14:hiddenLine xmlns:a14="http://schemas.microsoft.com/office/drawing/2010/main" w="9525">
+                <a:solidFill>
+                  <a:schemeClr val="tx1"/>
+                </a:solidFill>
+                <a:miter lim="800000"/>
+                <a:headEnd/>
+                <a:tailEnd/>
+              </a14:hiddenLine>
+            </a:ext>
+          </a:extLst>
+        </p:spPr>
+      </p:pic>
+    </p:spTree>
+    <p:extLst>
+      <p:ext uri="{BB962C8B-B14F-4D97-AF65-F5344CB8AC3E}">
+        <p14:creationId xmlns:p14="http://schemas.microsoft.com/office/powerpoint/2010/main" val="4132582945"/>
+      </p:ext>
+    </p:extLst>
+  </p:cSld>
+  <p:clrMapOvr>
+    <a:masterClrMapping/>
+  </p:clrMapOvr>
+</p:sld>
+</file>
+
+<file path=ppt/slides/slide17.xml><?xml version="1.0" encoding="utf-8"?>
+<p:sld xmlns:a="http://schemas.openxmlformats.org/drawingml/2006/main" xmlns:r="http://schemas.openxmlformats.org/officeDocument/2006/relationships" xmlns:p="http://schemas.openxmlformats.org/presentationml/2006/main">
+  <p:cSld>
+    <p:spTree>
+      <p:nvGrpSpPr>
+        <p:cNvPr id="1" name=""/>
+        <p:cNvGrpSpPr/>
+        <p:nvPr/>
+      </p:nvGrpSpPr>
+      <p:grpSpPr>
+        <a:xfrm>
+          <a:off x="0" y="0"/>
+          <a:ext cx="0" cy="0"/>
+          <a:chOff x="0" y="0"/>
+          <a:chExt cx="0" cy="0"/>
+        </a:xfrm>
+      </p:grpSpPr>
+      <p:pic>
+        <p:nvPicPr>
+          <p:cNvPr id="9218" name="Picture 2"/>
+          <p:cNvPicPr>
+            <a:picLocks noChangeAspect="1" noChangeArrowheads="1"/>
+          </p:cNvPicPr>
+          <p:nvPr/>
+        </p:nvPicPr>
+        <p:blipFill>
+          <a:blip r:embed="rId2">
+            <a:extLst>
+              <a:ext uri="{28A0092B-C50C-407E-A947-70E740481C1C}">
+                <a14:useLocalDpi xmlns:a14="http://schemas.microsoft.com/office/drawing/2010/main" val="0"/>
+              </a:ext>
+            </a:extLst>
+          </a:blip>
+          <a:srcRect/>
+          <a:stretch>
+            <a:fillRect/>
+          </a:stretch>
+        </p:blipFill>
+        <p:spPr bwMode="auto">
+          <a:xfrm>
+            <a:off x="254507" y="391794"/>
+            <a:ext cx="11590377" cy="5277485"/>
+          </a:xfrm>
+          <a:prstGeom prst="rect">
+            <a:avLst/>
+          </a:prstGeom>
+          <a:noFill/>
+          <a:ln>
+            <a:noFill/>
+          </a:ln>
+          <a:extLst>
+            <a:ext uri="{909E8E84-426E-40DD-AFC4-6F175D3DCCD1}">
+              <a14:hiddenFill xmlns:a14="http://schemas.microsoft.com/office/drawing/2010/main">
+                <a:solidFill>
+                  <a:schemeClr val="accent1"/>
+                </a:solidFill>
+              </a14:hiddenFill>
+            </a:ext>
+            <a:ext uri="{91240B29-F687-4F45-9708-019B960494DF}">
+              <a14:hiddenLine xmlns:a14="http://schemas.microsoft.com/office/drawing/2010/main" w="9525">
+                <a:solidFill>
+                  <a:schemeClr val="tx1"/>
+                </a:solidFill>
+                <a:miter lim="800000"/>
+                <a:headEnd/>
+                <a:tailEnd/>
+              </a14:hiddenLine>
+            </a:ext>
+          </a:extLst>
+        </p:spPr>
+      </p:pic>
+    </p:spTree>
+    <p:extLst>
+      <p:ext uri="{BB962C8B-B14F-4D97-AF65-F5344CB8AC3E}">
+        <p14:creationId xmlns:p14="http://schemas.microsoft.com/office/powerpoint/2010/main" val="1045623877"/>
+      </p:ext>
+    </p:extLst>
+  </p:cSld>
+  <p:clrMapOvr>
+    <a:masterClrMapping/>
+  </p:clrMapOvr>
+</p:sld>
+</file>
+
+<file path=ppt/slides/slide18.xml><?xml version="1.0" encoding="utf-8"?>
+<p:sld xmlns:a="http://schemas.openxmlformats.org/drawingml/2006/main" xmlns:r="http://schemas.openxmlformats.org/officeDocument/2006/relationships" xmlns:p="http://schemas.openxmlformats.org/presentationml/2006/main">
+  <p:cSld>
+    <p:spTree>
+      <p:nvGrpSpPr>
+        <p:cNvPr id="1" name=""/>
+        <p:cNvGrpSpPr/>
+        <p:nvPr/>
+      </p:nvGrpSpPr>
+      <p:grpSpPr>
+        <a:xfrm>
+          <a:off x="0" y="0"/>
+          <a:ext cx="0" cy="0"/>
+          <a:chOff x="0" y="0"/>
+          <a:chExt cx="0" cy="0"/>
+        </a:xfrm>
+      </p:grpSpPr>
+      <p:pic>
+        <p:nvPicPr>
+          <p:cNvPr id="10242" name="Picture 2"/>
+          <p:cNvPicPr>
+            <a:picLocks noChangeAspect="1" noChangeArrowheads="1"/>
+          </p:cNvPicPr>
+          <p:nvPr/>
+        </p:nvPicPr>
+        <p:blipFill>
+          <a:blip r:embed="rId2">
+            <a:extLst>
+              <a:ext uri="{28A0092B-C50C-407E-A947-70E740481C1C}">
+                <a14:useLocalDpi xmlns:a14="http://schemas.microsoft.com/office/drawing/2010/main" val="0"/>
+              </a:ext>
+            </a:extLst>
+          </a:blip>
+          <a:srcRect/>
+          <a:stretch>
+            <a:fillRect/>
+          </a:stretch>
+        </p:blipFill>
+        <p:spPr bwMode="auto">
+          <a:xfrm>
+            <a:off x="172592" y="376046"/>
+            <a:ext cx="11741383" cy="5320665"/>
+          </a:xfrm>
+          <a:prstGeom prst="rect">
+            <a:avLst/>
+          </a:prstGeom>
+          <a:noFill/>
+          <a:ln>
+            <a:noFill/>
+          </a:ln>
+          <a:extLst>
+            <a:ext uri="{909E8E84-426E-40DD-AFC4-6F175D3DCCD1}">
+              <a14:hiddenFill xmlns:a14="http://schemas.microsoft.com/office/drawing/2010/main">
+                <a:solidFill>
+                  <a:schemeClr val="accent1"/>
+                </a:solidFill>
+              </a14:hiddenFill>
+            </a:ext>
+            <a:ext uri="{91240B29-F687-4F45-9708-019B960494DF}">
+              <a14:hiddenLine xmlns:a14="http://schemas.microsoft.com/office/drawing/2010/main" w="9525">
+                <a:solidFill>
+                  <a:schemeClr val="tx1"/>
+                </a:solidFill>
+                <a:miter lim="800000"/>
+                <a:headEnd/>
+                <a:tailEnd/>
+              </a14:hiddenLine>
+            </a:ext>
+          </a:extLst>
+        </p:spPr>
+      </p:pic>
+    </p:spTree>
+    <p:extLst>
+      <p:ext uri="{BB962C8B-B14F-4D97-AF65-F5344CB8AC3E}">
+        <p14:creationId xmlns:p14="http://schemas.microsoft.com/office/powerpoint/2010/main" val="911232010"/>
+      </p:ext>
+    </p:extLst>
+  </p:cSld>
+  <p:clrMapOvr>
+    <a:masterClrMapping/>
+  </p:clrMapOvr>
+</p:sld>
+</file>
+
+<file path=ppt/slides/slide19.xml><?xml version="1.0" encoding="utf-8"?>
+<p:sld xmlns:a="http://schemas.openxmlformats.org/drawingml/2006/main" xmlns:r="http://schemas.openxmlformats.org/officeDocument/2006/relationships" xmlns:p="http://schemas.openxmlformats.org/presentationml/2006/main">
+  <p:cSld>
+    <p:spTree>
+      <p:nvGrpSpPr>
+        <p:cNvPr id="1" name=""/>
+        <p:cNvGrpSpPr/>
+        <p:nvPr/>
+      </p:nvGrpSpPr>
+      <p:grpSpPr>
+        <a:xfrm>
+          <a:off x="0" y="0"/>
+          <a:ext cx="0" cy="0"/>
+          <a:chOff x="0" y="0"/>
+          <a:chExt cx="0" cy="0"/>
+        </a:xfrm>
+      </p:grpSpPr>
+      <p:pic>
+        <p:nvPicPr>
+          <p:cNvPr id="11266" name="Picture 2"/>
+          <p:cNvPicPr>
+            <a:picLocks noChangeAspect="1" noChangeArrowheads="1"/>
+          </p:cNvPicPr>
+          <p:nvPr/>
+        </p:nvPicPr>
+        <p:blipFill>
+          <a:blip r:embed="rId2">
+            <a:extLst>
+              <a:ext uri="{28A0092B-C50C-407E-A947-70E740481C1C}">
+                <a14:useLocalDpi xmlns:a14="http://schemas.microsoft.com/office/drawing/2010/main" val="0"/>
+              </a:ext>
+            </a:extLst>
+          </a:blip>
+          <a:srcRect/>
+          <a:stretch>
+            <a:fillRect/>
+          </a:stretch>
+        </p:blipFill>
+        <p:spPr bwMode="auto">
+          <a:xfrm>
+            <a:off x="584200" y="597661"/>
+            <a:ext cx="10745216" cy="5506181"/>
+          </a:xfrm>
+          <a:prstGeom prst="rect">
+            <a:avLst/>
+          </a:prstGeom>
+          <a:noFill/>
+          <a:ln>
+            <a:noFill/>
+          </a:ln>
+          <a:extLst>
+            <a:ext uri="{909E8E84-426E-40DD-AFC4-6F175D3DCCD1}">
+              <a14:hiddenFill xmlns:a14="http://schemas.microsoft.com/office/drawing/2010/main">
+                <a:solidFill>
+                  <a:schemeClr val="accent1"/>
+                </a:solidFill>
+              </a14:hiddenFill>
+            </a:ext>
+            <a:ext uri="{91240B29-F687-4F45-9708-019B960494DF}">
+              <a14:hiddenLine xmlns:a14="http://schemas.microsoft.com/office/drawing/2010/main" w="9525">
+                <a:solidFill>
+                  <a:schemeClr val="tx1"/>
+                </a:solidFill>
+                <a:miter lim="800000"/>
+                <a:headEnd/>
+                <a:tailEnd/>
+              </a14:hiddenLine>
+            </a:ext>
+          </a:extLst>
+        </p:spPr>
+      </p:pic>
+    </p:spTree>
+    <p:extLst>
+      <p:ext uri="{BB962C8B-B14F-4D97-AF65-F5344CB8AC3E}">
+        <p14:creationId xmlns:p14="http://schemas.microsoft.com/office/powerpoint/2010/main" val="2804964562"/>
+      </p:ext>
+    </p:extLst>
+  </p:cSld>
+  <p:clrMapOvr>
+    <a:masterClrMapping/>
+  </p:clrMapOvr>
+</p:sld>
+</file>
+
+<file path=ppt/slides/slide2.xml><?xml version="1.0" encoding="utf-8"?>
+<p:sld xmlns:a="http://schemas.openxmlformats.org/drawingml/2006/main" xmlns:r="http://schemas.openxmlformats.org/officeDocument/2006/relationships" xmlns:p="http://schemas.openxmlformats.org/presentationml/2006/main">
+  <p:cSld>
+    <p:spTree>
+      <p:nvGrpSpPr>
+        <p:cNvPr id="1" name=""/>
+        <p:cNvGrpSpPr/>
+        <p:nvPr/>
+      </p:nvGrpSpPr>
+      <p:grpSpPr>
+        <a:xfrm>
+          <a:off x="0" y="0"/>
+          <a:ext cx="0" cy="0"/>
+          <a:chOff x="0" y="0"/>
+          <a:chExt cx="0" cy="0"/>
+        </a:xfrm>
+      </p:grpSpPr>
+      <p:sp>
+        <p:nvSpPr>
+          <p:cNvPr id="2" name="Title 1"/>
+          <p:cNvSpPr>
+            <a:spLocks noGrp="1"/>
+          </p:cNvSpPr>
+          <p:nvPr>
+            <p:ph type="title"/>
+          </p:nvPr>
+        </p:nvSpPr>
+        <p:spPr/>
+        <p:txBody>
+          <a:bodyPr/>
+          <a:lstStyle/>
+          <a:p>
+            <a:r>
+              <a:rPr lang="en-IN" b="1" i="1" dirty="0" smtClean="0">
+                <a:effectLst/>
+                <a:latin typeface="Arial Black" panose="020B0A04020102020204" pitchFamily="34" charset="0"/>
+              </a:rPr>
+              <a:t>Introduction</a:t>
+            </a:r>
+            <a:endParaRPr lang="en-IN" b="1" i="1" dirty="0">
+              <a:effectLst/>
+              <a:latin typeface="Arial Black" panose="020B0A04020102020204" pitchFamily="34" charset="0"/>
+            </a:endParaRPr>
+          </a:p>
+        </p:txBody>
+      </p:sp>
+      <p:sp>
+        <p:nvSpPr>
+          <p:cNvPr id="3" name="Content Placeholder 2"/>
+          <p:cNvSpPr>
+            <a:spLocks noGrp="1"/>
+          </p:cNvSpPr>
+          <p:nvPr>
+            <p:ph idx="1"/>
+          </p:nvPr>
+        </p:nvSpPr>
+        <p:spPr/>
+        <p:txBody>
+          <a:bodyPr/>
+          <a:lstStyle/>
+          <a:p>
+            <a:r>
+              <a:rPr lang="en-IN" dirty="0" smtClean="0">
+                <a:solidFill>
+                  <a:schemeClr val="tx1"/>
+                </a:solidFill>
+                <a:latin typeface="Arial" panose="020B0604020202020204" pitchFamily="34" charset="0"/>
+                <a:cs typeface="Arial" panose="020B0604020202020204" pitchFamily="34" charset="0"/>
+              </a:rPr>
+              <a:t>Loans of value 6 &amp; 12 rupees are provided by our client (telecom operator) in collaboration with a Microfinance Institute (MFI).</a:t>
+            </a:r>
+          </a:p>
+          <a:p>
+            <a:r>
+              <a:rPr lang="en-IN" dirty="0" smtClean="0">
+                <a:solidFill>
+                  <a:schemeClr val="tx1"/>
+                </a:solidFill>
+                <a:latin typeface="Arial" panose="020B0604020202020204" pitchFamily="34" charset="0"/>
+                <a:cs typeface="Arial" panose="020B0604020202020204" pitchFamily="34" charset="0"/>
+              </a:rPr>
+              <a:t>High return</a:t>
+            </a:r>
+            <a:r>
+              <a:rPr lang="en-IN" dirty="0">
+                <a:solidFill>
+                  <a:schemeClr val="tx1"/>
+                </a:solidFill>
+                <a:latin typeface="Arial" panose="020B0604020202020204" pitchFamily="34" charset="0"/>
+                <a:cs typeface="Arial" panose="020B0604020202020204" pitchFamily="34" charset="0"/>
+              </a:rPr>
+              <a:t> (20% return within 5 days)</a:t>
+            </a:r>
+            <a:r>
+              <a:rPr lang="en-IN" dirty="0" smtClean="0">
+                <a:solidFill>
+                  <a:schemeClr val="tx1"/>
+                </a:solidFill>
+                <a:latin typeface="Arial" panose="020B0604020202020204" pitchFamily="34" charset="0"/>
+                <a:cs typeface="Arial" panose="020B0604020202020204" pitchFamily="34" charset="0"/>
+              </a:rPr>
+              <a:t> as well as High risk venture (high risk of default as loan is being provided to low income populations)</a:t>
+            </a:r>
+          </a:p>
+          <a:p>
+            <a:r>
+              <a:rPr lang="en-IN" dirty="0" smtClean="0">
+                <a:solidFill>
+                  <a:schemeClr val="tx1"/>
+                </a:solidFill>
+                <a:latin typeface="Arial" panose="020B0604020202020204" pitchFamily="34" charset="0"/>
+                <a:cs typeface="Arial" panose="020B0604020202020204" pitchFamily="34" charset="0"/>
+              </a:rPr>
+              <a:t>Objective is to study the behaviour of defaulters as well as prepare a machine learning model to classify all defaulters using the sample dataset provided by the client</a:t>
+            </a:r>
+          </a:p>
+          <a:p>
+            <a:r>
+              <a:rPr lang="en-IN" dirty="0" smtClean="0">
+                <a:solidFill>
+                  <a:schemeClr val="tx1"/>
+                </a:solidFill>
+                <a:latin typeface="Arial" panose="020B0604020202020204" pitchFamily="34" charset="0"/>
+                <a:cs typeface="Arial" panose="020B0604020202020204" pitchFamily="34" charset="0"/>
+              </a:rPr>
+              <a:t>We’ll also test multiple classifier algorithms with multiple evaluation metrics and select the best model based on proper metric, perform </a:t>
+            </a:r>
+            <a:r>
+              <a:rPr lang="en-IN" dirty="0" err="1" smtClean="0">
+                <a:solidFill>
+                  <a:schemeClr val="tx1"/>
+                </a:solidFill>
+                <a:latin typeface="Arial" panose="020B0604020202020204" pitchFamily="34" charset="0"/>
+                <a:cs typeface="Arial" panose="020B0604020202020204" pitchFamily="34" charset="0"/>
+              </a:rPr>
+              <a:t>GridSearchCV</a:t>
+            </a:r>
+            <a:r>
+              <a:rPr lang="en-IN" dirty="0" smtClean="0">
+                <a:solidFill>
+                  <a:schemeClr val="tx1"/>
+                </a:solidFill>
+                <a:latin typeface="Arial" panose="020B0604020202020204" pitchFamily="34" charset="0"/>
+                <a:cs typeface="Arial" panose="020B0604020202020204" pitchFamily="34" charset="0"/>
+              </a:rPr>
+              <a:t> for best parameter settings</a:t>
+            </a:r>
+            <a:endParaRPr lang="en-IN" dirty="0">
+              <a:solidFill>
+                <a:schemeClr val="tx1"/>
+              </a:solidFill>
+              <a:latin typeface="Arial" panose="020B0604020202020204" pitchFamily="34" charset="0"/>
+              <a:cs typeface="Arial" panose="020B0604020202020204" pitchFamily="34" charset="0"/>
+            </a:endParaRPr>
+          </a:p>
+        </p:txBody>
+      </p:sp>
+    </p:spTree>
+    <p:extLst>
+      <p:ext uri="{BB962C8B-B14F-4D97-AF65-F5344CB8AC3E}">
+        <p14:creationId xmlns:p14="http://schemas.microsoft.com/office/powerpoint/2010/main" val="1210924757"/>
+      </p:ext>
+    </p:extLst>
+  </p:cSld>
+  <p:clrMapOvr>
+    <a:masterClrMapping/>
+  </p:clrMapOvr>
+</p:sld>
+</file>
+
+<file path=ppt/slides/slide20.xml><?xml version="1.0" encoding="utf-8"?>
+<p:sld xmlns:a="http://schemas.openxmlformats.org/drawingml/2006/main" xmlns:r="http://schemas.openxmlformats.org/officeDocument/2006/relationships" xmlns:p="http://schemas.openxmlformats.org/presentationml/2006/main">
+  <p:cSld>
+    <p:spTree>
+      <p:nvGrpSpPr>
+        <p:cNvPr id="1" name=""/>
+        <p:cNvGrpSpPr/>
+        <p:nvPr/>
+      </p:nvGrpSpPr>
+      <p:grpSpPr>
+        <a:xfrm>
+          <a:off x="0" y="0"/>
+          <a:ext cx="0" cy="0"/>
+          <a:chOff x="0" y="0"/>
+          <a:chExt cx="0" cy="0"/>
+        </a:xfrm>
+      </p:grpSpPr>
+      <p:pic>
+        <p:nvPicPr>
+          <p:cNvPr id="12290" name="Picture 2"/>
+          <p:cNvPicPr>
+            <a:picLocks noChangeAspect="1" noChangeArrowheads="1"/>
+          </p:cNvPicPr>
+          <p:nvPr/>
+        </p:nvPicPr>
+        <p:blipFill>
+          <a:blip r:embed="rId2">
+            <a:extLst>
+              <a:ext uri="{28A0092B-C50C-407E-A947-70E740481C1C}">
+                <a14:useLocalDpi xmlns:a14="http://schemas.microsoft.com/office/drawing/2010/main" val="0"/>
+              </a:ext>
+            </a:extLst>
+          </a:blip>
+          <a:srcRect/>
+          <a:stretch>
+            <a:fillRect/>
+          </a:stretch>
+        </p:blipFill>
+        <p:spPr bwMode="auto">
+          <a:xfrm>
+            <a:off x="417957" y="1927352"/>
+            <a:ext cx="11655050" cy="2854960"/>
+          </a:xfrm>
+          <a:prstGeom prst="rect">
+            <a:avLst/>
+          </a:prstGeom>
+          <a:noFill/>
+          <a:ln>
+            <a:noFill/>
+          </a:ln>
+          <a:extLst>
+            <a:ext uri="{909E8E84-426E-40DD-AFC4-6F175D3DCCD1}">
+              <a14:hiddenFill xmlns:a14="http://schemas.microsoft.com/office/drawing/2010/main">
+                <a:solidFill>
+                  <a:schemeClr val="accent1"/>
+                </a:solidFill>
+              </a14:hiddenFill>
+            </a:ext>
+            <a:ext uri="{91240B29-F687-4F45-9708-019B960494DF}">
+              <a14:hiddenLine xmlns:a14="http://schemas.microsoft.com/office/drawing/2010/main" w="9525">
+                <a:solidFill>
+                  <a:schemeClr val="tx1"/>
+                </a:solidFill>
+                <a:miter lim="800000"/>
+                <a:headEnd/>
+                <a:tailEnd/>
+              </a14:hiddenLine>
+            </a:ext>
+          </a:extLst>
+        </p:spPr>
+      </p:pic>
+    </p:spTree>
+    <p:extLst>
+      <p:ext uri="{BB962C8B-B14F-4D97-AF65-F5344CB8AC3E}">
+        <p14:creationId xmlns:p14="http://schemas.microsoft.com/office/powerpoint/2010/main" val="678484479"/>
+      </p:ext>
+    </p:extLst>
+  </p:cSld>
+  <p:clrMapOvr>
+    <a:masterClrMapping/>
+  </p:clrMapOvr>
+</p:sld>
+</file>
+
+<file path=ppt/slides/slide21.xml><?xml version="1.0" encoding="utf-8"?>
+<p:sld xmlns:a="http://schemas.openxmlformats.org/drawingml/2006/main" xmlns:r="http://schemas.openxmlformats.org/officeDocument/2006/relationships" xmlns:p="http://schemas.openxmlformats.org/presentationml/2006/main">
+  <p:cSld>
+    <p:spTree>
+      <p:nvGrpSpPr>
+        <p:cNvPr id="1" name=""/>
+        <p:cNvGrpSpPr/>
+        <p:nvPr/>
+      </p:nvGrpSpPr>
+      <p:grpSpPr>
+        <a:xfrm>
+          <a:off x="0" y="0"/>
+          <a:ext cx="0" cy="0"/>
+          <a:chOff x="0" y="0"/>
+          <a:chExt cx="0" cy="0"/>
+        </a:xfrm>
+      </p:grpSpPr>
+      <p:pic>
+        <p:nvPicPr>
+          <p:cNvPr id="13314" name="Picture 2"/>
+          <p:cNvPicPr>
+            <a:picLocks noChangeAspect="1" noChangeArrowheads="1"/>
+          </p:cNvPicPr>
+          <p:nvPr/>
+        </p:nvPicPr>
+        <p:blipFill>
+          <a:blip r:embed="rId2">
+            <a:extLst>
+              <a:ext uri="{28A0092B-C50C-407E-A947-70E740481C1C}">
+                <a14:useLocalDpi xmlns:a14="http://schemas.microsoft.com/office/drawing/2010/main" val="0"/>
+              </a:ext>
+            </a:extLst>
+          </a:blip>
+          <a:srcRect/>
+          <a:stretch>
+            <a:fillRect/>
+          </a:stretch>
+        </p:blipFill>
+        <p:spPr bwMode="auto">
+          <a:xfrm>
+            <a:off x="423799" y="729868"/>
+            <a:ext cx="10800618" cy="5149723"/>
+          </a:xfrm>
+          <a:prstGeom prst="rect">
+            <a:avLst/>
+          </a:prstGeom>
+          <a:noFill/>
+          <a:ln>
+            <a:noFill/>
+          </a:ln>
+          <a:extLst>
+            <a:ext uri="{909E8E84-426E-40DD-AFC4-6F175D3DCCD1}">
+              <a14:hiddenFill xmlns:a14="http://schemas.microsoft.com/office/drawing/2010/main">
+                <a:solidFill>
+                  <a:schemeClr val="accent1"/>
+                </a:solidFill>
+              </a14:hiddenFill>
+            </a:ext>
+            <a:ext uri="{91240B29-F687-4F45-9708-019B960494DF}">
+              <a14:hiddenLine xmlns:a14="http://schemas.microsoft.com/office/drawing/2010/main" w="9525">
+                <a:solidFill>
+                  <a:schemeClr val="tx1"/>
+                </a:solidFill>
+                <a:miter lim="800000"/>
+                <a:headEnd/>
+                <a:tailEnd/>
+              </a14:hiddenLine>
+            </a:ext>
+          </a:extLst>
+        </p:spPr>
+      </p:pic>
+    </p:spTree>
+    <p:extLst>
+      <p:ext uri="{BB962C8B-B14F-4D97-AF65-F5344CB8AC3E}">
+        <p14:creationId xmlns:p14="http://schemas.microsoft.com/office/powerpoint/2010/main" val="1797458853"/>
+      </p:ext>
+    </p:extLst>
+  </p:cSld>
+  <p:clrMapOvr>
+    <a:masterClrMapping/>
+  </p:clrMapOvr>
+</p:sld>
+</file>
+
+<file path=ppt/slides/slide22.xml><?xml version="1.0" encoding="utf-8"?>
+<p:sld xmlns:a="http://schemas.openxmlformats.org/drawingml/2006/main" xmlns:r="http://schemas.openxmlformats.org/officeDocument/2006/relationships" xmlns:p="http://schemas.openxmlformats.org/presentationml/2006/main">
+  <p:cSld>
+    <p:spTree>
+      <p:nvGrpSpPr>
+        <p:cNvPr id="1" name=""/>
+        <p:cNvGrpSpPr/>
+        <p:nvPr/>
+      </p:nvGrpSpPr>
+      <p:grpSpPr>
+        <a:xfrm>
+          <a:off x="0" y="0"/>
+          <a:ext cx="0" cy="0"/>
+          <a:chOff x="0" y="0"/>
+          <a:chExt cx="0" cy="0"/>
+        </a:xfrm>
+      </p:grpSpPr>
+      <p:pic>
+        <p:nvPicPr>
+          <p:cNvPr id="1026" name="Picture 2"/>
+          <p:cNvPicPr>
+            <a:picLocks noChangeAspect="1" noChangeArrowheads="1"/>
+          </p:cNvPicPr>
+          <p:nvPr/>
+        </p:nvPicPr>
+        <p:blipFill>
+          <a:blip r:embed="rId2">
+            <a:extLst>
+              <a:ext uri="{28A0092B-C50C-407E-A947-70E740481C1C}">
+                <a14:useLocalDpi xmlns:a14="http://schemas.microsoft.com/office/drawing/2010/main" val="0"/>
+              </a:ext>
+            </a:extLst>
+          </a:blip>
+          <a:srcRect/>
+          <a:stretch>
+            <a:fillRect/>
+          </a:stretch>
+        </p:blipFill>
+        <p:spPr bwMode="auto">
+          <a:xfrm>
+            <a:off x="2124075" y="423863"/>
+            <a:ext cx="7943850" cy="6010275"/>
+          </a:xfrm>
+          <a:prstGeom prst="rect">
+            <a:avLst/>
+          </a:prstGeom>
+          <a:noFill/>
+          <a:ln>
+            <a:noFill/>
+          </a:ln>
+          <a:extLst>
+            <a:ext uri="{909E8E84-426E-40DD-AFC4-6F175D3DCCD1}">
+              <a14:hiddenFill xmlns:a14="http://schemas.microsoft.com/office/drawing/2010/main">
+                <a:solidFill>
+                  <a:schemeClr val="accent1"/>
+                </a:solidFill>
+              </a14:hiddenFill>
+            </a:ext>
+            <a:ext uri="{91240B29-F687-4F45-9708-019B960494DF}">
+              <a14:hiddenLine xmlns:a14="http://schemas.microsoft.com/office/drawing/2010/main" w="9525">
+                <a:solidFill>
+                  <a:schemeClr val="tx1"/>
+                </a:solidFill>
+                <a:miter lim="800000"/>
+                <a:headEnd/>
+                <a:tailEnd/>
+              </a14:hiddenLine>
+            </a:ext>
+          </a:extLst>
+        </p:spPr>
+      </p:pic>
+    </p:spTree>
+    <p:extLst>
+      <p:ext uri="{BB962C8B-B14F-4D97-AF65-F5344CB8AC3E}">
+        <p14:creationId xmlns:p14="http://schemas.microsoft.com/office/powerpoint/2010/main" val="766999247"/>
+      </p:ext>
+    </p:extLst>
+  </p:cSld>
+  <p:clrMapOvr>
+    <a:masterClrMapping/>
+  </p:clrMapOvr>
+</p:sld>
+</file>
+
+<file path=ppt/slides/slide23.xml><?xml version="1.0" encoding="utf-8"?>
+<p:sld xmlns:a="http://schemas.openxmlformats.org/drawingml/2006/main" xmlns:r="http://schemas.openxmlformats.org/officeDocument/2006/relationships" xmlns:p="http://schemas.openxmlformats.org/presentationml/2006/main">
+  <p:cSld>
+    <p:spTree>
+      <p:nvGrpSpPr>
+        <p:cNvPr id="1" name=""/>
+        <p:cNvGrpSpPr/>
+        <p:nvPr/>
+      </p:nvGrpSpPr>
+      <p:grpSpPr>
+        <a:xfrm>
+          <a:off x="0" y="0"/>
+          <a:ext cx="0" cy="0"/>
+          <a:chOff x="0" y="0"/>
+          <a:chExt cx="0" cy="0"/>
+        </a:xfrm>
+      </p:grpSpPr>
+      <p:pic>
+        <p:nvPicPr>
           <p:cNvPr id="2050" name="Picture 2"/>
           <p:cNvPicPr>
             <a:picLocks noChangeAspect="1" noChangeArrowheads="1"/>
@@ -3563,7 +4892,7 @@
 </p:sld>
 </file>
 
-<file path=ppt/slides/slide11.xml><?xml version="1.0" encoding="utf-8"?>
+<file path=ppt/slides/slide24.xml><?xml version="1.0" encoding="utf-8"?>
 <p:sld xmlns:a="http://schemas.openxmlformats.org/drawingml/2006/main" xmlns:r="http://schemas.openxmlformats.org/officeDocument/2006/relationships" xmlns:p="http://schemas.openxmlformats.org/presentationml/2006/main">
   <p:cSld>
     <p:spTree>
@@ -3647,7 +4976,7 @@
 </p:sld>
 </file>
 
-<file path=ppt/slides/slide12.xml><?xml version="1.0" encoding="utf-8"?>
+<file path=ppt/slides/slide25.xml><?xml version="1.0" encoding="utf-8"?>
 <p:sld xmlns:a="http://schemas.openxmlformats.org/drawingml/2006/main" xmlns:r="http://schemas.openxmlformats.org/officeDocument/2006/relationships" xmlns:p="http://schemas.openxmlformats.org/presentationml/2006/main">
   <p:cSld>
     <p:spTree>
@@ -3731,7 +5060,7 @@
 </p:sld>
 </file>
 
-<file path=ppt/slides/slide13.xml><?xml version="1.0" encoding="utf-8"?>
+<file path=ppt/slides/slide26.xml><?xml version="1.0" encoding="utf-8"?>
 <p:sld xmlns:a="http://schemas.openxmlformats.org/drawingml/2006/main" xmlns:r="http://schemas.openxmlformats.org/officeDocument/2006/relationships" xmlns:p="http://schemas.openxmlformats.org/presentationml/2006/main">
   <p:cSld>
     <p:spTree>
@@ -3815,7 +5144,7 @@
 </p:sld>
 </file>
 
-<file path=ppt/slides/slide14.xml><?xml version="1.0" encoding="utf-8"?>
+<file path=ppt/slides/slide27.xml><?xml version="1.0" encoding="utf-8"?>
 <p:sld xmlns:a="http://schemas.openxmlformats.org/drawingml/2006/main" xmlns:r="http://schemas.openxmlformats.org/officeDocument/2006/relationships" xmlns:p="http://schemas.openxmlformats.org/presentationml/2006/main">
   <p:cSld>
     <p:spTree>
@@ -3899,7 +5228,7 @@
 </p:sld>
 </file>
 
-<file path=ppt/slides/slide15.xml><?xml version="1.0" encoding="utf-8"?>
+<file path=ppt/slides/slide28.xml><?xml version="1.0" encoding="utf-8"?>
 <p:sld xmlns:a="http://schemas.openxmlformats.org/drawingml/2006/main" xmlns:r="http://schemas.openxmlformats.org/officeDocument/2006/relationships" xmlns:p="http://schemas.openxmlformats.org/presentationml/2006/main">
   <p:cSld>
     <p:spTree>
@@ -3941,7 +5270,14 @@
                 <a:effectLst/>
                 <a:latin typeface="Arial Black" panose="020B0A04020102020204" pitchFamily="34" charset="0"/>
               </a:rPr>
-              <a:t>Model Development &amp; Evaluation</a:t>
+              <a:t>Model </a:t>
+            </a:r>
+            <a:r>
+              <a:rPr lang="en-IN" b="1" i="1" dirty="0" smtClean="0">
+                <a:effectLst/>
+                <a:latin typeface="Arial Black" panose="020B0A04020102020204" pitchFamily="34" charset="0"/>
+              </a:rPr>
+              <a:t>Pre-Processing</a:t>
             </a:r>
             <a:endParaRPr lang="en-IN" b="1" i="1" dirty="0">
               <a:effectLst/>
@@ -3950,363 +5286,9 @@
           </a:p>
         </p:txBody>
       </p:sp>
-      <p:sp>
-        <p:nvSpPr>
-          <p:cNvPr id="3" name="Content Placeholder 2"/>
-          <p:cNvSpPr>
-            <a:spLocks noGrp="1"/>
-          </p:cNvSpPr>
-          <p:nvPr>
-            <p:ph idx="1"/>
-          </p:nvPr>
-        </p:nvSpPr>
-        <p:spPr>
-          <a:xfrm>
-            <a:off x="609600" y="1901953"/>
-            <a:ext cx="10972800" cy="4525963"/>
-          </a:xfrm>
-        </p:spPr>
-        <p:txBody>
-          <a:bodyPr>
-            <a:normAutofit/>
-          </a:bodyPr>
-          <a:lstStyle/>
-          <a:p>
-            <a:r>
-              <a:rPr lang="en-IN" dirty="0">
-                <a:solidFill>
-                  <a:schemeClr val="tx1"/>
-                </a:solidFill>
-                <a:latin typeface="Arial" panose="020B0604020202020204" pitchFamily="34" charset="0"/>
-                <a:cs typeface="Arial" panose="020B0604020202020204" pitchFamily="34" charset="0"/>
-              </a:rPr>
-              <a:t>Also after cleaning all the features, the input set of features are standard scaled for </a:t>
-            </a:r>
-            <a:r>
-              <a:rPr lang="en-IN" dirty="0" smtClean="0">
-                <a:solidFill>
-                  <a:schemeClr val="tx1"/>
-                </a:solidFill>
-                <a:latin typeface="Arial" panose="020B0604020202020204" pitchFamily="34" charset="0"/>
-                <a:cs typeface="Arial" panose="020B0604020202020204" pitchFamily="34" charset="0"/>
-              </a:rPr>
-              <a:t>modelling</a:t>
-            </a:r>
-          </a:p>
-          <a:p>
-            <a:r>
-              <a:rPr lang="en-IN" dirty="0" smtClean="0">
-                <a:solidFill>
-                  <a:schemeClr val="tx1"/>
-                </a:solidFill>
-                <a:latin typeface="Arial" panose="020B0604020202020204" pitchFamily="34" charset="0"/>
-                <a:cs typeface="Arial" panose="020B0604020202020204" pitchFamily="34" charset="0"/>
-              </a:rPr>
-              <a:t>Algorithms tested for classification of defaulters</a:t>
-            </a:r>
-          </a:p>
-          <a:p>
-            <a:pPr lvl="1"/>
-            <a:r>
-              <a:rPr lang="en-IN" sz="2400" dirty="0" err="1">
-                <a:solidFill>
-                  <a:schemeClr val="tx1"/>
-                </a:solidFill>
-                <a:latin typeface="Arial" panose="020B0604020202020204" pitchFamily="34" charset="0"/>
-                <a:cs typeface="Arial" panose="020B0604020202020204" pitchFamily="34" charset="0"/>
-              </a:rPr>
-              <a:t>LogisticRegression</a:t>
-            </a:r>
-            <a:endParaRPr lang="en-IN" sz="2400" dirty="0">
-              <a:solidFill>
-                <a:schemeClr val="tx1"/>
-              </a:solidFill>
-              <a:latin typeface="Arial" panose="020B0604020202020204" pitchFamily="34" charset="0"/>
-              <a:cs typeface="Arial" panose="020B0604020202020204" pitchFamily="34" charset="0"/>
-            </a:endParaRPr>
-          </a:p>
-          <a:p>
-            <a:pPr lvl="1"/>
-            <a:r>
-              <a:rPr lang="en-IN" sz="2400" dirty="0" err="1" smtClean="0">
-                <a:solidFill>
-                  <a:schemeClr val="tx1"/>
-                </a:solidFill>
-                <a:latin typeface="Arial" panose="020B0604020202020204" pitchFamily="34" charset="0"/>
-                <a:cs typeface="Arial" panose="020B0604020202020204" pitchFamily="34" charset="0"/>
-              </a:rPr>
-              <a:t>RandomForestClassifier</a:t>
-            </a:r>
-            <a:endParaRPr lang="en-IN" sz="2400" dirty="0">
-              <a:solidFill>
-                <a:schemeClr val="tx1"/>
-              </a:solidFill>
-              <a:latin typeface="Arial" panose="020B0604020202020204" pitchFamily="34" charset="0"/>
-              <a:cs typeface="Arial" panose="020B0604020202020204" pitchFamily="34" charset="0"/>
-            </a:endParaRPr>
-          </a:p>
-          <a:p>
-            <a:pPr lvl="1"/>
-            <a:r>
-              <a:rPr lang="en-IN" sz="2400" dirty="0" err="1">
-                <a:solidFill>
-                  <a:schemeClr val="tx1"/>
-                </a:solidFill>
-                <a:latin typeface="Arial" panose="020B0604020202020204" pitchFamily="34" charset="0"/>
-                <a:cs typeface="Arial" panose="020B0604020202020204" pitchFamily="34" charset="0"/>
-              </a:rPr>
-              <a:t>AdaBoostClassifier</a:t>
-            </a:r>
-            <a:endParaRPr lang="en-IN" sz="2400" dirty="0">
-              <a:solidFill>
-                <a:schemeClr val="tx1"/>
-              </a:solidFill>
-              <a:latin typeface="Arial" panose="020B0604020202020204" pitchFamily="34" charset="0"/>
-              <a:cs typeface="Arial" panose="020B0604020202020204" pitchFamily="34" charset="0"/>
-            </a:endParaRPr>
-          </a:p>
-          <a:p>
-            <a:pPr lvl="1"/>
-            <a:r>
-              <a:rPr lang="en-IN" sz="2400" dirty="0" err="1" smtClean="0">
-                <a:solidFill>
-                  <a:schemeClr val="tx1"/>
-                </a:solidFill>
-                <a:latin typeface="Arial" panose="020B0604020202020204" pitchFamily="34" charset="0"/>
-                <a:cs typeface="Arial" panose="020B0604020202020204" pitchFamily="34" charset="0"/>
-              </a:rPr>
-              <a:t>GradientBoostingClassifier</a:t>
-            </a:r>
-            <a:endParaRPr lang="en-IN" sz="2400" dirty="0">
-              <a:solidFill>
-                <a:schemeClr val="tx1"/>
-              </a:solidFill>
-              <a:latin typeface="Arial" panose="020B0604020202020204" pitchFamily="34" charset="0"/>
-              <a:cs typeface="Arial" panose="020B0604020202020204" pitchFamily="34" charset="0"/>
-            </a:endParaRPr>
-          </a:p>
-          <a:p>
-            <a:pPr lvl="1"/>
-            <a:r>
-              <a:rPr lang="en-IN" sz="2400" dirty="0" smtClean="0">
-                <a:solidFill>
-                  <a:schemeClr val="tx1"/>
-                </a:solidFill>
-                <a:latin typeface="Arial" panose="020B0604020202020204" pitchFamily="34" charset="0"/>
-                <a:cs typeface="Arial" panose="020B0604020202020204" pitchFamily="34" charset="0"/>
-              </a:rPr>
-              <a:t>Decision Tree Classifier</a:t>
-            </a:r>
-          </a:p>
-          <a:p>
-            <a:endParaRPr lang="en-IN" dirty="0">
-              <a:solidFill>
-                <a:schemeClr val="tx1"/>
-              </a:solidFill>
-              <a:latin typeface="Arial" panose="020B0604020202020204" pitchFamily="34" charset="0"/>
-              <a:cs typeface="Arial" panose="020B0604020202020204" pitchFamily="34" charset="0"/>
-            </a:endParaRPr>
-          </a:p>
-        </p:txBody>
-      </p:sp>
-    </p:spTree>
-    <p:extLst>
-      <p:ext uri="{BB962C8B-B14F-4D97-AF65-F5344CB8AC3E}">
-        <p14:creationId xmlns:p14="http://schemas.microsoft.com/office/powerpoint/2010/main" val="2730210847"/>
-      </p:ext>
-    </p:extLst>
-  </p:cSld>
-  <p:clrMapOvr>
-    <a:masterClrMapping/>
-  </p:clrMapOvr>
-</p:sld>
-</file>
-
-<file path=ppt/slides/slide16.xml><?xml version="1.0" encoding="utf-8"?>
-<p:sld xmlns:a="http://schemas.openxmlformats.org/drawingml/2006/main" xmlns:r="http://schemas.openxmlformats.org/officeDocument/2006/relationships" xmlns:p="http://schemas.openxmlformats.org/presentationml/2006/main">
-  <p:cSld>
-    <p:spTree>
-      <p:nvGrpSpPr>
-        <p:cNvPr id="1" name=""/>
-        <p:cNvGrpSpPr/>
-        <p:nvPr/>
-      </p:nvGrpSpPr>
-      <p:grpSpPr>
-        <a:xfrm>
-          <a:off x="0" y="0"/>
-          <a:ext cx="0" cy="0"/>
-          <a:chOff x="0" y="0"/>
-          <a:chExt cx="0" cy="0"/>
-        </a:xfrm>
-      </p:grpSpPr>
-      <p:sp>
-        <p:nvSpPr>
-          <p:cNvPr id="2" name="Title 1"/>
-          <p:cNvSpPr>
-            <a:spLocks noGrp="1"/>
-          </p:cNvSpPr>
-          <p:nvPr>
-            <p:ph type="title"/>
-          </p:nvPr>
-        </p:nvSpPr>
-        <p:spPr/>
-        <p:txBody>
-          <a:bodyPr/>
-          <a:lstStyle/>
-          <a:p>
-            <a:r>
-              <a:rPr lang="en-IN" b="1" i="1" dirty="0" smtClean="0">
-                <a:effectLst/>
-                <a:latin typeface="Arial Black" panose="020B0A04020102020204" pitchFamily="34" charset="0"/>
-              </a:rPr>
-              <a:t>Summary of Results:</a:t>
-            </a:r>
-            <a:endParaRPr lang="en-IN" b="1" i="1" dirty="0">
-              <a:effectLst/>
-              <a:latin typeface="Arial Black" panose="020B0A04020102020204" pitchFamily="34" charset="0"/>
-            </a:endParaRPr>
-          </a:p>
-        </p:txBody>
-      </p:sp>
-      <p:sp>
-        <p:nvSpPr>
-          <p:cNvPr id="3" name="Content Placeholder 2"/>
-          <p:cNvSpPr>
-            <a:spLocks noGrp="1"/>
-          </p:cNvSpPr>
-          <p:nvPr>
-            <p:ph idx="1"/>
-          </p:nvPr>
-        </p:nvSpPr>
-        <p:spPr>
-          <a:xfrm>
-            <a:off x="1176464" y="1538822"/>
-            <a:ext cx="8946541" cy="2356522"/>
-          </a:xfrm>
-        </p:spPr>
-        <p:txBody>
-          <a:bodyPr>
-            <a:normAutofit/>
-          </a:bodyPr>
-          <a:lstStyle/>
-          <a:p>
-            <a:pPr marL="0" indent="0">
-              <a:buNone/>
-            </a:pPr>
-            <a:r>
-              <a:rPr lang="en-IN" dirty="0">
-                <a:solidFill>
-                  <a:schemeClr val="tx1"/>
-                </a:solidFill>
-                <a:latin typeface="Arial" panose="020B0604020202020204" pitchFamily="34" charset="0"/>
-                <a:cs typeface="Arial" panose="020B0604020202020204" pitchFamily="34" charset="0"/>
-              </a:rPr>
-              <a:t>It might appear from the accuracy and cross validation scores that Ensemble methods are performing better but if we look at the confusion matrix and recall scores, we observe that these models are not good at classifying the </a:t>
-            </a:r>
-            <a:r>
-              <a:rPr lang="en-IN" dirty="0" smtClean="0">
-                <a:solidFill>
-                  <a:schemeClr val="tx1"/>
-                </a:solidFill>
-                <a:latin typeface="Arial" panose="020B0604020202020204" pitchFamily="34" charset="0"/>
-                <a:cs typeface="Arial" panose="020B0604020202020204" pitchFamily="34" charset="0"/>
-              </a:rPr>
-              <a:t>defaulters.</a:t>
-            </a:r>
-            <a:endParaRPr lang="en-IN" dirty="0">
-              <a:solidFill>
-                <a:schemeClr val="tx1"/>
-              </a:solidFill>
-              <a:latin typeface="Arial" panose="020B0604020202020204" pitchFamily="34" charset="0"/>
-              <a:cs typeface="Arial" panose="020B0604020202020204" pitchFamily="34" charset="0"/>
-            </a:endParaRPr>
-          </a:p>
-        </p:txBody>
-      </p:sp>
       <p:pic>
         <p:nvPicPr>
-          <p:cNvPr id="5" name="Picture 4"/>
-          <p:cNvPicPr/>
-          <p:nvPr/>
-        </p:nvPicPr>
-        <p:blipFill>
-          <a:blip r:embed="rId2"/>
-          <a:stretch>
-            <a:fillRect/>
-          </a:stretch>
-        </p:blipFill>
-        <p:spPr>
-          <a:xfrm>
-            <a:off x="1053972" y="3195700"/>
-            <a:ext cx="9461628" cy="3451988"/>
-          </a:xfrm>
-          <a:prstGeom prst="rect">
-            <a:avLst/>
-          </a:prstGeom>
-        </p:spPr>
-      </p:pic>
-    </p:spTree>
-    <p:extLst>
-      <p:ext uri="{BB962C8B-B14F-4D97-AF65-F5344CB8AC3E}">
-        <p14:creationId xmlns:p14="http://schemas.microsoft.com/office/powerpoint/2010/main" val="691303173"/>
-      </p:ext>
-    </p:extLst>
-  </p:cSld>
-  <p:clrMapOvr>
-    <a:masterClrMapping/>
-  </p:clrMapOvr>
-</p:sld>
-</file>
-
-<file path=ppt/slides/slide17.xml><?xml version="1.0" encoding="utf-8"?>
-<p:sld xmlns:a="http://schemas.openxmlformats.org/drawingml/2006/main" xmlns:r="http://schemas.openxmlformats.org/officeDocument/2006/relationships" xmlns:p="http://schemas.openxmlformats.org/presentationml/2006/main">
-  <p:cSld>
-    <p:spTree>
-      <p:nvGrpSpPr>
-        <p:cNvPr id="1" name=""/>
-        <p:cNvGrpSpPr/>
-        <p:nvPr/>
-      </p:nvGrpSpPr>
-      <p:grpSpPr>
-        <a:xfrm>
-          <a:off x="0" y="0"/>
-          <a:ext cx="0" cy="0"/>
-          <a:chOff x="0" y="0"/>
-          <a:chExt cx="0" cy="0"/>
-        </a:xfrm>
-      </p:grpSpPr>
-      <p:sp>
-        <p:nvSpPr>
-          <p:cNvPr id="2" name="Title 1"/>
-          <p:cNvSpPr>
-            <a:spLocks noGrp="1"/>
-          </p:cNvSpPr>
-          <p:nvPr>
-            <p:ph type="title"/>
-          </p:nvPr>
-        </p:nvSpPr>
-        <p:spPr/>
-        <p:txBody>
-          <a:bodyPr/>
-          <a:lstStyle/>
-          <a:p>
-            <a:r>
-              <a:rPr lang="en-IN" b="1" i="1" dirty="0" err="1" smtClean="0">
-                <a:effectLst/>
-                <a:latin typeface="Arial Black" panose="020B0A04020102020204" pitchFamily="34" charset="0"/>
-              </a:rPr>
-              <a:t>RandomForestClassifier</a:t>
-            </a:r>
-            <a:endParaRPr lang="en-IN" b="1" i="1" dirty="0">
-              <a:effectLst/>
-              <a:latin typeface="Arial Black" panose="020B0A04020102020204" pitchFamily="34" charset="0"/>
-            </a:endParaRPr>
-          </a:p>
-        </p:txBody>
-      </p:sp>
-      <p:pic>
-        <p:nvPicPr>
-          <p:cNvPr id="1027" name="Picture 3"/>
+          <p:cNvPr id="14338" name="Picture 2"/>
           <p:cNvPicPr>
             <a:picLocks noChangeAspect="1" noChangeArrowheads="1"/>
           </p:cNvPicPr>
@@ -4327,8 +5309,8 @@
         </p:blipFill>
         <p:spPr bwMode="auto">
           <a:xfrm>
-            <a:off x="3315843" y="1679904"/>
-            <a:ext cx="5636133" cy="5006643"/>
+            <a:off x="769746" y="1744471"/>
+            <a:ext cx="10541381" cy="4727739"/>
           </a:xfrm>
           <a:prstGeom prst="rect">
             <a:avLst/>
@@ -4361,7 +5343,7 @@
     </p:spTree>
     <p:extLst>
       <p:ext uri="{BB962C8B-B14F-4D97-AF65-F5344CB8AC3E}">
-        <p14:creationId xmlns:p14="http://schemas.microsoft.com/office/powerpoint/2010/main" val="1448346174"/>
+        <p14:creationId xmlns:p14="http://schemas.microsoft.com/office/powerpoint/2010/main" val="2730210847"/>
       </p:ext>
     </p:extLst>
   </p:cSld>
@@ -4371,7 +5353,7 @@
 </p:sld>
 </file>
 
-<file path=ppt/slides/slide18.xml><?xml version="1.0" encoding="utf-8"?>
+<file path=ppt/slides/slide29.xml><?xml version="1.0" encoding="utf-8"?>
 <p:sld xmlns:a="http://schemas.openxmlformats.org/drawingml/2006/main" xmlns:r="http://schemas.openxmlformats.org/officeDocument/2006/relationships" xmlns:p="http://schemas.openxmlformats.org/presentationml/2006/main">
   <p:cSld>
     <p:spTree>
@@ -4388,43 +5370,9 @@
           <a:chExt cx="0" cy="0"/>
         </a:xfrm>
       </p:grpSpPr>
-      <p:sp>
-        <p:nvSpPr>
-          <p:cNvPr id="2" name="Title 1"/>
-          <p:cNvSpPr>
-            <a:spLocks noGrp="1"/>
-          </p:cNvSpPr>
-          <p:nvPr>
-            <p:ph type="title"/>
-          </p:nvPr>
-        </p:nvSpPr>
-        <p:spPr>
-          <a:xfrm>
-            <a:off x="646111" y="452718"/>
-            <a:ext cx="9404723" cy="995082"/>
-          </a:xfrm>
-        </p:spPr>
-        <p:txBody>
-          <a:bodyPr/>
-          <a:lstStyle/>
-          <a:p>
-            <a:r>
-              <a:rPr lang="en-IN" b="1" i="1" dirty="0" err="1" smtClean="0">
-                <a:effectLst/>
-                <a:latin typeface="Arial Black" panose="020B0A04020102020204" pitchFamily="34" charset="0"/>
-              </a:rPr>
-              <a:t>AdaBoostClassifier</a:t>
-            </a:r>
-            <a:endParaRPr lang="en-IN" b="1" i="1" dirty="0">
-              <a:effectLst/>
-              <a:latin typeface="Arial Black" panose="020B0A04020102020204" pitchFamily="34" charset="0"/>
-            </a:endParaRPr>
-          </a:p>
-        </p:txBody>
-      </p:sp>
       <p:pic>
         <p:nvPicPr>
-          <p:cNvPr id="2050" name="Picture 2"/>
+          <p:cNvPr id="15362" name="Picture 2"/>
           <p:cNvPicPr>
             <a:picLocks noChangeAspect="1" noChangeArrowheads="1"/>
           </p:cNvPicPr>
@@ -4445,8 +5393,8 @@
         </p:blipFill>
         <p:spPr bwMode="auto">
           <a:xfrm>
-            <a:off x="2443163" y="1390909"/>
-            <a:ext cx="5905309" cy="5343265"/>
+            <a:off x="526034" y="521208"/>
+            <a:ext cx="5472430" cy="5580948"/>
           </a:xfrm>
           <a:prstGeom prst="rect">
             <a:avLst/>
@@ -4476,75 +5424,16 @@
           </a:extLst>
         </p:spPr>
       </p:pic>
-    </p:spTree>
-    <p:extLst>
-      <p:ext uri="{BB962C8B-B14F-4D97-AF65-F5344CB8AC3E}">
-        <p14:creationId xmlns:p14="http://schemas.microsoft.com/office/powerpoint/2010/main" val="4232142555"/>
-      </p:ext>
-    </p:extLst>
-  </p:cSld>
-  <p:clrMapOvr>
-    <a:masterClrMapping/>
-  </p:clrMapOvr>
-</p:sld>
-</file>
-
-<file path=ppt/slides/slide19.xml><?xml version="1.0" encoding="utf-8"?>
-<p:sld xmlns:a="http://schemas.openxmlformats.org/drawingml/2006/main" xmlns:r="http://schemas.openxmlformats.org/officeDocument/2006/relationships" xmlns:p="http://schemas.openxmlformats.org/presentationml/2006/main">
-  <p:cSld>
-    <p:spTree>
-      <p:nvGrpSpPr>
-        <p:cNvPr id="1" name=""/>
-        <p:cNvGrpSpPr/>
-        <p:nvPr/>
-      </p:nvGrpSpPr>
-      <p:grpSpPr>
-        <a:xfrm>
-          <a:off x="0" y="0"/>
-          <a:ext cx="0" cy="0"/>
-          <a:chOff x="0" y="0"/>
-          <a:chExt cx="0" cy="0"/>
-        </a:xfrm>
-      </p:grpSpPr>
-      <p:sp>
-        <p:nvSpPr>
-          <p:cNvPr id="2" name="Title 1"/>
-          <p:cNvSpPr>
-            <a:spLocks noGrp="1"/>
-          </p:cNvSpPr>
-          <p:nvPr>
-            <p:ph type="title"/>
-          </p:nvPr>
-        </p:nvSpPr>
-        <p:spPr/>
-        <p:txBody>
-          <a:bodyPr/>
-          <a:lstStyle/>
-          <a:p>
-            <a:r>
-              <a:rPr lang="en-IN" b="1" i="1" dirty="0" err="1" smtClean="0">
-                <a:effectLst/>
-                <a:latin typeface="Arial Black" panose="020B0A04020102020204" pitchFamily="34" charset="0"/>
-              </a:rPr>
-              <a:t>GradientBoostingClassifier</a:t>
-            </a:r>
-            <a:endParaRPr lang="en-IN" b="1" i="1" dirty="0">
-              <a:effectLst/>
-              <a:latin typeface="Arial Black" panose="020B0A04020102020204" pitchFamily="34" charset="0"/>
-            </a:endParaRPr>
-          </a:p>
-        </p:txBody>
-      </p:sp>
       <p:pic>
         <p:nvPicPr>
-          <p:cNvPr id="3074" name="Picture 2"/>
+          <p:cNvPr id="15363" name="Picture 3"/>
           <p:cNvPicPr>
             <a:picLocks noChangeAspect="1" noChangeArrowheads="1"/>
           </p:cNvPicPr>
           <p:nvPr/>
         </p:nvPicPr>
         <p:blipFill>
-          <a:blip r:embed="rId2">
+          <a:blip r:embed="rId3">
             <a:extLst>
               <a:ext uri="{28A0092B-C50C-407E-A947-70E740481C1C}">
                 <a14:useLocalDpi xmlns:a14="http://schemas.microsoft.com/office/drawing/2010/main" val="0"/>
@@ -4558,8 +5447,8 @@
         </p:blipFill>
         <p:spPr bwMode="auto">
           <a:xfrm>
-            <a:off x="2731008" y="1561517"/>
-            <a:ext cx="5727192" cy="5167896"/>
+            <a:off x="6428232" y="521208"/>
+            <a:ext cx="5165979" cy="6112223"/>
           </a:xfrm>
           <a:prstGeom prst="rect">
             <a:avLst/>
@@ -4592,612 +5481,7 @@
     </p:spTree>
     <p:extLst>
       <p:ext uri="{BB962C8B-B14F-4D97-AF65-F5344CB8AC3E}">
-        <p14:creationId xmlns:p14="http://schemas.microsoft.com/office/powerpoint/2010/main" val="759951807"/>
-      </p:ext>
-    </p:extLst>
-  </p:cSld>
-  <p:clrMapOvr>
-    <a:masterClrMapping/>
-  </p:clrMapOvr>
-</p:sld>
-</file>
-
-<file path=ppt/slides/slide2.xml><?xml version="1.0" encoding="utf-8"?>
-<p:sld xmlns:a="http://schemas.openxmlformats.org/drawingml/2006/main" xmlns:r="http://schemas.openxmlformats.org/officeDocument/2006/relationships" xmlns:p="http://schemas.openxmlformats.org/presentationml/2006/main">
-  <p:cSld>
-    <p:spTree>
-      <p:nvGrpSpPr>
-        <p:cNvPr id="1" name=""/>
-        <p:cNvGrpSpPr/>
-        <p:nvPr/>
-      </p:nvGrpSpPr>
-      <p:grpSpPr>
-        <a:xfrm>
-          <a:off x="0" y="0"/>
-          <a:ext cx="0" cy="0"/>
-          <a:chOff x="0" y="0"/>
-          <a:chExt cx="0" cy="0"/>
-        </a:xfrm>
-      </p:grpSpPr>
-      <p:sp>
-        <p:nvSpPr>
-          <p:cNvPr id="2" name="Title 1"/>
-          <p:cNvSpPr>
-            <a:spLocks noGrp="1"/>
-          </p:cNvSpPr>
-          <p:nvPr>
-            <p:ph type="title"/>
-          </p:nvPr>
-        </p:nvSpPr>
-        <p:spPr/>
-        <p:txBody>
-          <a:bodyPr/>
-          <a:lstStyle/>
-          <a:p>
-            <a:r>
-              <a:rPr lang="en-IN" b="1" i="1" dirty="0" smtClean="0">
-                <a:effectLst/>
-                <a:latin typeface="Arial Black" panose="020B0A04020102020204" pitchFamily="34" charset="0"/>
-              </a:rPr>
-              <a:t>Introduction</a:t>
-            </a:r>
-            <a:endParaRPr lang="en-IN" b="1" i="1" dirty="0">
-              <a:effectLst/>
-              <a:latin typeface="Arial Black" panose="020B0A04020102020204" pitchFamily="34" charset="0"/>
-            </a:endParaRPr>
-          </a:p>
-        </p:txBody>
-      </p:sp>
-      <p:sp>
-        <p:nvSpPr>
-          <p:cNvPr id="3" name="Content Placeholder 2"/>
-          <p:cNvSpPr>
-            <a:spLocks noGrp="1"/>
-          </p:cNvSpPr>
-          <p:nvPr>
-            <p:ph idx="1"/>
-          </p:nvPr>
-        </p:nvSpPr>
-        <p:spPr/>
-        <p:txBody>
-          <a:bodyPr/>
-          <a:lstStyle/>
-          <a:p>
-            <a:r>
-              <a:rPr lang="en-IN" dirty="0" smtClean="0">
-                <a:solidFill>
-                  <a:schemeClr val="tx1"/>
-                </a:solidFill>
-                <a:latin typeface="Arial" panose="020B0604020202020204" pitchFamily="34" charset="0"/>
-                <a:cs typeface="Arial" panose="020B0604020202020204" pitchFamily="34" charset="0"/>
-              </a:rPr>
-              <a:t>Loans of value 6 &amp; 12 rupees are provided by our client (telecom operator) in collaboration with a Microfinance Institute (MFI).</a:t>
-            </a:r>
-          </a:p>
-          <a:p>
-            <a:r>
-              <a:rPr lang="en-IN" dirty="0" smtClean="0">
-                <a:solidFill>
-                  <a:schemeClr val="tx1"/>
-                </a:solidFill>
-                <a:latin typeface="Arial" panose="020B0604020202020204" pitchFamily="34" charset="0"/>
-                <a:cs typeface="Arial" panose="020B0604020202020204" pitchFamily="34" charset="0"/>
-              </a:rPr>
-              <a:t>High return</a:t>
-            </a:r>
-            <a:r>
-              <a:rPr lang="en-IN" dirty="0">
-                <a:solidFill>
-                  <a:schemeClr val="tx1"/>
-                </a:solidFill>
-                <a:latin typeface="Arial" panose="020B0604020202020204" pitchFamily="34" charset="0"/>
-                <a:cs typeface="Arial" panose="020B0604020202020204" pitchFamily="34" charset="0"/>
-              </a:rPr>
-              <a:t> (20% return within 5 days)</a:t>
-            </a:r>
-            <a:r>
-              <a:rPr lang="en-IN" dirty="0" smtClean="0">
-                <a:solidFill>
-                  <a:schemeClr val="tx1"/>
-                </a:solidFill>
-                <a:latin typeface="Arial" panose="020B0604020202020204" pitchFamily="34" charset="0"/>
-                <a:cs typeface="Arial" panose="020B0604020202020204" pitchFamily="34" charset="0"/>
-              </a:rPr>
-              <a:t> as well as High risk venture (high risk of default as loan is being provided to low income populations)</a:t>
-            </a:r>
-          </a:p>
-          <a:p>
-            <a:r>
-              <a:rPr lang="en-IN" dirty="0" smtClean="0">
-                <a:solidFill>
-                  <a:schemeClr val="tx1"/>
-                </a:solidFill>
-                <a:latin typeface="Arial" panose="020B0604020202020204" pitchFamily="34" charset="0"/>
-                <a:cs typeface="Arial" panose="020B0604020202020204" pitchFamily="34" charset="0"/>
-              </a:rPr>
-              <a:t>Objective is to study the behaviour of defaulters as well as prepare a machine learning model to classify all defaulters using the sample dataset provided by the client</a:t>
-            </a:r>
-          </a:p>
-          <a:p>
-            <a:r>
-              <a:rPr lang="en-IN" dirty="0" smtClean="0">
-                <a:solidFill>
-                  <a:schemeClr val="tx1"/>
-                </a:solidFill>
-                <a:latin typeface="Arial" panose="020B0604020202020204" pitchFamily="34" charset="0"/>
-                <a:cs typeface="Arial" panose="020B0604020202020204" pitchFamily="34" charset="0"/>
-              </a:rPr>
-              <a:t>We’ll also test multiple classifier algorithms with multiple evaluation metrics and select the best model based on proper metric, perform </a:t>
-            </a:r>
-            <a:r>
-              <a:rPr lang="en-IN" dirty="0" err="1" smtClean="0">
-                <a:solidFill>
-                  <a:schemeClr val="tx1"/>
-                </a:solidFill>
-                <a:latin typeface="Arial" panose="020B0604020202020204" pitchFamily="34" charset="0"/>
-                <a:cs typeface="Arial" panose="020B0604020202020204" pitchFamily="34" charset="0"/>
-              </a:rPr>
-              <a:t>GridSearchCV</a:t>
-            </a:r>
-            <a:r>
-              <a:rPr lang="en-IN" dirty="0" smtClean="0">
-                <a:solidFill>
-                  <a:schemeClr val="tx1"/>
-                </a:solidFill>
-                <a:latin typeface="Arial" panose="020B0604020202020204" pitchFamily="34" charset="0"/>
-                <a:cs typeface="Arial" panose="020B0604020202020204" pitchFamily="34" charset="0"/>
-              </a:rPr>
-              <a:t> for best parameter settings</a:t>
-            </a:r>
-            <a:endParaRPr lang="en-IN" dirty="0">
-              <a:solidFill>
-                <a:schemeClr val="tx1"/>
-              </a:solidFill>
-              <a:latin typeface="Arial" panose="020B0604020202020204" pitchFamily="34" charset="0"/>
-              <a:cs typeface="Arial" panose="020B0604020202020204" pitchFamily="34" charset="0"/>
-            </a:endParaRPr>
-          </a:p>
-        </p:txBody>
-      </p:sp>
-    </p:spTree>
-    <p:extLst>
-      <p:ext uri="{BB962C8B-B14F-4D97-AF65-F5344CB8AC3E}">
-        <p14:creationId xmlns:p14="http://schemas.microsoft.com/office/powerpoint/2010/main" val="1210924757"/>
-      </p:ext>
-    </p:extLst>
-  </p:cSld>
-  <p:clrMapOvr>
-    <a:masterClrMapping/>
-  </p:clrMapOvr>
-</p:sld>
-</file>
-
-<file path=ppt/slides/slide20.xml><?xml version="1.0" encoding="utf-8"?>
-<p:sld xmlns:a="http://schemas.openxmlformats.org/drawingml/2006/main" xmlns:r="http://schemas.openxmlformats.org/officeDocument/2006/relationships" xmlns:p="http://schemas.openxmlformats.org/presentationml/2006/main">
-  <p:cSld>
-    <p:spTree>
-      <p:nvGrpSpPr>
-        <p:cNvPr id="1" name=""/>
-        <p:cNvGrpSpPr/>
-        <p:nvPr/>
-      </p:nvGrpSpPr>
-      <p:grpSpPr>
-        <a:xfrm>
-          <a:off x="0" y="0"/>
-          <a:ext cx="0" cy="0"/>
-          <a:chOff x="0" y="0"/>
-          <a:chExt cx="0" cy="0"/>
-        </a:xfrm>
-      </p:grpSpPr>
-      <p:sp>
-        <p:nvSpPr>
-          <p:cNvPr id="2" name="Title 1"/>
-          <p:cNvSpPr>
-            <a:spLocks noGrp="1"/>
-          </p:cNvSpPr>
-          <p:nvPr>
-            <p:ph type="title"/>
-          </p:nvPr>
-        </p:nvSpPr>
-        <p:spPr/>
-        <p:txBody>
-          <a:bodyPr/>
-          <a:lstStyle/>
-          <a:p>
-            <a:r>
-              <a:rPr lang="en-IN" b="1" i="1" dirty="0" err="1" smtClean="0">
-                <a:effectLst/>
-                <a:latin typeface="Arial Black" panose="020B0A04020102020204" pitchFamily="34" charset="0"/>
-              </a:rPr>
-              <a:t>DecisionTreeClassifier</a:t>
-            </a:r>
-            <a:endParaRPr lang="en-IN" b="1" i="1" dirty="0">
-              <a:effectLst/>
-              <a:latin typeface="Arial Black" panose="020B0A04020102020204" pitchFamily="34" charset="0"/>
-            </a:endParaRPr>
-          </a:p>
-        </p:txBody>
-      </p:sp>
-      <p:pic>
-        <p:nvPicPr>
-          <p:cNvPr id="4098" name="Picture 2"/>
-          <p:cNvPicPr>
-            <a:picLocks noChangeAspect="1" noChangeArrowheads="1"/>
-          </p:cNvPicPr>
-          <p:nvPr/>
-        </p:nvPicPr>
-        <p:blipFill>
-          <a:blip r:embed="rId2">
-            <a:extLst>
-              <a:ext uri="{28A0092B-C50C-407E-A947-70E740481C1C}">
-                <a14:useLocalDpi xmlns:a14="http://schemas.microsoft.com/office/drawing/2010/main" val="0"/>
-              </a:ext>
-            </a:extLst>
-          </a:blip>
-          <a:srcRect/>
-          <a:stretch>
-            <a:fillRect/>
-          </a:stretch>
-        </p:blipFill>
-        <p:spPr bwMode="auto">
-          <a:xfrm>
-            <a:off x="2950464" y="1473580"/>
-            <a:ext cx="5827776" cy="5251069"/>
-          </a:xfrm>
-          <a:prstGeom prst="rect">
-            <a:avLst/>
-          </a:prstGeom>
-          <a:noFill/>
-          <a:ln>
-            <a:noFill/>
-          </a:ln>
-          <a:extLst>
-            <a:ext uri="{909E8E84-426E-40DD-AFC4-6F175D3DCCD1}">
-              <a14:hiddenFill xmlns:a14="http://schemas.microsoft.com/office/drawing/2010/main">
-                <a:solidFill>
-                  <a:schemeClr val="accent1"/>
-                </a:solidFill>
-              </a14:hiddenFill>
-            </a:ext>
-            <a:ext uri="{91240B29-F687-4F45-9708-019B960494DF}">
-              <a14:hiddenLine xmlns:a14="http://schemas.microsoft.com/office/drawing/2010/main" w="9525">
-                <a:solidFill>
-                  <a:schemeClr val="tx1"/>
-                </a:solidFill>
-                <a:miter lim="800000"/>
-                <a:headEnd/>
-                <a:tailEnd/>
-              </a14:hiddenLine>
-            </a:ext>
-          </a:extLst>
-        </p:spPr>
-      </p:pic>
-    </p:spTree>
-    <p:extLst>
-      <p:ext uri="{BB962C8B-B14F-4D97-AF65-F5344CB8AC3E}">
-        <p14:creationId xmlns:p14="http://schemas.microsoft.com/office/powerpoint/2010/main" val="1654700424"/>
-      </p:ext>
-    </p:extLst>
-  </p:cSld>
-  <p:clrMapOvr>
-    <a:masterClrMapping/>
-  </p:clrMapOvr>
-</p:sld>
-</file>
-
-<file path=ppt/slides/slide21.xml><?xml version="1.0" encoding="utf-8"?>
-<p:sld xmlns:a="http://schemas.openxmlformats.org/drawingml/2006/main" xmlns:r="http://schemas.openxmlformats.org/officeDocument/2006/relationships" xmlns:p="http://schemas.openxmlformats.org/presentationml/2006/main">
-  <p:cSld>
-    <p:spTree>
-      <p:nvGrpSpPr>
-        <p:cNvPr id="1" name=""/>
-        <p:cNvGrpSpPr/>
-        <p:nvPr/>
-      </p:nvGrpSpPr>
-      <p:grpSpPr>
-        <a:xfrm>
-          <a:off x="0" y="0"/>
-          <a:ext cx="0" cy="0"/>
-          <a:chOff x="0" y="0"/>
-          <a:chExt cx="0" cy="0"/>
-        </a:xfrm>
-      </p:grpSpPr>
-      <p:sp>
-        <p:nvSpPr>
-          <p:cNvPr id="2" name="Title 1"/>
-          <p:cNvSpPr>
-            <a:spLocks noGrp="1"/>
-          </p:cNvSpPr>
-          <p:nvPr>
-            <p:ph type="title"/>
-          </p:nvPr>
-        </p:nvSpPr>
-        <p:spPr>
-          <a:xfrm>
-            <a:off x="508951" y="589878"/>
-            <a:ext cx="11826305" cy="842682"/>
-          </a:xfrm>
-        </p:spPr>
-        <p:txBody>
-          <a:bodyPr/>
-          <a:lstStyle/>
-          <a:p>
-            <a:r>
-              <a:rPr lang="en-IN" b="1" i="1" dirty="0" smtClean="0">
-                <a:effectLst/>
-                <a:latin typeface="Arial Black" panose="020B0A04020102020204" pitchFamily="34" charset="0"/>
-              </a:rPr>
-              <a:t>Conclusion of the Project</a:t>
-            </a:r>
-            <a:endParaRPr lang="en-IN" b="1" i="1" dirty="0">
-              <a:effectLst/>
-              <a:latin typeface="Arial Black" panose="020B0A04020102020204" pitchFamily="34" charset="0"/>
-            </a:endParaRPr>
-          </a:p>
-        </p:txBody>
-      </p:sp>
-      <p:sp>
-        <p:nvSpPr>
-          <p:cNvPr id="3" name="Content Placeholder 2"/>
-          <p:cNvSpPr>
-            <a:spLocks noGrp="1"/>
-          </p:cNvSpPr>
-          <p:nvPr>
-            <p:ph idx="1"/>
-          </p:nvPr>
-        </p:nvSpPr>
-        <p:spPr>
-          <a:xfrm>
-            <a:off x="902144" y="1810094"/>
-            <a:ext cx="10171240" cy="4389538"/>
-          </a:xfrm>
-        </p:spPr>
-        <p:txBody>
-          <a:bodyPr>
-            <a:noAutofit/>
-          </a:bodyPr>
-          <a:lstStyle/>
-          <a:p>
-            <a:r>
-              <a:rPr lang="en-IN" sz="2800" dirty="0">
-                <a:solidFill>
-                  <a:schemeClr val="tx1"/>
-                </a:solidFill>
-                <a:latin typeface="Arial" panose="020B0604020202020204" pitchFamily="34" charset="0"/>
-                <a:cs typeface="Arial" panose="020B0604020202020204" pitchFamily="34" charset="0"/>
-              </a:rPr>
-              <a:t>From the data analysis we found that the following types of users are generally more likely to default:</a:t>
-            </a:r>
-          </a:p>
-          <a:p>
-            <a:pPr lvl="1"/>
-            <a:r>
-              <a:rPr lang="en-IN" sz="1800" dirty="0">
-                <a:solidFill>
-                  <a:schemeClr val="tx1"/>
-                </a:solidFill>
-                <a:latin typeface="Arial" panose="020B0604020202020204" pitchFamily="34" charset="0"/>
-                <a:cs typeface="Arial" panose="020B0604020202020204" pitchFamily="34" charset="0"/>
-              </a:rPr>
-              <a:t>Short-time users</a:t>
-            </a:r>
-          </a:p>
-          <a:p>
-            <a:pPr lvl="1"/>
-            <a:r>
-              <a:rPr lang="en-IN" sz="1800" dirty="0">
-                <a:solidFill>
-                  <a:schemeClr val="tx1"/>
-                </a:solidFill>
-                <a:latin typeface="Arial" panose="020B0604020202020204" pitchFamily="34" charset="0"/>
-                <a:cs typeface="Arial" panose="020B0604020202020204" pitchFamily="34" charset="0"/>
-              </a:rPr>
-              <a:t>Users with lesser average daily amount spent</a:t>
-            </a:r>
-          </a:p>
-          <a:p>
-            <a:pPr lvl="1"/>
-            <a:r>
-              <a:rPr lang="en-IN" sz="1800" dirty="0">
-                <a:solidFill>
-                  <a:schemeClr val="tx1"/>
-                </a:solidFill>
-                <a:latin typeface="Arial" panose="020B0604020202020204" pitchFamily="34" charset="0"/>
-                <a:cs typeface="Arial" panose="020B0604020202020204" pitchFamily="34" charset="0"/>
-              </a:rPr>
-              <a:t>Users with lesser average main account balance</a:t>
-            </a:r>
-          </a:p>
-          <a:p>
-            <a:pPr lvl="1"/>
-            <a:r>
-              <a:rPr lang="en-IN" sz="1800" dirty="0">
-                <a:solidFill>
-                  <a:schemeClr val="tx1"/>
-                </a:solidFill>
-                <a:latin typeface="Arial" panose="020B0604020202020204" pitchFamily="34" charset="0"/>
-                <a:cs typeface="Arial" panose="020B0604020202020204" pitchFamily="34" charset="0"/>
-              </a:rPr>
-              <a:t>Users who recharge less frequently or lesser number of times over 30/90 days</a:t>
-            </a:r>
-          </a:p>
-          <a:p>
-            <a:pPr lvl="1"/>
-            <a:r>
-              <a:rPr lang="en-IN" sz="1800" dirty="0">
-                <a:solidFill>
-                  <a:schemeClr val="tx1"/>
-                </a:solidFill>
-                <a:latin typeface="Arial" panose="020B0604020202020204" pitchFamily="34" charset="0"/>
-                <a:cs typeface="Arial" panose="020B0604020202020204" pitchFamily="34" charset="0"/>
-              </a:rPr>
-              <a:t>Users who recharge lesser amounts</a:t>
-            </a:r>
-          </a:p>
-          <a:p>
-            <a:pPr lvl="1"/>
-            <a:r>
-              <a:rPr lang="en-IN" sz="1800" dirty="0">
-                <a:solidFill>
-                  <a:schemeClr val="tx1"/>
-                </a:solidFill>
-                <a:latin typeface="Arial" panose="020B0604020202020204" pitchFamily="34" charset="0"/>
-                <a:cs typeface="Arial" panose="020B0604020202020204" pitchFamily="34" charset="0"/>
-              </a:rPr>
-              <a:t>Users who recharge lower total amounts over 30/90 days</a:t>
-            </a:r>
-          </a:p>
-          <a:p>
-            <a:pPr lvl="1"/>
-            <a:r>
-              <a:rPr lang="en-IN" sz="1800" dirty="0">
-                <a:solidFill>
-                  <a:schemeClr val="tx1"/>
-                </a:solidFill>
-                <a:latin typeface="Arial" panose="020B0604020202020204" pitchFamily="34" charset="0"/>
-                <a:cs typeface="Arial" panose="020B0604020202020204" pitchFamily="34" charset="0"/>
-              </a:rPr>
-              <a:t>Users with lower median of amount of recharges over 30/90 days</a:t>
-            </a:r>
-          </a:p>
-          <a:p>
-            <a:pPr lvl="1"/>
-            <a:r>
-              <a:rPr lang="en-IN" sz="1800" dirty="0">
-                <a:solidFill>
-                  <a:schemeClr val="tx1"/>
-                </a:solidFill>
-                <a:latin typeface="Arial" panose="020B0604020202020204" pitchFamily="34" charset="0"/>
-                <a:cs typeface="Arial" panose="020B0604020202020204" pitchFamily="34" charset="0"/>
-              </a:rPr>
-              <a:t>Users with lower median of main account balance just before recharge</a:t>
-            </a:r>
-          </a:p>
-          <a:p>
-            <a:pPr lvl="1"/>
-            <a:r>
-              <a:rPr lang="en-IN" sz="1800" dirty="0">
-                <a:solidFill>
-                  <a:schemeClr val="tx1"/>
-                </a:solidFill>
-                <a:latin typeface="Arial" panose="020B0604020202020204" pitchFamily="34" charset="0"/>
-                <a:cs typeface="Arial" panose="020B0604020202020204" pitchFamily="34" charset="0"/>
-              </a:rPr>
-              <a:t>Users who take loans less frequently or lower number of loans taken over 30/90 days</a:t>
-            </a:r>
-          </a:p>
-          <a:p>
-            <a:pPr lvl="1"/>
-            <a:r>
-              <a:rPr lang="en-IN" sz="1800" dirty="0">
-                <a:solidFill>
-                  <a:schemeClr val="tx1"/>
-                </a:solidFill>
-                <a:latin typeface="Arial" panose="020B0604020202020204" pitchFamily="34" charset="0"/>
-                <a:cs typeface="Arial" panose="020B0604020202020204" pitchFamily="34" charset="0"/>
-              </a:rPr>
-              <a:t>Users who take lower total amounts as loans over 30/90 days</a:t>
-            </a:r>
-          </a:p>
-          <a:p>
-            <a:pPr lvl="1"/>
-            <a:r>
-              <a:rPr lang="en-IN" sz="1800" dirty="0">
-                <a:solidFill>
-                  <a:schemeClr val="tx1"/>
-                </a:solidFill>
-                <a:latin typeface="Arial" panose="020B0604020202020204" pitchFamily="34" charset="0"/>
-                <a:cs typeface="Arial" panose="020B0604020202020204" pitchFamily="34" charset="0"/>
-              </a:rPr>
-              <a:t>Also 6 Rupiah loans were defaulted more frequently when compared to 12 Rupiah loans</a:t>
-            </a:r>
-            <a:r>
-              <a:rPr lang="en-IN" sz="1800" dirty="0" smtClean="0">
-                <a:solidFill>
-                  <a:schemeClr val="tx1"/>
-                </a:solidFill>
-                <a:latin typeface="Arial" panose="020B0604020202020204" pitchFamily="34" charset="0"/>
-                <a:cs typeface="Arial" panose="020B0604020202020204" pitchFamily="34" charset="0"/>
-              </a:rPr>
-              <a:t>.</a:t>
-            </a:r>
-            <a:endParaRPr lang="en-IN" sz="1800" dirty="0">
-              <a:solidFill>
-                <a:schemeClr val="tx1"/>
-              </a:solidFill>
-              <a:latin typeface="Arial" panose="020B0604020202020204" pitchFamily="34" charset="0"/>
-              <a:cs typeface="Arial" panose="020B0604020202020204" pitchFamily="34" charset="0"/>
-            </a:endParaRPr>
-          </a:p>
-        </p:txBody>
-      </p:sp>
-    </p:spTree>
-    <p:extLst>
-      <p:ext uri="{BB962C8B-B14F-4D97-AF65-F5344CB8AC3E}">
-        <p14:creationId xmlns:p14="http://schemas.microsoft.com/office/powerpoint/2010/main" val="4243660968"/>
-      </p:ext>
-    </p:extLst>
-  </p:cSld>
-  <p:clrMapOvr>
-    <a:masterClrMapping/>
-  </p:clrMapOvr>
-</p:sld>
-</file>
-
-<file path=ppt/slides/slide22.xml><?xml version="1.0" encoding="utf-8"?>
-<p:sld xmlns:a="http://schemas.openxmlformats.org/drawingml/2006/main" xmlns:r="http://schemas.openxmlformats.org/officeDocument/2006/relationships" xmlns:p="http://schemas.openxmlformats.org/presentationml/2006/main">
-  <p:cSld>
-    <p:spTree>
-      <p:nvGrpSpPr>
-        <p:cNvPr id="1" name=""/>
-        <p:cNvGrpSpPr/>
-        <p:nvPr/>
-      </p:nvGrpSpPr>
-      <p:grpSpPr>
-        <a:xfrm>
-          <a:off x="0" y="0"/>
-          <a:ext cx="0" cy="0"/>
-          <a:chOff x="0" y="0"/>
-          <a:chExt cx="0" cy="0"/>
-        </a:xfrm>
-      </p:grpSpPr>
-      <p:sp>
-        <p:nvSpPr>
-          <p:cNvPr id="2" name="Title 1"/>
-          <p:cNvSpPr>
-            <a:spLocks noGrp="1"/>
-          </p:cNvSpPr>
-          <p:nvPr>
-            <p:ph type="title"/>
-          </p:nvPr>
-        </p:nvSpPr>
-        <p:spPr>
-          <a:xfrm>
-            <a:off x="1130743" y="2531454"/>
-            <a:ext cx="9404723" cy="1400530"/>
-          </a:xfrm>
-        </p:spPr>
-        <p:txBody>
-          <a:bodyPr/>
-          <a:lstStyle/>
-          <a:p>
-            <a:pPr algn="ctr"/>
-            <a:r>
-              <a:rPr lang="en-IN" sz="13800" dirty="0" smtClean="0">
-                <a:latin typeface="Blackadder ITC" panose="04020505051007020D02" pitchFamily="82" charset="0"/>
-              </a:rPr>
-              <a:t>Thank You</a:t>
-            </a:r>
-            <a:endParaRPr lang="en-IN" sz="13800" dirty="0">
-              <a:latin typeface="Blackadder ITC" panose="04020505051007020D02" pitchFamily="82" charset="0"/>
-            </a:endParaRPr>
-          </a:p>
-        </p:txBody>
-      </p:sp>
-    </p:spTree>
-    <p:extLst>
-      <p:ext uri="{BB962C8B-B14F-4D97-AF65-F5344CB8AC3E}">
-        <p14:creationId xmlns:p14="http://schemas.microsoft.com/office/powerpoint/2010/main" val="2404791"/>
+        <p14:creationId xmlns:p14="http://schemas.microsoft.com/office/powerpoint/2010/main" val="1229857078"/>
       </p:ext>
     </p:extLst>
   </p:cSld>
@@ -5288,27 +5572,7 @@
                 <a:latin typeface="Arial" panose="020B0604020202020204" pitchFamily="34" charset="0"/>
                 <a:cs typeface="Arial" panose="020B0604020202020204" pitchFamily="34" charset="0"/>
               </a:rPr>
-              <a:t>Let’s also look into what the distribution of a feature means as well as how these </a:t>
-            </a:r>
-            <a:r>
-              <a:rPr lang="en-IN" dirty="0" smtClean="0">
-                <a:solidFill>
-                  <a:schemeClr val="tx1"/>
-                </a:solidFill>
-                <a:latin typeface="Arial" panose="020B0604020202020204" pitchFamily="34" charset="0"/>
-                <a:cs typeface="Arial" panose="020B0604020202020204" pitchFamily="34" charset="0"/>
-              </a:rPr>
-              <a:t>features relates </a:t>
-            </a:r>
-            <a:r>
-              <a:rPr lang="en-IN" dirty="0" smtClean="0">
-                <a:solidFill>
-                  <a:schemeClr val="tx1"/>
-                </a:solidFill>
-                <a:latin typeface="Arial" panose="020B0604020202020204" pitchFamily="34" charset="0"/>
-                <a:cs typeface="Arial" panose="020B0604020202020204" pitchFamily="34" charset="0"/>
-              </a:rPr>
-              <a:t>with loan defaults</a:t>
+              <a:t>Let’s also look into what the distribution of a feature means as well as how these features relates with loan defaults</a:t>
             </a:r>
           </a:p>
           <a:p>
@@ -5335,6 +5599,1139 @@
     <p:extLst>
       <p:ext uri="{BB962C8B-B14F-4D97-AF65-F5344CB8AC3E}">
         <p14:creationId xmlns:p14="http://schemas.microsoft.com/office/powerpoint/2010/main" val="2970409739"/>
+      </p:ext>
+    </p:extLst>
+  </p:cSld>
+  <p:clrMapOvr>
+    <a:masterClrMapping/>
+  </p:clrMapOvr>
+</p:sld>
+</file>
+
+<file path=ppt/slides/slide30.xml><?xml version="1.0" encoding="utf-8"?>
+<p:sld xmlns:a="http://schemas.openxmlformats.org/drawingml/2006/main" xmlns:r="http://schemas.openxmlformats.org/officeDocument/2006/relationships" xmlns:p="http://schemas.openxmlformats.org/presentationml/2006/main">
+  <p:cSld>
+    <p:spTree>
+      <p:nvGrpSpPr>
+        <p:cNvPr id="1" name=""/>
+        <p:cNvGrpSpPr/>
+        <p:nvPr/>
+      </p:nvGrpSpPr>
+      <p:grpSpPr>
+        <a:xfrm>
+          <a:off x="0" y="0"/>
+          <a:ext cx="0" cy="0"/>
+          <a:chOff x="0" y="0"/>
+          <a:chExt cx="0" cy="0"/>
+        </a:xfrm>
+      </p:grpSpPr>
+      <p:pic>
+        <p:nvPicPr>
+          <p:cNvPr id="16386" name="Picture 2"/>
+          <p:cNvPicPr>
+            <a:picLocks noChangeAspect="1" noChangeArrowheads="1"/>
+          </p:cNvPicPr>
+          <p:nvPr/>
+        </p:nvPicPr>
+        <p:blipFill>
+          <a:blip r:embed="rId2">
+            <a:extLst>
+              <a:ext uri="{28A0092B-C50C-407E-A947-70E740481C1C}">
+                <a14:useLocalDpi xmlns:a14="http://schemas.microsoft.com/office/drawing/2010/main" val="0"/>
+              </a:ext>
+            </a:extLst>
+          </a:blip>
+          <a:srcRect/>
+          <a:stretch>
+            <a:fillRect/>
+          </a:stretch>
+        </p:blipFill>
+        <p:spPr bwMode="auto">
+          <a:xfrm>
+            <a:off x="672846" y="397046"/>
+            <a:ext cx="10336530" cy="6172728"/>
+          </a:xfrm>
+          <a:prstGeom prst="rect">
+            <a:avLst/>
+          </a:prstGeom>
+          <a:noFill/>
+          <a:ln>
+            <a:noFill/>
+          </a:ln>
+          <a:extLst>
+            <a:ext uri="{909E8E84-426E-40DD-AFC4-6F175D3DCCD1}">
+              <a14:hiddenFill xmlns:a14="http://schemas.microsoft.com/office/drawing/2010/main">
+                <a:solidFill>
+                  <a:schemeClr val="accent1"/>
+                </a:solidFill>
+              </a14:hiddenFill>
+            </a:ext>
+            <a:ext uri="{91240B29-F687-4F45-9708-019B960494DF}">
+              <a14:hiddenLine xmlns:a14="http://schemas.microsoft.com/office/drawing/2010/main" w="9525">
+                <a:solidFill>
+                  <a:schemeClr val="tx1"/>
+                </a:solidFill>
+                <a:miter lim="800000"/>
+                <a:headEnd/>
+                <a:tailEnd/>
+              </a14:hiddenLine>
+            </a:ext>
+          </a:extLst>
+        </p:spPr>
+      </p:pic>
+    </p:spTree>
+    <p:extLst>
+      <p:ext uri="{BB962C8B-B14F-4D97-AF65-F5344CB8AC3E}">
+        <p14:creationId xmlns:p14="http://schemas.microsoft.com/office/powerpoint/2010/main" val="3605230583"/>
+      </p:ext>
+    </p:extLst>
+  </p:cSld>
+  <p:clrMapOvr>
+    <a:masterClrMapping/>
+  </p:clrMapOvr>
+</p:sld>
+</file>
+
+<file path=ppt/slides/slide31.xml><?xml version="1.0" encoding="utf-8"?>
+<p:sld xmlns:a="http://schemas.openxmlformats.org/drawingml/2006/main" xmlns:r="http://schemas.openxmlformats.org/officeDocument/2006/relationships" xmlns:p="http://schemas.openxmlformats.org/presentationml/2006/main">
+  <p:cSld>
+    <p:spTree>
+      <p:nvGrpSpPr>
+        <p:cNvPr id="1" name=""/>
+        <p:cNvGrpSpPr/>
+        <p:nvPr/>
+      </p:nvGrpSpPr>
+      <p:grpSpPr>
+        <a:xfrm>
+          <a:off x="0" y="0"/>
+          <a:ext cx="0" cy="0"/>
+          <a:chOff x="0" y="0"/>
+          <a:chExt cx="0" cy="0"/>
+        </a:xfrm>
+      </p:grpSpPr>
+      <p:sp>
+        <p:nvSpPr>
+          <p:cNvPr id="2" name="Title 1"/>
+          <p:cNvSpPr>
+            <a:spLocks noGrp="1"/>
+          </p:cNvSpPr>
+          <p:nvPr>
+            <p:ph type="title"/>
+          </p:nvPr>
+        </p:nvSpPr>
+        <p:spPr>
+          <a:xfrm>
+            <a:off x="545592" y="246888"/>
+            <a:ext cx="10972800" cy="1216152"/>
+          </a:xfrm>
+        </p:spPr>
+        <p:txBody>
+          <a:bodyPr/>
+          <a:lstStyle/>
+          <a:p>
+            <a:r>
+              <a:rPr lang="en-IN" b="1" i="1" dirty="0" smtClean="0">
+                <a:effectLst/>
+                <a:latin typeface="Arial Black" panose="020B0A04020102020204" pitchFamily="34" charset="0"/>
+              </a:rPr>
+              <a:t>Model </a:t>
+            </a:r>
+            <a:r>
+              <a:rPr lang="en-IN" b="1" i="1" dirty="0" smtClean="0">
+                <a:effectLst/>
+                <a:latin typeface="Arial Black" panose="020B0A04020102020204" pitchFamily="34" charset="0"/>
+              </a:rPr>
+              <a:t>Building</a:t>
+            </a:r>
+            <a:endParaRPr lang="en-IN" b="1" i="1" dirty="0">
+              <a:effectLst/>
+              <a:latin typeface="Arial Black" panose="020B0A04020102020204" pitchFamily="34" charset="0"/>
+            </a:endParaRPr>
+          </a:p>
+        </p:txBody>
+      </p:sp>
+      <p:pic>
+        <p:nvPicPr>
+          <p:cNvPr id="17410" name="Picture 2"/>
+          <p:cNvPicPr>
+            <a:picLocks noChangeAspect="1" noChangeArrowheads="1"/>
+          </p:cNvPicPr>
+          <p:nvPr/>
+        </p:nvPicPr>
+        <p:blipFill>
+          <a:blip r:embed="rId2">
+            <a:extLst>
+              <a:ext uri="{28A0092B-C50C-407E-A947-70E740481C1C}">
+                <a14:useLocalDpi xmlns:a14="http://schemas.microsoft.com/office/drawing/2010/main" val="0"/>
+              </a:ext>
+            </a:extLst>
+          </a:blip>
+          <a:srcRect/>
+          <a:stretch>
+            <a:fillRect/>
+          </a:stretch>
+        </p:blipFill>
+        <p:spPr bwMode="auto">
+          <a:xfrm>
+            <a:off x="604837" y="1348532"/>
+            <a:ext cx="10514267" cy="5216098"/>
+          </a:xfrm>
+          <a:prstGeom prst="rect">
+            <a:avLst/>
+          </a:prstGeom>
+          <a:noFill/>
+          <a:ln>
+            <a:noFill/>
+          </a:ln>
+          <a:extLst>
+            <a:ext uri="{909E8E84-426E-40DD-AFC4-6F175D3DCCD1}">
+              <a14:hiddenFill xmlns:a14="http://schemas.microsoft.com/office/drawing/2010/main">
+                <a:solidFill>
+                  <a:schemeClr val="accent1"/>
+                </a:solidFill>
+              </a14:hiddenFill>
+            </a:ext>
+            <a:ext uri="{91240B29-F687-4F45-9708-019B960494DF}">
+              <a14:hiddenLine xmlns:a14="http://schemas.microsoft.com/office/drawing/2010/main" w="9525">
+                <a:solidFill>
+                  <a:schemeClr val="tx1"/>
+                </a:solidFill>
+                <a:miter lim="800000"/>
+                <a:headEnd/>
+                <a:tailEnd/>
+              </a14:hiddenLine>
+            </a:ext>
+          </a:extLst>
+        </p:spPr>
+      </p:pic>
+    </p:spTree>
+    <p:extLst>
+      <p:ext uri="{BB962C8B-B14F-4D97-AF65-F5344CB8AC3E}">
+        <p14:creationId xmlns:p14="http://schemas.microsoft.com/office/powerpoint/2010/main" val="1082290275"/>
+      </p:ext>
+    </p:extLst>
+  </p:cSld>
+  <p:clrMapOvr>
+    <a:masterClrMapping/>
+  </p:clrMapOvr>
+</p:sld>
+</file>
+
+<file path=ppt/slides/slide32.xml><?xml version="1.0" encoding="utf-8"?>
+<p:sld xmlns:a="http://schemas.openxmlformats.org/drawingml/2006/main" xmlns:r="http://schemas.openxmlformats.org/officeDocument/2006/relationships" xmlns:p="http://schemas.openxmlformats.org/presentationml/2006/main">
+  <p:cSld>
+    <p:spTree>
+      <p:nvGrpSpPr>
+        <p:cNvPr id="1" name=""/>
+        <p:cNvGrpSpPr/>
+        <p:nvPr/>
+      </p:nvGrpSpPr>
+      <p:grpSpPr>
+        <a:xfrm>
+          <a:off x="0" y="0"/>
+          <a:ext cx="0" cy="0"/>
+          <a:chOff x="0" y="0"/>
+          <a:chExt cx="0" cy="0"/>
+        </a:xfrm>
+      </p:grpSpPr>
+      <p:pic>
+        <p:nvPicPr>
+          <p:cNvPr id="18434" name="Picture 2"/>
+          <p:cNvPicPr>
+            <a:picLocks noChangeAspect="1" noChangeArrowheads="1"/>
+          </p:cNvPicPr>
+          <p:nvPr/>
+        </p:nvPicPr>
+        <p:blipFill>
+          <a:blip r:embed="rId2">
+            <a:extLst>
+              <a:ext uri="{28A0092B-C50C-407E-A947-70E740481C1C}">
+                <a14:useLocalDpi xmlns:a14="http://schemas.microsoft.com/office/drawing/2010/main" val="0"/>
+              </a:ext>
+            </a:extLst>
+          </a:blip>
+          <a:srcRect/>
+          <a:stretch>
+            <a:fillRect/>
+          </a:stretch>
+        </p:blipFill>
+        <p:spPr bwMode="auto">
+          <a:xfrm>
+            <a:off x="538163" y="1238250"/>
+            <a:ext cx="11115675" cy="4381500"/>
+          </a:xfrm>
+          <a:prstGeom prst="rect">
+            <a:avLst/>
+          </a:prstGeom>
+          <a:noFill/>
+          <a:ln>
+            <a:noFill/>
+          </a:ln>
+          <a:extLst>
+            <a:ext uri="{909E8E84-426E-40DD-AFC4-6F175D3DCCD1}">
+              <a14:hiddenFill xmlns:a14="http://schemas.microsoft.com/office/drawing/2010/main">
+                <a:solidFill>
+                  <a:schemeClr val="accent1"/>
+                </a:solidFill>
+              </a14:hiddenFill>
+            </a:ext>
+            <a:ext uri="{91240B29-F687-4F45-9708-019B960494DF}">
+              <a14:hiddenLine xmlns:a14="http://schemas.microsoft.com/office/drawing/2010/main" w="9525">
+                <a:solidFill>
+                  <a:schemeClr val="tx1"/>
+                </a:solidFill>
+                <a:miter lim="800000"/>
+                <a:headEnd/>
+                <a:tailEnd/>
+              </a14:hiddenLine>
+            </a:ext>
+          </a:extLst>
+        </p:spPr>
+      </p:pic>
+    </p:spTree>
+    <p:extLst>
+      <p:ext uri="{BB962C8B-B14F-4D97-AF65-F5344CB8AC3E}">
+        <p14:creationId xmlns:p14="http://schemas.microsoft.com/office/powerpoint/2010/main" val="3057534449"/>
+      </p:ext>
+    </p:extLst>
+  </p:cSld>
+  <p:clrMapOvr>
+    <a:masterClrMapping/>
+  </p:clrMapOvr>
+</p:sld>
+</file>
+
+<file path=ppt/slides/slide33.xml><?xml version="1.0" encoding="utf-8"?>
+<p:sld xmlns:a="http://schemas.openxmlformats.org/drawingml/2006/main" xmlns:r="http://schemas.openxmlformats.org/officeDocument/2006/relationships" xmlns:p="http://schemas.openxmlformats.org/presentationml/2006/main">
+  <p:cSld>
+    <p:spTree>
+      <p:nvGrpSpPr>
+        <p:cNvPr id="1" name=""/>
+        <p:cNvGrpSpPr/>
+        <p:nvPr/>
+      </p:nvGrpSpPr>
+      <p:grpSpPr>
+        <a:xfrm>
+          <a:off x="0" y="0"/>
+          <a:ext cx="0" cy="0"/>
+          <a:chOff x="0" y="0"/>
+          <a:chExt cx="0" cy="0"/>
+        </a:xfrm>
+      </p:grpSpPr>
+      <p:pic>
+        <p:nvPicPr>
+          <p:cNvPr id="19458" name="Picture 2"/>
+          <p:cNvPicPr>
+            <a:picLocks noChangeAspect="1" noChangeArrowheads="1"/>
+          </p:cNvPicPr>
+          <p:nvPr/>
+        </p:nvPicPr>
+        <p:blipFill>
+          <a:blip r:embed="rId2">
+            <a:extLst>
+              <a:ext uri="{28A0092B-C50C-407E-A947-70E740481C1C}">
+                <a14:useLocalDpi xmlns:a14="http://schemas.microsoft.com/office/drawing/2010/main" val="0"/>
+              </a:ext>
+            </a:extLst>
+          </a:blip>
+          <a:srcRect/>
+          <a:stretch>
+            <a:fillRect/>
+          </a:stretch>
+        </p:blipFill>
+        <p:spPr bwMode="auto">
+          <a:xfrm>
+            <a:off x="623888" y="1181100"/>
+            <a:ext cx="10944225" cy="4495800"/>
+          </a:xfrm>
+          <a:prstGeom prst="rect">
+            <a:avLst/>
+          </a:prstGeom>
+          <a:noFill/>
+          <a:ln>
+            <a:noFill/>
+          </a:ln>
+          <a:extLst>
+            <a:ext uri="{909E8E84-426E-40DD-AFC4-6F175D3DCCD1}">
+              <a14:hiddenFill xmlns:a14="http://schemas.microsoft.com/office/drawing/2010/main">
+                <a:solidFill>
+                  <a:schemeClr val="accent1"/>
+                </a:solidFill>
+              </a14:hiddenFill>
+            </a:ext>
+            <a:ext uri="{91240B29-F687-4F45-9708-019B960494DF}">
+              <a14:hiddenLine xmlns:a14="http://schemas.microsoft.com/office/drawing/2010/main" w="9525">
+                <a:solidFill>
+                  <a:schemeClr val="tx1"/>
+                </a:solidFill>
+                <a:miter lim="800000"/>
+                <a:headEnd/>
+                <a:tailEnd/>
+              </a14:hiddenLine>
+            </a:ext>
+          </a:extLst>
+        </p:spPr>
+      </p:pic>
+    </p:spTree>
+    <p:extLst>
+      <p:ext uri="{BB962C8B-B14F-4D97-AF65-F5344CB8AC3E}">
+        <p14:creationId xmlns:p14="http://schemas.microsoft.com/office/powerpoint/2010/main" val="4223921263"/>
+      </p:ext>
+    </p:extLst>
+  </p:cSld>
+  <p:clrMapOvr>
+    <a:masterClrMapping/>
+  </p:clrMapOvr>
+</p:sld>
+</file>
+
+<file path=ppt/slides/slide34.xml><?xml version="1.0" encoding="utf-8"?>
+<p:sld xmlns:a="http://schemas.openxmlformats.org/drawingml/2006/main" xmlns:r="http://schemas.openxmlformats.org/officeDocument/2006/relationships" xmlns:p="http://schemas.openxmlformats.org/presentationml/2006/main">
+  <p:cSld>
+    <p:spTree>
+      <p:nvGrpSpPr>
+        <p:cNvPr id="1" name=""/>
+        <p:cNvGrpSpPr/>
+        <p:nvPr/>
+      </p:nvGrpSpPr>
+      <p:grpSpPr>
+        <a:xfrm>
+          <a:off x="0" y="0"/>
+          <a:ext cx="0" cy="0"/>
+          <a:chOff x="0" y="0"/>
+          <a:chExt cx="0" cy="0"/>
+        </a:xfrm>
+      </p:grpSpPr>
+      <p:pic>
+        <p:nvPicPr>
+          <p:cNvPr id="20482" name="Picture 2"/>
+          <p:cNvPicPr>
+            <a:picLocks noChangeAspect="1" noChangeArrowheads="1"/>
+          </p:cNvPicPr>
+          <p:nvPr/>
+        </p:nvPicPr>
+        <p:blipFill>
+          <a:blip r:embed="rId2">
+            <a:extLst>
+              <a:ext uri="{28A0092B-C50C-407E-A947-70E740481C1C}">
+                <a14:useLocalDpi xmlns:a14="http://schemas.microsoft.com/office/drawing/2010/main" val="0"/>
+              </a:ext>
+            </a:extLst>
+          </a:blip>
+          <a:srcRect/>
+          <a:stretch>
+            <a:fillRect/>
+          </a:stretch>
+        </p:blipFill>
+        <p:spPr bwMode="auto">
+          <a:xfrm>
+            <a:off x="524763" y="773684"/>
+            <a:ext cx="10531323" cy="5124196"/>
+          </a:xfrm>
+          <a:prstGeom prst="rect">
+            <a:avLst/>
+          </a:prstGeom>
+          <a:noFill/>
+          <a:ln>
+            <a:noFill/>
+          </a:ln>
+          <a:extLst>
+            <a:ext uri="{909E8E84-426E-40DD-AFC4-6F175D3DCCD1}">
+              <a14:hiddenFill xmlns:a14="http://schemas.microsoft.com/office/drawing/2010/main">
+                <a:solidFill>
+                  <a:schemeClr val="accent1"/>
+                </a:solidFill>
+              </a14:hiddenFill>
+            </a:ext>
+            <a:ext uri="{91240B29-F687-4F45-9708-019B960494DF}">
+              <a14:hiddenLine xmlns:a14="http://schemas.microsoft.com/office/drawing/2010/main" w="9525">
+                <a:solidFill>
+                  <a:schemeClr val="tx1"/>
+                </a:solidFill>
+                <a:miter lim="800000"/>
+                <a:headEnd/>
+                <a:tailEnd/>
+              </a14:hiddenLine>
+            </a:ext>
+          </a:extLst>
+        </p:spPr>
+      </p:pic>
+    </p:spTree>
+    <p:extLst>
+      <p:ext uri="{BB962C8B-B14F-4D97-AF65-F5344CB8AC3E}">
+        <p14:creationId xmlns:p14="http://schemas.microsoft.com/office/powerpoint/2010/main" val="1484044285"/>
+      </p:ext>
+    </p:extLst>
+  </p:cSld>
+  <p:clrMapOvr>
+    <a:masterClrMapping/>
+  </p:clrMapOvr>
+</p:sld>
+</file>
+
+<file path=ppt/slides/slide35.xml><?xml version="1.0" encoding="utf-8"?>
+<p:sld xmlns:a="http://schemas.openxmlformats.org/drawingml/2006/main" xmlns:r="http://schemas.openxmlformats.org/officeDocument/2006/relationships" xmlns:p="http://schemas.openxmlformats.org/presentationml/2006/main">
+  <p:cSld>
+    <p:spTree>
+      <p:nvGrpSpPr>
+        <p:cNvPr id="1" name=""/>
+        <p:cNvGrpSpPr/>
+        <p:nvPr/>
+      </p:nvGrpSpPr>
+      <p:grpSpPr>
+        <a:xfrm>
+          <a:off x="0" y="0"/>
+          <a:ext cx="0" cy="0"/>
+          <a:chOff x="0" y="0"/>
+          <a:chExt cx="0" cy="0"/>
+        </a:xfrm>
+      </p:grpSpPr>
+      <p:pic>
+        <p:nvPicPr>
+          <p:cNvPr id="21506" name="Picture 2"/>
+          <p:cNvPicPr>
+            <a:picLocks noChangeAspect="1" noChangeArrowheads="1"/>
+          </p:cNvPicPr>
+          <p:nvPr/>
+        </p:nvPicPr>
+        <p:blipFill>
+          <a:blip r:embed="rId2">
+            <a:extLst>
+              <a:ext uri="{28A0092B-C50C-407E-A947-70E740481C1C}">
+                <a14:useLocalDpi xmlns:a14="http://schemas.microsoft.com/office/drawing/2010/main" val="0"/>
+              </a:ext>
+            </a:extLst>
+          </a:blip>
+          <a:srcRect/>
+          <a:stretch>
+            <a:fillRect/>
+          </a:stretch>
+        </p:blipFill>
+        <p:spPr bwMode="auto">
+          <a:xfrm>
+            <a:off x="352235" y="515059"/>
+            <a:ext cx="11187493" cy="6035473"/>
+          </a:xfrm>
+          <a:prstGeom prst="rect">
+            <a:avLst/>
+          </a:prstGeom>
+          <a:noFill/>
+          <a:ln>
+            <a:noFill/>
+          </a:ln>
+          <a:extLst>
+            <a:ext uri="{909E8E84-426E-40DD-AFC4-6F175D3DCCD1}">
+              <a14:hiddenFill xmlns:a14="http://schemas.microsoft.com/office/drawing/2010/main">
+                <a:solidFill>
+                  <a:schemeClr val="accent1"/>
+                </a:solidFill>
+              </a14:hiddenFill>
+            </a:ext>
+            <a:ext uri="{91240B29-F687-4F45-9708-019B960494DF}">
+              <a14:hiddenLine xmlns:a14="http://schemas.microsoft.com/office/drawing/2010/main" w="9525">
+                <a:solidFill>
+                  <a:schemeClr val="tx1"/>
+                </a:solidFill>
+                <a:miter lim="800000"/>
+                <a:headEnd/>
+                <a:tailEnd/>
+              </a14:hiddenLine>
+            </a:ext>
+          </a:extLst>
+        </p:spPr>
+      </p:pic>
+    </p:spTree>
+    <p:extLst>
+      <p:ext uri="{BB962C8B-B14F-4D97-AF65-F5344CB8AC3E}">
+        <p14:creationId xmlns:p14="http://schemas.microsoft.com/office/powerpoint/2010/main" val="1291954346"/>
+      </p:ext>
+    </p:extLst>
+  </p:cSld>
+  <p:clrMapOvr>
+    <a:masterClrMapping/>
+  </p:clrMapOvr>
+</p:sld>
+</file>
+
+<file path=ppt/slides/slide36.xml><?xml version="1.0" encoding="utf-8"?>
+<p:sld xmlns:a="http://schemas.openxmlformats.org/drawingml/2006/main" xmlns:r="http://schemas.openxmlformats.org/officeDocument/2006/relationships" xmlns:p="http://schemas.openxmlformats.org/presentationml/2006/main">
+  <p:cSld>
+    <p:spTree>
+      <p:nvGrpSpPr>
+        <p:cNvPr id="1" name=""/>
+        <p:cNvGrpSpPr/>
+        <p:nvPr/>
+      </p:nvGrpSpPr>
+      <p:grpSpPr>
+        <a:xfrm>
+          <a:off x="0" y="0"/>
+          <a:ext cx="0" cy="0"/>
+          <a:chOff x="0" y="0"/>
+          <a:chExt cx="0" cy="0"/>
+        </a:xfrm>
+      </p:grpSpPr>
+      <p:pic>
+        <p:nvPicPr>
+          <p:cNvPr id="22530" name="Picture 2"/>
+          <p:cNvPicPr>
+            <a:picLocks noChangeAspect="1" noChangeArrowheads="1"/>
+          </p:cNvPicPr>
+          <p:nvPr/>
+        </p:nvPicPr>
+        <p:blipFill>
+          <a:blip r:embed="rId2">
+            <a:extLst>
+              <a:ext uri="{28A0092B-C50C-407E-A947-70E740481C1C}">
+                <a14:useLocalDpi xmlns:a14="http://schemas.microsoft.com/office/drawing/2010/main" val="0"/>
+              </a:ext>
+            </a:extLst>
+          </a:blip>
+          <a:srcRect/>
+          <a:stretch>
+            <a:fillRect/>
+          </a:stretch>
+        </p:blipFill>
+        <p:spPr bwMode="auto">
+          <a:xfrm>
+            <a:off x="1109663" y="180975"/>
+            <a:ext cx="9972675" cy="6496050"/>
+          </a:xfrm>
+          <a:prstGeom prst="rect">
+            <a:avLst/>
+          </a:prstGeom>
+          <a:noFill/>
+          <a:ln>
+            <a:noFill/>
+          </a:ln>
+          <a:extLst>
+            <a:ext uri="{909E8E84-426E-40DD-AFC4-6F175D3DCCD1}">
+              <a14:hiddenFill xmlns:a14="http://schemas.microsoft.com/office/drawing/2010/main">
+                <a:solidFill>
+                  <a:schemeClr val="accent1"/>
+                </a:solidFill>
+              </a14:hiddenFill>
+            </a:ext>
+            <a:ext uri="{91240B29-F687-4F45-9708-019B960494DF}">
+              <a14:hiddenLine xmlns:a14="http://schemas.microsoft.com/office/drawing/2010/main" w="9525">
+                <a:solidFill>
+                  <a:schemeClr val="tx1"/>
+                </a:solidFill>
+                <a:miter lim="800000"/>
+                <a:headEnd/>
+                <a:tailEnd/>
+              </a14:hiddenLine>
+            </a:ext>
+          </a:extLst>
+        </p:spPr>
+      </p:pic>
+    </p:spTree>
+    <p:extLst>
+      <p:ext uri="{BB962C8B-B14F-4D97-AF65-F5344CB8AC3E}">
+        <p14:creationId xmlns:p14="http://schemas.microsoft.com/office/powerpoint/2010/main" val="1925361737"/>
+      </p:ext>
+    </p:extLst>
+  </p:cSld>
+  <p:clrMapOvr>
+    <a:masterClrMapping/>
+  </p:clrMapOvr>
+</p:sld>
+</file>
+
+<file path=ppt/slides/slide37.xml><?xml version="1.0" encoding="utf-8"?>
+<p:sld xmlns:a="http://schemas.openxmlformats.org/drawingml/2006/main" xmlns:r="http://schemas.openxmlformats.org/officeDocument/2006/relationships" xmlns:p="http://schemas.openxmlformats.org/presentationml/2006/main">
+  <p:cSld>
+    <p:spTree>
+      <p:nvGrpSpPr>
+        <p:cNvPr id="1" name=""/>
+        <p:cNvGrpSpPr/>
+        <p:nvPr/>
+      </p:nvGrpSpPr>
+      <p:grpSpPr>
+        <a:xfrm>
+          <a:off x="0" y="0"/>
+          <a:ext cx="0" cy="0"/>
+          <a:chOff x="0" y="0"/>
+          <a:chExt cx="0" cy="0"/>
+        </a:xfrm>
+      </p:grpSpPr>
+      <p:sp>
+        <p:nvSpPr>
+          <p:cNvPr id="2" name="Title 1"/>
+          <p:cNvSpPr>
+            <a:spLocks noGrp="1"/>
+          </p:cNvSpPr>
+          <p:nvPr>
+            <p:ph type="title"/>
+          </p:nvPr>
+        </p:nvSpPr>
+        <p:spPr>
+          <a:xfrm>
+            <a:off x="545592" y="246888"/>
+            <a:ext cx="10972800" cy="1600200"/>
+          </a:xfrm>
+        </p:spPr>
+        <p:txBody>
+          <a:bodyPr/>
+          <a:lstStyle/>
+          <a:p>
+            <a:r>
+              <a:rPr lang="en-IN" b="1" i="1" dirty="0" smtClean="0">
+                <a:effectLst/>
+                <a:latin typeface="Arial Black" panose="020B0A04020102020204" pitchFamily="34" charset="0"/>
+              </a:rPr>
+              <a:t>Model Development &amp; Evaluation</a:t>
+            </a:r>
+            <a:endParaRPr lang="en-IN" b="1" i="1" dirty="0">
+              <a:effectLst/>
+              <a:latin typeface="Arial Black" panose="020B0A04020102020204" pitchFamily="34" charset="0"/>
+            </a:endParaRPr>
+          </a:p>
+        </p:txBody>
+      </p:sp>
+      <p:sp>
+        <p:nvSpPr>
+          <p:cNvPr id="3" name="Content Placeholder 2"/>
+          <p:cNvSpPr>
+            <a:spLocks noGrp="1"/>
+          </p:cNvSpPr>
+          <p:nvPr>
+            <p:ph idx="1"/>
+          </p:nvPr>
+        </p:nvSpPr>
+        <p:spPr>
+          <a:xfrm>
+            <a:off x="609600" y="1901953"/>
+            <a:ext cx="10972800" cy="4525963"/>
+          </a:xfrm>
+        </p:spPr>
+        <p:txBody>
+          <a:bodyPr>
+            <a:normAutofit/>
+          </a:bodyPr>
+          <a:lstStyle/>
+          <a:p>
+            <a:r>
+              <a:rPr lang="en-IN" dirty="0">
+                <a:solidFill>
+                  <a:schemeClr val="tx1"/>
+                </a:solidFill>
+                <a:latin typeface="Arial" panose="020B0604020202020204" pitchFamily="34" charset="0"/>
+                <a:cs typeface="Arial" panose="020B0604020202020204" pitchFamily="34" charset="0"/>
+              </a:rPr>
+              <a:t>Also after cleaning all the features, the input set of features are standard scaled for </a:t>
+            </a:r>
+            <a:r>
+              <a:rPr lang="en-IN" dirty="0" smtClean="0">
+                <a:solidFill>
+                  <a:schemeClr val="tx1"/>
+                </a:solidFill>
+                <a:latin typeface="Arial" panose="020B0604020202020204" pitchFamily="34" charset="0"/>
+                <a:cs typeface="Arial" panose="020B0604020202020204" pitchFamily="34" charset="0"/>
+              </a:rPr>
+              <a:t>modelling</a:t>
+            </a:r>
+          </a:p>
+          <a:p>
+            <a:r>
+              <a:rPr lang="en-IN" dirty="0" smtClean="0">
+                <a:solidFill>
+                  <a:schemeClr val="tx1"/>
+                </a:solidFill>
+                <a:latin typeface="Arial" panose="020B0604020202020204" pitchFamily="34" charset="0"/>
+                <a:cs typeface="Arial" panose="020B0604020202020204" pitchFamily="34" charset="0"/>
+              </a:rPr>
+              <a:t>Algorithms tested for classification of defaulters</a:t>
+            </a:r>
+          </a:p>
+          <a:p>
+            <a:pPr lvl="1"/>
+            <a:r>
+              <a:rPr lang="en-IN" sz="2400" dirty="0" err="1">
+                <a:solidFill>
+                  <a:schemeClr val="tx1"/>
+                </a:solidFill>
+                <a:latin typeface="Arial" panose="020B0604020202020204" pitchFamily="34" charset="0"/>
+                <a:cs typeface="Arial" panose="020B0604020202020204" pitchFamily="34" charset="0"/>
+              </a:rPr>
+              <a:t>LogisticRegression</a:t>
+            </a:r>
+            <a:endParaRPr lang="en-IN" sz="2400" dirty="0">
+              <a:solidFill>
+                <a:schemeClr val="tx1"/>
+              </a:solidFill>
+              <a:latin typeface="Arial" panose="020B0604020202020204" pitchFamily="34" charset="0"/>
+              <a:cs typeface="Arial" panose="020B0604020202020204" pitchFamily="34" charset="0"/>
+            </a:endParaRPr>
+          </a:p>
+          <a:p>
+            <a:pPr lvl="1"/>
+            <a:r>
+              <a:rPr lang="en-IN" sz="2400" dirty="0" err="1" smtClean="0">
+                <a:solidFill>
+                  <a:schemeClr val="tx1"/>
+                </a:solidFill>
+                <a:latin typeface="Arial" panose="020B0604020202020204" pitchFamily="34" charset="0"/>
+                <a:cs typeface="Arial" panose="020B0604020202020204" pitchFamily="34" charset="0"/>
+              </a:rPr>
+              <a:t>RandomForestClassifier</a:t>
+            </a:r>
+            <a:endParaRPr lang="en-IN" sz="2400" dirty="0">
+              <a:solidFill>
+                <a:schemeClr val="tx1"/>
+              </a:solidFill>
+              <a:latin typeface="Arial" panose="020B0604020202020204" pitchFamily="34" charset="0"/>
+              <a:cs typeface="Arial" panose="020B0604020202020204" pitchFamily="34" charset="0"/>
+            </a:endParaRPr>
+          </a:p>
+          <a:p>
+            <a:pPr lvl="1"/>
+            <a:r>
+              <a:rPr lang="en-IN" sz="2400" dirty="0" err="1">
+                <a:solidFill>
+                  <a:schemeClr val="tx1"/>
+                </a:solidFill>
+                <a:latin typeface="Arial" panose="020B0604020202020204" pitchFamily="34" charset="0"/>
+                <a:cs typeface="Arial" panose="020B0604020202020204" pitchFamily="34" charset="0"/>
+              </a:rPr>
+              <a:t>AdaBoostClassifier</a:t>
+            </a:r>
+            <a:endParaRPr lang="en-IN" sz="2400" dirty="0">
+              <a:solidFill>
+                <a:schemeClr val="tx1"/>
+              </a:solidFill>
+              <a:latin typeface="Arial" panose="020B0604020202020204" pitchFamily="34" charset="0"/>
+              <a:cs typeface="Arial" panose="020B0604020202020204" pitchFamily="34" charset="0"/>
+            </a:endParaRPr>
+          </a:p>
+          <a:p>
+            <a:pPr lvl="1"/>
+            <a:r>
+              <a:rPr lang="en-IN" sz="2400" dirty="0" err="1" smtClean="0">
+                <a:solidFill>
+                  <a:schemeClr val="tx1"/>
+                </a:solidFill>
+                <a:latin typeface="Arial" panose="020B0604020202020204" pitchFamily="34" charset="0"/>
+                <a:cs typeface="Arial" panose="020B0604020202020204" pitchFamily="34" charset="0"/>
+              </a:rPr>
+              <a:t>GradientBoostingClassifier</a:t>
+            </a:r>
+            <a:endParaRPr lang="en-IN" sz="2400" dirty="0">
+              <a:solidFill>
+                <a:schemeClr val="tx1"/>
+              </a:solidFill>
+              <a:latin typeface="Arial" panose="020B0604020202020204" pitchFamily="34" charset="0"/>
+              <a:cs typeface="Arial" panose="020B0604020202020204" pitchFamily="34" charset="0"/>
+            </a:endParaRPr>
+          </a:p>
+          <a:p>
+            <a:pPr lvl="1"/>
+            <a:r>
+              <a:rPr lang="en-IN" sz="2400" dirty="0" smtClean="0">
+                <a:solidFill>
+                  <a:schemeClr val="tx1"/>
+                </a:solidFill>
+                <a:latin typeface="Arial" panose="020B0604020202020204" pitchFamily="34" charset="0"/>
+                <a:cs typeface="Arial" panose="020B0604020202020204" pitchFamily="34" charset="0"/>
+              </a:rPr>
+              <a:t>Decision Tree Classifier</a:t>
+            </a:r>
+          </a:p>
+          <a:p>
+            <a:endParaRPr lang="en-IN" dirty="0">
+              <a:solidFill>
+                <a:schemeClr val="tx1"/>
+              </a:solidFill>
+              <a:latin typeface="Arial" panose="020B0604020202020204" pitchFamily="34" charset="0"/>
+              <a:cs typeface="Arial" panose="020B0604020202020204" pitchFamily="34" charset="0"/>
+            </a:endParaRPr>
+          </a:p>
+        </p:txBody>
+      </p:sp>
+    </p:spTree>
+    <p:extLst>
+      <p:ext uri="{BB962C8B-B14F-4D97-AF65-F5344CB8AC3E}">
+        <p14:creationId xmlns:p14="http://schemas.microsoft.com/office/powerpoint/2010/main" val="3962990328"/>
+      </p:ext>
+    </p:extLst>
+  </p:cSld>
+  <p:clrMapOvr>
+    <a:masterClrMapping/>
+  </p:clrMapOvr>
+</p:sld>
+</file>
+
+<file path=ppt/slides/slide38.xml><?xml version="1.0" encoding="utf-8"?>
+<p:sld xmlns:a="http://schemas.openxmlformats.org/drawingml/2006/main" xmlns:r="http://schemas.openxmlformats.org/officeDocument/2006/relationships" xmlns:p="http://schemas.openxmlformats.org/presentationml/2006/main">
+  <p:cSld>
+    <p:spTree>
+      <p:nvGrpSpPr>
+        <p:cNvPr id="1" name=""/>
+        <p:cNvGrpSpPr/>
+        <p:nvPr/>
+      </p:nvGrpSpPr>
+      <p:grpSpPr>
+        <a:xfrm>
+          <a:off x="0" y="0"/>
+          <a:ext cx="0" cy="0"/>
+          <a:chOff x="0" y="0"/>
+          <a:chExt cx="0" cy="0"/>
+        </a:xfrm>
+      </p:grpSpPr>
+      <p:sp>
+        <p:nvSpPr>
+          <p:cNvPr id="2" name="Title 1"/>
+          <p:cNvSpPr>
+            <a:spLocks noGrp="1"/>
+          </p:cNvSpPr>
+          <p:nvPr>
+            <p:ph type="title"/>
+          </p:nvPr>
+        </p:nvSpPr>
+        <p:spPr/>
+        <p:txBody>
+          <a:bodyPr/>
+          <a:lstStyle/>
+          <a:p>
+            <a:r>
+              <a:rPr lang="en-IN" b="1" i="1" dirty="0" smtClean="0">
+                <a:effectLst/>
+                <a:latin typeface="Arial Black" panose="020B0A04020102020204" pitchFamily="34" charset="0"/>
+              </a:rPr>
+              <a:t>Summary of Results:</a:t>
+            </a:r>
+            <a:endParaRPr lang="en-IN" b="1" i="1" dirty="0">
+              <a:effectLst/>
+              <a:latin typeface="Arial Black" panose="020B0A04020102020204" pitchFamily="34" charset="0"/>
+            </a:endParaRPr>
+          </a:p>
+        </p:txBody>
+      </p:sp>
+      <p:sp>
+        <p:nvSpPr>
+          <p:cNvPr id="3" name="Content Placeholder 2"/>
+          <p:cNvSpPr>
+            <a:spLocks noGrp="1"/>
+          </p:cNvSpPr>
+          <p:nvPr>
+            <p:ph idx="1"/>
+          </p:nvPr>
+        </p:nvSpPr>
+        <p:spPr>
+          <a:xfrm>
+            <a:off x="1176464" y="1538822"/>
+            <a:ext cx="8946541" cy="2356522"/>
+          </a:xfrm>
+        </p:spPr>
+        <p:txBody>
+          <a:bodyPr>
+            <a:normAutofit/>
+          </a:bodyPr>
+          <a:lstStyle/>
+          <a:p>
+            <a:pPr marL="0" indent="0">
+              <a:buNone/>
+            </a:pPr>
+            <a:r>
+              <a:rPr lang="en-IN" dirty="0">
+                <a:solidFill>
+                  <a:schemeClr val="tx1"/>
+                </a:solidFill>
+                <a:latin typeface="Arial" panose="020B0604020202020204" pitchFamily="34" charset="0"/>
+                <a:cs typeface="Arial" panose="020B0604020202020204" pitchFamily="34" charset="0"/>
+              </a:rPr>
+              <a:t>It might appear from the accuracy and cross validation scores that Ensemble methods are performing better but if we look at the confusion matrix and recall scores, we observe that these models are not good at classifying the </a:t>
+            </a:r>
+            <a:r>
+              <a:rPr lang="en-IN" dirty="0" smtClean="0">
+                <a:solidFill>
+                  <a:schemeClr val="tx1"/>
+                </a:solidFill>
+                <a:latin typeface="Arial" panose="020B0604020202020204" pitchFamily="34" charset="0"/>
+                <a:cs typeface="Arial" panose="020B0604020202020204" pitchFamily="34" charset="0"/>
+              </a:rPr>
+              <a:t>defaulters.</a:t>
+            </a:r>
+            <a:endParaRPr lang="en-IN" dirty="0">
+              <a:solidFill>
+                <a:schemeClr val="tx1"/>
+              </a:solidFill>
+              <a:latin typeface="Arial" panose="020B0604020202020204" pitchFamily="34" charset="0"/>
+              <a:cs typeface="Arial" panose="020B0604020202020204" pitchFamily="34" charset="0"/>
+            </a:endParaRPr>
+          </a:p>
+        </p:txBody>
+      </p:sp>
+      <p:pic>
+        <p:nvPicPr>
+          <p:cNvPr id="23554" name="Picture 2"/>
+          <p:cNvPicPr>
+            <a:picLocks noChangeAspect="1" noChangeArrowheads="1"/>
+          </p:cNvPicPr>
+          <p:nvPr/>
+        </p:nvPicPr>
+        <p:blipFill>
+          <a:blip r:embed="rId2">
+            <a:extLst>
+              <a:ext uri="{28A0092B-C50C-407E-A947-70E740481C1C}">
+                <a14:useLocalDpi xmlns:a14="http://schemas.microsoft.com/office/drawing/2010/main" val="0"/>
+              </a:ext>
+            </a:extLst>
+          </a:blip>
+          <a:srcRect/>
+          <a:stretch>
+            <a:fillRect/>
+          </a:stretch>
+        </p:blipFill>
+        <p:spPr bwMode="auto">
+          <a:xfrm>
+            <a:off x="816864" y="3100705"/>
+            <a:ext cx="10384536" cy="3532316"/>
+          </a:xfrm>
+          <a:prstGeom prst="rect">
+            <a:avLst/>
+          </a:prstGeom>
+          <a:noFill/>
+          <a:ln>
+            <a:noFill/>
+          </a:ln>
+          <a:extLst>
+            <a:ext uri="{909E8E84-426E-40DD-AFC4-6F175D3DCCD1}">
+              <a14:hiddenFill xmlns:a14="http://schemas.microsoft.com/office/drawing/2010/main">
+                <a:solidFill>
+                  <a:schemeClr val="accent1"/>
+                </a:solidFill>
+              </a14:hiddenFill>
+            </a:ext>
+            <a:ext uri="{91240B29-F687-4F45-9708-019B960494DF}">
+              <a14:hiddenLine xmlns:a14="http://schemas.microsoft.com/office/drawing/2010/main" w="9525">
+                <a:solidFill>
+                  <a:schemeClr val="tx1"/>
+                </a:solidFill>
+                <a:miter lim="800000"/>
+                <a:headEnd/>
+                <a:tailEnd/>
+              </a14:hiddenLine>
+            </a:ext>
+          </a:extLst>
+        </p:spPr>
+      </p:pic>
+    </p:spTree>
+    <p:extLst>
+      <p:ext uri="{BB962C8B-B14F-4D97-AF65-F5344CB8AC3E}">
+        <p14:creationId xmlns:p14="http://schemas.microsoft.com/office/powerpoint/2010/main" val="691303173"/>
+      </p:ext>
+    </p:extLst>
+  </p:cSld>
+  <p:clrMapOvr>
+    <a:masterClrMapping/>
+  </p:clrMapOvr>
+</p:sld>
+</file>
+
+<file path=ppt/slides/slide39.xml><?xml version="1.0" encoding="utf-8"?>
+<p:sld xmlns:a="http://schemas.openxmlformats.org/drawingml/2006/main" xmlns:r="http://schemas.openxmlformats.org/officeDocument/2006/relationships" xmlns:p="http://schemas.openxmlformats.org/presentationml/2006/main">
+  <p:cSld>
+    <p:spTree>
+      <p:nvGrpSpPr>
+        <p:cNvPr id="1" name=""/>
+        <p:cNvGrpSpPr/>
+        <p:nvPr/>
+      </p:nvGrpSpPr>
+      <p:grpSpPr>
+        <a:xfrm>
+          <a:off x="0" y="0"/>
+          <a:ext cx="0" cy="0"/>
+          <a:chOff x="0" y="0"/>
+          <a:chExt cx="0" cy="0"/>
+        </a:xfrm>
+      </p:grpSpPr>
+      <p:sp>
+        <p:nvSpPr>
+          <p:cNvPr id="2" name="Title 1"/>
+          <p:cNvSpPr>
+            <a:spLocks noGrp="1"/>
+          </p:cNvSpPr>
+          <p:nvPr>
+            <p:ph type="title"/>
+          </p:nvPr>
+        </p:nvSpPr>
+        <p:spPr/>
+        <p:txBody>
+          <a:bodyPr/>
+          <a:lstStyle/>
+          <a:p>
+            <a:r>
+              <a:rPr lang="en-IN" b="1" i="1" dirty="0" err="1" smtClean="0">
+                <a:effectLst/>
+                <a:latin typeface="Arial Black" panose="020B0A04020102020204" pitchFamily="34" charset="0"/>
+              </a:rPr>
+              <a:t>RandomForestClassifier</a:t>
+            </a:r>
+            <a:endParaRPr lang="en-IN" b="1" i="1" dirty="0">
+              <a:effectLst/>
+              <a:latin typeface="Arial Black" panose="020B0A04020102020204" pitchFamily="34" charset="0"/>
+            </a:endParaRPr>
+          </a:p>
+        </p:txBody>
+      </p:sp>
+      <p:pic>
+        <p:nvPicPr>
+          <p:cNvPr id="1027" name="Picture 3"/>
+          <p:cNvPicPr>
+            <a:picLocks noChangeAspect="1" noChangeArrowheads="1"/>
+          </p:cNvPicPr>
+          <p:nvPr/>
+        </p:nvPicPr>
+        <p:blipFill>
+          <a:blip r:embed="rId2">
+            <a:extLst>
+              <a:ext uri="{28A0092B-C50C-407E-A947-70E740481C1C}">
+                <a14:useLocalDpi xmlns:a14="http://schemas.microsoft.com/office/drawing/2010/main" val="0"/>
+              </a:ext>
+            </a:extLst>
+          </a:blip>
+          <a:srcRect/>
+          <a:stretch>
+            <a:fillRect/>
+          </a:stretch>
+        </p:blipFill>
+        <p:spPr bwMode="auto">
+          <a:xfrm>
+            <a:off x="3315843" y="1679904"/>
+            <a:ext cx="5636133" cy="5006643"/>
+          </a:xfrm>
+          <a:prstGeom prst="rect">
+            <a:avLst/>
+          </a:prstGeom>
+          <a:noFill/>
+          <a:ln>
+            <a:noFill/>
+          </a:ln>
+          <a:extLst>
+            <a:ext uri="{909E8E84-426E-40DD-AFC4-6F175D3DCCD1}">
+              <a14:hiddenFill xmlns:a14="http://schemas.microsoft.com/office/drawing/2010/main">
+                <a:solidFill>
+                  <a:schemeClr val="accent1"/>
+                </a:solidFill>
+              </a14:hiddenFill>
+            </a:ext>
+            <a:ext uri="{91240B29-F687-4F45-9708-019B960494DF}">
+              <a14:hiddenLine xmlns:a14="http://schemas.microsoft.com/office/drawing/2010/main" w="9525">
+                <a:solidFill>
+                  <a:schemeClr val="tx1"/>
+                </a:solidFill>
+                <a:miter lim="800000"/>
+                <a:headEnd/>
+                <a:tailEnd/>
+              </a14:hiddenLine>
+            </a:ext>
+          </a:extLst>
+        </p:spPr>
+      </p:pic>
+    </p:spTree>
+    <p:extLst>
+      <p:ext uri="{BB962C8B-B14F-4D97-AF65-F5344CB8AC3E}">
+        <p14:creationId xmlns:p14="http://schemas.microsoft.com/office/powerpoint/2010/main" val="1448346174"/>
       </p:ext>
     </p:extLst>
   </p:cSld>
@@ -6521,6 +7918,1021 @@
 </p:sld>
 </file>
 
+<file path=ppt/slides/slide40.xml><?xml version="1.0" encoding="utf-8"?>
+<p:sld xmlns:a="http://schemas.openxmlformats.org/drawingml/2006/main" xmlns:r="http://schemas.openxmlformats.org/officeDocument/2006/relationships" xmlns:p="http://schemas.openxmlformats.org/presentationml/2006/main">
+  <p:cSld>
+    <p:spTree>
+      <p:nvGrpSpPr>
+        <p:cNvPr id="1" name=""/>
+        <p:cNvGrpSpPr/>
+        <p:nvPr/>
+      </p:nvGrpSpPr>
+      <p:grpSpPr>
+        <a:xfrm>
+          <a:off x="0" y="0"/>
+          <a:ext cx="0" cy="0"/>
+          <a:chOff x="0" y="0"/>
+          <a:chExt cx="0" cy="0"/>
+        </a:xfrm>
+      </p:grpSpPr>
+      <p:sp>
+        <p:nvSpPr>
+          <p:cNvPr id="2" name="Title 1"/>
+          <p:cNvSpPr>
+            <a:spLocks noGrp="1"/>
+          </p:cNvSpPr>
+          <p:nvPr>
+            <p:ph type="title"/>
+          </p:nvPr>
+        </p:nvSpPr>
+        <p:spPr>
+          <a:xfrm>
+            <a:off x="646111" y="452718"/>
+            <a:ext cx="9404723" cy="995082"/>
+          </a:xfrm>
+        </p:spPr>
+        <p:txBody>
+          <a:bodyPr/>
+          <a:lstStyle/>
+          <a:p>
+            <a:r>
+              <a:rPr lang="en-IN" b="1" i="1" dirty="0" err="1" smtClean="0">
+                <a:effectLst/>
+                <a:latin typeface="Arial Black" panose="020B0A04020102020204" pitchFamily="34" charset="0"/>
+              </a:rPr>
+              <a:t>AdaBoostClassifier</a:t>
+            </a:r>
+            <a:endParaRPr lang="en-IN" b="1" i="1" dirty="0">
+              <a:effectLst/>
+              <a:latin typeface="Arial Black" panose="020B0A04020102020204" pitchFamily="34" charset="0"/>
+            </a:endParaRPr>
+          </a:p>
+        </p:txBody>
+      </p:sp>
+      <p:pic>
+        <p:nvPicPr>
+          <p:cNvPr id="2050" name="Picture 2"/>
+          <p:cNvPicPr>
+            <a:picLocks noChangeAspect="1" noChangeArrowheads="1"/>
+          </p:cNvPicPr>
+          <p:nvPr/>
+        </p:nvPicPr>
+        <p:blipFill>
+          <a:blip r:embed="rId2">
+            <a:extLst>
+              <a:ext uri="{28A0092B-C50C-407E-A947-70E740481C1C}">
+                <a14:useLocalDpi xmlns:a14="http://schemas.microsoft.com/office/drawing/2010/main" val="0"/>
+              </a:ext>
+            </a:extLst>
+          </a:blip>
+          <a:srcRect/>
+          <a:stretch>
+            <a:fillRect/>
+          </a:stretch>
+        </p:blipFill>
+        <p:spPr bwMode="auto">
+          <a:xfrm>
+            <a:off x="2443163" y="1390909"/>
+            <a:ext cx="5905309" cy="5343265"/>
+          </a:xfrm>
+          <a:prstGeom prst="rect">
+            <a:avLst/>
+          </a:prstGeom>
+          <a:noFill/>
+          <a:ln>
+            <a:noFill/>
+          </a:ln>
+          <a:extLst>
+            <a:ext uri="{909E8E84-426E-40DD-AFC4-6F175D3DCCD1}">
+              <a14:hiddenFill xmlns:a14="http://schemas.microsoft.com/office/drawing/2010/main">
+                <a:solidFill>
+                  <a:schemeClr val="accent1"/>
+                </a:solidFill>
+              </a14:hiddenFill>
+            </a:ext>
+            <a:ext uri="{91240B29-F687-4F45-9708-019B960494DF}">
+              <a14:hiddenLine xmlns:a14="http://schemas.microsoft.com/office/drawing/2010/main" w="9525">
+                <a:solidFill>
+                  <a:schemeClr val="tx1"/>
+                </a:solidFill>
+                <a:miter lim="800000"/>
+                <a:headEnd/>
+                <a:tailEnd/>
+              </a14:hiddenLine>
+            </a:ext>
+          </a:extLst>
+        </p:spPr>
+      </p:pic>
+    </p:spTree>
+    <p:extLst>
+      <p:ext uri="{BB962C8B-B14F-4D97-AF65-F5344CB8AC3E}">
+        <p14:creationId xmlns:p14="http://schemas.microsoft.com/office/powerpoint/2010/main" val="4232142555"/>
+      </p:ext>
+    </p:extLst>
+  </p:cSld>
+  <p:clrMapOvr>
+    <a:masterClrMapping/>
+  </p:clrMapOvr>
+</p:sld>
+</file>
+
+<file path=ppt/slides/slide41.xml><?xml version="1.0" encoding="utf-8"?>
+<p:sld xmlns:a="http://schemas.openxmlformats.org/drawingml/2006/main" xmlns:r="http://schemas.openxmlformats.org/officeDocument/2006/relationships" xmlns:p="http://schemas.openxmlformats.org/presentationml/2006/main">
+  <p:cSld>
+    <p:spTree>
+      <p:nvGrpSpPr>
+        <p:cNvPr id="1" name=""/>
+        <p:cNvGrpSpPr/>
+        <p:nvPr/>
+      </p:nvGrpSpPr>
+      <p:grpSpPr>
+        <a:xfrm>
+          <a:off x="0" y="0"/>
+          <a:ext cx="0" cy="0"/>
+          <a:chOff x="0" y="0"/>
+          <a:chExt cx="0" cy="0"/>
+        </a:xfrm>
+      </p:grpSpPr>
+      <p:sp>
+        <p:nvSpPr>
+          <p:cNvPr id="2" name="Title 1"/>
+          <p:cNvSpPr>
+            <a:spLocks noGrp="1"/>
+          </p:cNvSpPr>
+          <p:nvPr>
+            <p:ph type="title"/>
+          </p:nvPr>
+        </p:nvSpPr>
+        <p:spPr/>
+        <p:txBody>
+          <a:bodyPr/>
+          <a:lstStyle/>
+          <a:p>
+            <a:r>
+              <a:rPr lang="en-IN" b="1" i="1" dirty="0" err="1" smtClean="0">
+                <a:effectLst/>
+                <a:latin typeface="Arial Black" panose="020B0A04020102020204" pitchFamily="34" charset="0"/>
+              </a:rPr>
+              <a:t>GradientBoostingClassifier</a:t>
+            </a:r>
+            <a:endParaRPr lang="en-IN" b="1" i="1" dirty="0">
+              <a:effectLst/>
+              <a:latin typeface="Arial Black" panose="020B0A04020102020204" pitchFamily="34" charset="0"/>
+            </a:endParaRPr>
+          </a:p>
+        </p:txBody>
+      </p:sp>
+      <p:pic>
+        <p:nvPicPr>
+          <p:cNvPr id="3074" name="Picture 2"/>
+          <p:cNvPicPr>
+            <a:picLocks noChangeAspect="1" noChangeArrowheads="1"/>
+          </p:cNvPicPr>
+          <p:nvPr/>
+        </p:nvPicPr>
+        <p:blipFill>
+          <a:blip r:embed="rId2">
+            <a:extLst>
+              <a:ext uri="{28A0092B-C50C-407E-A947-70E740481C1C}">
+                <a14:useLocalDpi xmlns:a14="http://schemas.microsoft.com/office/drawing/2010/main" val="0"/>
+              </a:ext>
+            </a:extLst>
+          </a:blip>
+          <a:srcRect/>
+          <a:stretch>
+            <a:fillRect/>
+          </a:stretch>
+        </p:blipFill>
+        <p:spPr bwMode="auto">
+          <a:xfrm>
+            <a:off x="2731008" y="1561517"/>
+            <a:ext cx="5727192" cy="5167896"/>
+          </a:xfrm>
+          <a:prstGeom prst="rect">
+            <a:avLst/>
+          </a:prstGeom>
+          <a:noFill/>
+          <a:ln>
+            <a:noFill/>
+          </a:ln>
+          <a:extLst>
+            <a:ext uri="{909E8E84-426E-40DD-AFC4-6F175D3DCCD1}">
+              <a14:hiddenFill xmlns:a14="http://schemas.microsoft.com/office/drawing/2010/main">
+                <a:solidFill>
+                  <a:schemeClr val="accent1"/>
+                </a:solidFill>
+              </a14:hiddenFill>
+            </a:ext>
+            <a:ext uri="{91240B29-F687-4F45-9708-019B960494DF}">
+              <a14:hiddenLine xmlns:a14="http://schemas.microsoft.com/office/drawing/2010/main" w="9525">
+                <a:solidFill>
+                  <a:schemeClr val="tx1"/>
+                </a:solidFill>
+                <a:miter lim="800000"/>
+                <a:headEnd/>
+                <a:tailEnd/>
+              </a14:hiddenLine>
+            </a:ext>
+          </a:extLst>
+        </p:spPr>
+      </p:pic>
+    </p:spTree>
+    <p:extLst>
+      <p:ext uri="{BB962C8B-B14F-4D97-AF65-F5344CB8AC3E}">
+        <p14:creationId xmlns:p14="http://schemas.microsoft.com/office/powerpoint/2010/main" val="759951807"/>
+      </p:ext>
+    </p:extLst>
+  </p:cSld>
+  <p:clrMapOvr>
+    <a:masterClrMapping/>
+  </p:clrMapOvr>
+</p:sld>
+</file>
+
+<file path=ppt/slides/slide42.xml><?xml version="1.0" encoding="utf-8"?>
+<p:sld xmlns:a="http://schemas.openxmlformats.org/drawingml/2006/main" xmlns:r="http://schemas.openxmlformats.org/officeDocument/2006/relationships" xmlns:p="http://schemas.openxmlformats.org/presentationml/2006/main">
+  <p:cSld>
+    <p:spTree>
+      <p:nvGrpSpPr>
+        <p:cNvPr id="1" name=""/>
+        <p:cNvGrpSpPr/>
+        <p:nvPr/>
+      </p:nvGrpSpPr>
+      <p:grpSpPr>
+        <a:xfrm>
+          <a:off x="0" y="0"/>
+          <a:ext cx="0" cy="0"/>
+          <a:chOff x="0" y="0"/>
+          <a:chExt cx="0" cy="0"/>
+        </a:xfrm>
+      </p:grpSpPr>
+      <p:sp>
+        <p:nvSpPr>
+          <p:cNvPr id="2" name="Title 1"/>
+          <p:cNvSpPr>
+            <a:spLocks noGrp="1"/>
+          </p:cNvSpPr>
+          <p:nvPr>
+            <p:ph type="title"/>
+          </p:nvPr>
+        </p:nvSpPr>
+        <p:spPr/>
+        <p:txBody>
+          <a:bodyPr/>
+          <a:lstStyle/>
+          <a:p>
+            <a:r>
+              <a:rPr lang="en-IN" b="1" i="1" dirty="0" err="1" smtClean="0">
+                <a:effectLst/>
+                <a:latin typeface="Arial Black" panose="020B0A04020102020204" pitchFamily="34" charset="0"/>
+              </a:rPr>
+              <a:t>DecisionTreeClassifier</a:t>
+            </a:r>
+            <a:endParaRPr lang="en-IN" b="1" i="1" dirty="0">
+              <a:effectLst/>
+              <a:latin typeface="Arial Black" panose="020B0A04020102020204" pitchFamily="34" charset="0"/>
+            </a:endParaRPr>
+          </a:p>
+        </p:txBody>
+      </p:sp>
+      <p:pic>
+        <p:nvPicPr>
+          <p:cNvPr id="4098" name="Picture 2"/>
+          <p:cNvPicPr>
+            <a:picLocks noChangeAspect="1" noChangeArrowheads="1"/>
+          </p:cNvPicPr>
+          <p:nvPr/>
+        </p:nvPicPr>
+        <p:blipFill>
+          <a:blip r:embed="rId2">
+            <a:extLst>
+              <a:ext uri="{28A0092B-C50C-407E-A947-70E740481C1C}">
+                <a14:useLocalDpi xmlns:a14="http://schemas.microsoft.com/office/drawing/2010/main" val="0"/>
+              </a:ext>
+            </a:extLst>
+          </a:blip>
+          <a:srcRect/>
+          <a:stretch>
+            <a:fillRect/>
+          </a:stretch>
+        </p:blipFill>
+        <p:spPr bwMode="auto">
+          <a:xfrm>
+            <a:off x="2950464" y="1473580"/>
+            <a:ext cx="5827776" cy="5251069"/>
+          </a:xfrm>
+          <a:prstGeom prst="rect">
+            <a:avLst/>
+          </a:prstGeom>
+          <a:noFill/>
+          <a:ln>
+            <a:noFill/>
+          </a:ln>
+          <a:extLst>
+            <a:ext uri="{909E8E84-426E-40DD-AFC4-6F175D3DCCD1}">
+              <a14:hiddenFill xmlns:a14="http://schemas.microsoft.com/office/drawing/2010/main">
+                <a:solidFill>
+                  <a:schemeClr val="accent1"/>
+                </a:solidFill>
+              </a14:hiddenFill>
+            </a:ext>
+            <a:ext uri="{91240B29-F687-4F45-9708-019B960494DF}">
+              <a14:hiddenLine xmlns:a14="http://schemas.microsoft.com/office/drawing/2010/main" w="9525">
+                <a:solidFill>
+                  <a:schemeClr val="tx1"/>
+                </a:solidFill>
+                <a:miter lim="800000"/>
+                <a:headEnd/>
+                <a:tailEnd/>
+              </a14:hiddenLine>
+            </a:ext>
+          </a:extLst>
+        </p:spPr>
+      </p:pic>
+    </p:spTree>
+    <p:extLst>
+      <p:ext uri="{BB962C8B-B14F-4D97-AF65-F5344CB8AC3E}">
+        <p14:creationId xmlns:p14="http://schemas.microsoft.com/office/powerpoint/2010/main" val="1654700424"/>
+      </p:ext>
+    </p:extLst>
+  </p:cSld>
+  <p:clrMapOvr>
+    <a:masterClrMapping/>
+  </p:clrMapOvr>
+</p:sld>
+</file>
+
+<file path=ppt/slides/slide43.xml><?xml version="1.0" encoding="utf-8"?>
+<p:sld xmlns:a="http://schemas.openxmlformats.org/drawingml/2006/main" xmlns:r="http://schemas.openxmlformats.org/officeDocument/2006/relationships" xmlns:p="http://schemas.openxmlformats.org/presentationml/2006/main">
+  <p:cSld>
+    <p:spTree>
+      <p:nvGrpSpPr>
+        <p:cNvPr id="1" name=""/>
+        <p:cNvGrpSpPr/>
+        <p:nvPr/>
+      </p:nvGrpSpPr>
+      <p:grpSpPr>
+        <a:xfrm>
+          <a:off x="0" y="0"/>
+          <a:ext cx="0" cy="0"/>
+          <a:chOff x="0" y="0"/>
+          <a:chExt cx="0" cy="0"/>
+        </a:xfrm>
+      </p:grpSpPr>
+      <p:sp>
+        <p:nvSpPr>
+          <p:cNvPr id="2" name="Title 1"/>
+          <p:cNvSpPr>
+            <a:spLocks noGrp="1"/>
+          </p:cNvSpPr>
+          <p:nvPr>
+            <p:ph type="title"/>
+          </p:nvPr>
+        </p:nvSpPr>
+        <p:spPr/>
+        <p:txBody>
+          <a:bodyPr/>
+          <a:lstStyle/>
+          <a:p>
+            <a:r>
+              <a:rPr lang="en-IN" b="1" i="1" dirty="0" err="1" smtClean="0">
+                <a:effectLst/>
+                <a:latin typeface="Arial Black" panose="020B0A04020102020204" pitchFamily="34" charset="0"/>
+              </a:rPr>
+              <a:t>DecisionTreeClassifier</a:t>
+            </a:r>
+            <a:endParaRPr lang="en-IN" b="1" i="1" dirty="0">
+              <a:effectLst/>
+              <a:latin typeface="Arial Black" panose="020B0A04020102020204" pitchFamily="34" charset="0"/>
+            </a:endParaRPr>
+          </a:p>
+        </p:txBody>
+      </p:sp>
+      <p:pic>
+        <p:nvPicPr>
+          <p:cNvPr id="4098" name="Picture 2"/>
+          <p:cNvPicPr>
+            <a:picLocks noChangeAspect="1" noChangeArrowheads="1"/>
+          </p:cNvPicPr>
+          <p:nvPr/>
+        </p:nvPicPr>
+        <p:blipFill>
+          <a:blip r:embed="rId2">
+            <a:extLst>
+              <a:ext uri="{28A0092B-C50C-407E-A947-70E740481C1C}">
+                <a14:useLocalDpi xmlns:a14="http://schemas.microsoft.com/office/drawing/2010/main" val="0"/>
+              </a:ext>
+            </a:extLst>
+          </a:blip>
+          <a:srcRect/>
+          <a:stretch>
+            <a:fillRect/>
+          </a:stretch>
+        </p:blipFill>
+        <p:spPr bwMode="auto">
+          <a:xfrm>
+            <a:off x="2950464" y="1473580"/>
+            <a:ext cx="5827776" cy="5251069"/>
+          </a:xfrm>
+          <a:prstGeom prst="rect">
+            <a:avLst/>
+          </a:prstGeom>
+          <a:noFill/>
+          <a:ln>
+            <a:noFill/>
+          </a:ln>
+          <a:extLst>
+            <a:ext uri="{909E8E84-426E-40DD-AFC4-6F175D3DCCD1}">
+              <a14:hiddenFill xmlns:a14="http://schemas.microsoft.com/office/drawing/2010/main">
+                <a:solidFill>
+                  <a:schemeClr val="accent1"/>
+                </a:solidFill>
+              </a14:hiddenFill>
+            </a:ext>
+            <a:ext uri="{91240B29-F687-4F45-9708-019B960494DF}">
+              <a14:hiddenLine xmlns:a14="http://schemas.microsoft.com/office/drawing/2010/main" w="9525">
+                <a:solidFill>
+                  <a:schemeClr val="tx1"/>
+                </a:solidFill>
+                <a:miter lim="800000"/>
+                <a:headEnd/>
+                <a:tailEnd/>
+              </a14:hiddenLine>
+            </a:ext>
+          </a:extLst>
+        </p:spPr>
+      </p:pic>
+    </p:spTree>
+    <p:extLst>
+      <p:ext uri="{BB962C8B-B14F-4D97-AF65-F5344CB8AC3E}">
+        <p14:creationId xmlns:p14="http://schemas.microsoft.com/office/powerpoint/2010/main" val="2082253823"/>
+      </p:ext>
+    </p:extLst>
+  </p:cSld>
+  <p:clrMapOvr>
+    <a:masterClrMapping/>
+  </p:clrMapOvr>
+</p:sld>
+</file>
+
+<file path=ppt/slides/slide44.xml><?xml version="1.0" encoding="utf-8"?>
+<p:sld xmlns:a="http://schemas.openxmlformats.org/drawingml/2006/main" xmlns:r="http://schemas.openxmlformats.org/officeDocument/2006/relationships" xmlns:p="http://schemas.openxmlformats.org/presentationml/2006/main">
+  <p:cSld>
+    <p:spTree>
+      <p:nvGrpSpPr>
+        <p:cNvPr id="1" name=""/>
+        <p:cNvGrpSpPr/>
+        <p:nvPr/>
+      </p:nvGrpSpPr>
+      <p:grpSpPr>
+        <a:xfrm>
+          <a:off x="0" y="0"/>
+          <a:ext cx="0" cy="0"/>
+          <a:chOff x="0" y="0"/>
+          <a:chExt cx="0" cy="0"/>
+        </a:xfrm>
+      </p:grpSpPr>
+      <p:pic>
+        <p:nvPicPr>
+          <p:cNvPr id="24578" name="Picture 2"/>
+          <p:cNvPicPr>
+            <a:picLocks noChangeAspect="1" noChangeArrowheads="1"/>
+          </p:cNvPicPr>
+          <p:nvPr/>
+        </p:nvPicPr>
+        <p:blipFill>
+          <a:blip r:embed="rId2">
+            <a:extLst>
+              <a:ext uri="{28A0092B-C50C-407E-A947-70E740481C1C}">
+                <a14:useLocalDpi xmlns:a14="http://schemas.microsoft.com/office/drawing/2010/main" val="0"/>
+              </a:ext>
+            </a:extLst>
+          </a:blip>
+          <a:srcRect/>
+          <a:stretch>
+            <a:fillRect/>
+          </a:stretch>
+        </p:blipFill>
+        <p:spPr bwMode="auto">
+          <a:xfrm>
+            <a:off x="515620" y="577722"/>
+            <a:ext cx="10448036" cy="5146573"/>
+          </a:xfrm>
+          <a:prstGeom prst="rect">
+            <a:avLst/>
+          </a:prstGeom>
+          <a:noFill/>
+          <a:ln>
+            <a:noFill/>
+          </a:ln>
+          <a:extLst>
+            <a:ext uri="{909E8E84-426E-40DD-AFC4-6F175D3DCCD1}">
+              <a14:hiddenFill xmlns:a14="http://schemas.microsoft.com/office/drawing/2010/main">
+                <a:solidFill>
+                  <a:schemeClr val="accent1"/>
+                </a:solidFill>
+              </a14:hiddenFill>
+            </a:ext>
+            <a:ext uri="{91240B29-F687-4F45-9708-019B960494DF}">
+              <a14:hiddenLine xmlns:a14="http://schemas.microsoft.com/office/drawing/2010/main" w="9525">
+                <a:solidFill>
+                  <a:schemeClr val="tx1"/>
+                </a:solidFill>
+                <a:miter lim="800000"/>
+                <a:headEnd/>
+                <a:tailEnd/>
+              </a14:hiddenLine>
+            </a:ext>
+          </a:extLst>
+        </p:spPr>
+      </p:pic>
+    </p:spTree>
+    <p:extLst>
+      <p:ext uri="{BB962C8B-B14F-4D97-AF65-F5344CB8AC3E}">
+        <p14:creationId xmlns:p14="http://schemas.microsoft.com/office/powerpoint/2010/main" val="1937663503"/>
+      </p:ext>
+    </p:extLst>
+  </p:cSld>
+  <p:clrMapOvr>
+    <a:masterClrMapping/>
+  </p:clrMapOvr>
+</p:sld>
+</file>
+
+<file path=ppt/slides/slide45.xml><?xml version="1.0" encoding="utf-8"?>
+<p:sld xmlns:a="http://schemas.openxmlformats.org/drawingml/2006/main" xmlns:r="http://schemas.openxmlformats.org/officeDocument/2006/relationships" xmlns:p="http://schemas.openxmlformats.org/presentationml/2006/main">
+  <p:cSld>
+    <p:spTree>
+      <p:nvGrpSpPr>
+        <p:cNvPr id="1" name=""/>
+        <p:cNvGrpSpPr/>
+        <p:nvPr/>
+      </p:nvGrpSpPr>
+      <p:grpSpPr>
+        <a:xfrm>
+          <a:off x="0" y="0"/>
+          <a:ext cx="0" cy="0"/>
+          <a:chOff x="0" y="0"/>
+          <a:chExt cx="0" cy="0"/>
+        </a:xfrm>
+      </p:grpSpPr>
+      <p:pic>
+        <p:nvPicPr>
+          <p:cNvPr id="25602" name="Picture 2"/>
+          <p:cNvPicPr>
+            <a:picLocks noChangeAspect="1" noChangeArrowheads="1"/>
+          </p:cNvPicPr>
+          <p:nvPr/>
+        </p:nvPicPr>
+        <p:blipFill>
+          <a:blip r:embed="rId2">
+            <a:extLst>
+              <a:ext uri="{28A0092B-C50C-407E-A947-70E740481C1C}">
+                <a14:useLocalDpi xmlns:a14="http://schemas.microsoft.com/office/drawing/2010/main" val="0"/>
+              </a:ext>
+            </a:extLst>
+          </a:blip>
+          <a:srcRect/>
+          <a:stretch>
+            <a:fillRect/>
+          </a:stretch>
+        </p:blipFill>
+        <p:spPr bwMode="auto">
+          <a:xfrm>
+            <a:off x="785813" y="657225"/>
+            <a:ext cx="10620375" cy="5543550"/>
+          </a:xfrm>
+          <a:prstGeom prst="rect">
+            <a:avLst/>
+          </a:prstGeom>
+          <a:noFill/>
+          <a:ln>
+            <a:noFill/>
+          </a:ln>
+          <a:extLst>
+            <a:ext uri="{909E8E84-426E-40DD-AFC4-6F175D3DCCD1}">
+              <a14:hiddenFill xmlns:a14="http://schemas.microsoft.com/office/drawing/2010/main">
+                <a:solidFill>
+                  <a:schemeClr val="accent1"/>
+                </a:solidFill>
+              </a14:hiddenFill>
+            </a:ext>
+            <a:ext uri="{91240B29-F687-4F45-9708-019B960494DF}">
+              <a14:hiddenLine xmlns:a14="http://schemas.microsoft.com/office/drawing/2010/main" w="9525">
+                <a:solidFill>
+                  <a:schemeClr val="tx1"/>
+                </a:solidFill>
+                <a:miter lim="800000"/>
+                <a:headEnd/>
+                <a:tailEnd/>
+              </a14:hiddenLine>
+            </a:ext>
+          </a:extLst>
+        </p:spPr>
+      </p:pic>
+    </p:spTree>
+    <p:extLst>
+      <p:ext uri="{BB962C8B-B14F-4D97-AF65-F5344CB8AC3E}">
+        <p14:creationId xmlns:p14="http://schemas.microsoft.com/office/powerpoint/2010/main" val="3483309500"/>
+      </p:ext>
+    </p:extLst>
+  </p:cSld>
+  <p:clrMapOvr>
+    <a:masterClrMapping/>
+  </p:clrMapOvr>
+</p:sld>
+</file>
+
+<file path=ppt/slides/slide46.xml><?xml version="1.0" encoding="utf-8"?>
+<p:sld xmlns:a="http://schemas.openxmlformats.org/drawingml/2006/main" xmlns:r="http://schemas.openxmlformats.org/officeDocument/2006/relationships" xmlns:p="http://schemas.openxmlformats.org/presentationml/2006/main">
+  <p:cSld>
+    <p:spTree>
+      <p:nvGrpSpPr>
+        <p:cNvPr id="1" name=""/>
+        <p:cNvGrpSpPr/>
+        <p:nvPr/>
+      </p:nvGrpSpPr>
+      <p:grpSpPr>
+        <a:xfrm>
+          <a:off x="0" y="0"/>
+          <a:ext cx="0" cy="0"/>
+          <a:chOff x="0" y="0"/>
+          <a:chExt cx="0" cy="0"/>
+        </a:xfrm>
+      </p:grpSpPr>
+      <p:pic>
+        <p:nvPicPr>
+          <p:cNvPr id="26626" name="Picture 2"/>
+          <p:cNvPicPr>
+            <a:picLocks noChangeAspect="1" noChangeArrowheads="1"/>
+          </p:cNvPicPr>
+          <p:nvPr/>
+        </p:nvPicPr>
+        <p:blipFill>
+          <a:blip r:embed="rId2">
+            <a:extLst>
+              <a:ext uri="{28A0092B-C50C-407E-A947-70E740481C1C}">
+                <a14:useLocalDpi xmlns:a14="http://schemas.microsoft.com/office/drawing/2010/main" val="0"/>
+              </a:ext>
+            </a:extLst>
+          </a:blip>
+          <a:srcRect/>
+          <a:stretch>
+            <a:fillRect/>
+          </a:stretch>
+        </p:blipFill>
+        <p:spPr bwMode="auto">
+          <a:xfrm>
+            <a:off x="700658" y="604011"/>
+            <a:ext cx="10500741" cy="5399919"/>
+          </a:xfrm>
+          <a:prstGeom prst="rect">
+            <a:avLst/>
+          </a:prstGeom>
+          <a:noFill/>
+          <a:ln>
+            <a:noFill/>
+          </a:ln>
+          <a:extLst>
+            <a:ext uri="{909E8E84-426E-40DD-AFC4-6F175D3DCCD1}">
+              <a14:hiddenFill xmlns:a14="http://schemas.microsoft.com/office/drawing/2010/main">
+                <a:solidFill>
+                  <a:schemeClr val="accent1"/>
+                </a:solidFill>
+              </a14:hiddenFill>
+            </a:ext>
+            <a:ext uri="{91240B29-F687-4F45-9708-019B960494DF}">
+              <a14:hiddenLine xmlns:a14="http://schemas.microsoft.com/office/drawing/2010/main" w="9525">
+                <a:solidFill>
+                  <a:schemeClr val="tx1"/>
+                </a:solidFill>
+                <a:miter lim="800000"/>
+                <a:headEnd/>
+                <a:tailEnd/>
+              </a14:hiddenLine>
+            </a:ext>
+          </a:extLst>
+        </p:spPr>
+      </p:pic>
+    </p:spTree>
+    <p:extLst>
+      <p:ext uri="{BB962C8B-B14F-4D97-AF65-F5344CB8AC3E}">
+        <p14:creationId xmlns:p14="http://schemas.microsoft.com/office/powerpoint/2010/main" val="3485967119"/>
+      </p:ext>
+    </p:extLst>
+  </p:cSld>
+  <p:clrMapOvr>
+    <a:masterClrMapping/>
+  </p:clrMapOvr>
+</p:sld>
+</file>
+
+<file path=ppt/slides/slide47.xml><?xml version="1.0" encoding="utf-8"?>
+<p:sld xmlns:a="http://schemas.openxmlformats.org/drawingml/2006/main" xmlns:r="http://schemas.openxmlformats.org/officeDocument/2006/relationships" xmlns:p="http://schemas.openxmlformats.org/presentationml/2006/main">
+  <p:cSld>
+    <p:spTree>
+      <p:nvGrpSpPr>
+        <p:cNvPr id="1" name=""/>
+        <p:cNvGrpSpPr/>
+        <p:nvPr/>
+      </p:nvGrpSpPr>
+      <p:grpSpPr>
+        <a:xfrm>
+          <a:off x="0" y="0"/>
+          <a:ext cx="0" cy="0"/>
+          <a:chOff x="0" y="0"/>
+          <a:chExt cx="0" cy="0"/>
+        </a:xfrm>
+      </p:grpSpPr>
+      <p:pic>
+        <p:nvPicPr>
+          <p:cNvPr id="26627" name="Picture 3"/>
+          <p:cNvPicPr>
+            <a:picLocks noChangeAspect="1" noChangeArrowheads="1"/>
+          </p:cNvPicPr>
+          <p:nvPr/>
+        </p:nvPicPr>
+        <p:blipFill>
+          <a:blip r:embed="rId2">
+            <a:extLst>
+              <a:ext uri="{28A0092B-C50C-407E-A947-70E740481C1C}">
+                <a14:useLocalDpi xmlns:a14="http://schemas.microsoft.com/office/drawing/2010/main" val="0"/>
+              </a:ext>
+            </a:extLst>
+          </a:blip>
+          <a:srcRect/>
+          <a:stretch>
+            <a:fillRect/>
+          </a:stretch>
+        </p:blipFill>
+        <p:spPr bwMode="auto">
+          <a:xfrm>
+            <a:off x="250444" y="432308"/>
+            <a:ext cx="11657136" cy="5310124"/>
+          </a:xfrm>
+          <a:prstGeom prst="rect">
+            <a:avLst/>
+          </a:prstGeom>
+          <a:noFill/>
+          <a:ln>
+            <a:noFill/>
+          </a:ln>
+          <a:extLst>
+            <a:ext uri="{909E8E84-426E-40DD-AFC4-6F175D3DCCD1}">
+              <a14:hiddenFill xmlns:a14="http://schemas.microsoft.com/office/drawing/2010/main">
+                <a:solidFill>
+                  <a:schemeClr val="accent1"/>
+                </a:solidFill>
+              </a14:hiddenFill>
+            </a:ext>
+            <a:ext uri="{91240B29-F687-4F45-9708-019B960494DF}">
+              <a14:hiddenLine xmlns:a14="http://schemas.microsoft.com/office/drawing/2010/main" w="9525">
+                <a:solidFill>
+                  <a:schemeClr val="tx1"/>
+                </a:solidFill>
+                <a:miter lim="800000"/>
+                <a:headEnd/>
+                <a:tailEnd/>
+              </a14:hiddenLine>
+            </a:ext>
+          </a:extLst>
+        </p:spPr>
+      </p:pic>
+    </p:spTree>
+    <p:extLst>
+      <p:ext uri="{BB962C8B-B14F-4D97-AF65-F5344CB8AC3E}">
+        <p14:creationId xmlns:p14="http://schemas.microsoft.com/office/powerpoint/2010/main" val="1305569106"/>
+      </p:ext>
+    </p:extLst>
+  </p:cSld>
+  <p:clrMapOvr>
+    <a:masterClrMapping/>
+  </p:clrMapOvr>
+</p:sld>
+</file>
+
+<file path=ppt/slides/slide48.xml><?xml version="1.0" encoding="utf-8"?>
+<p:sld xmlns:a="http://schemas.openxmlformats.org/drawingml/2006/main" xmlns:r="http://schemas.openxmlformats.org/officeDocument/2006/relationships" xmlns:p="http://schemas.openxmlformats.org/presentationml/2006/main">
+  <p:cSld>
+    <p:spTree>
+      <p:nvGrpSpPr>
+        <p:cNvPr id="1" name=""/>
+        <p:cNvGrpSpPr/>
+        <p:nvPr/>
+      </p:nvGrpSpPr>
+      <p:grpSpPr>
+        <a:xfrm>
+          <a:off x="0" y="0"/>
+          <a:ext cx="0" cy="0"/>
+          <a:chOff x="0" y="0"/>
+          <a:chExt cx="0" cy="0"/>
+        </a:xfrm>
+      </p:grpSpPr>
+      <p:pic>
+        <p:nvPicPr>
+          <p:cNvPr id="27650" name="Picture 2"/>
+          <p:cNvPicPr>
+            <a:picLocks noChangeAspect="1" noChangeArrowheads="1"/>
+          </p:cNvPicPr>
+          <p:nvPr/>
+        </p:nvPicPr>
+        <p:blipFill>
+          <a:blip r:embed="rId2">
+            <a:extLst>
+              <a:ext uri="{28A0092B-C50C-407E-A947-70E740481C1C}">
+                <a14:useLocalDpi xmlns:a14="http://schemas.microsoft.com/office/drawing/2010/main" val="0"/>
+              </a:ext>
+            </a:extLst>
+          </a:blip>
+          <a:srcRect/>
+          <a:stretch>
+            <a:fillRect/>
+          </a:stretch>
+        </p:blipFill>
+        <p:spPr bwMode="auto">
+          <a:xfrm>
+            <a:off x="316737" y="416560"/>
+            <a:ext cx="11319019" cy="5435600"/>
+          </a:xfrm>
+          <a:prstGeom prst="rect">
+            <a:avLst/>
+          </a:prstGeom>
+          <a:noFill/>
+          <a:ln>
+            <a:noFill/>
+          </a:ln>
+          <a:extLst>
+            <a:ext uri="{909E8E84-426E-40DD-AFC4-6F175D3DCCD1}">
+              <a14:hiddenFill xmlns:a14="http://schemas.microsoft.com/office/drawing/2010/main">
+                <a:solidFill>
+                  <a:schemeClr val="accent1"/>
+                </a:solidFill>
+              </a14:hiddenFill>
+            </a:ext>
+            <a:ext uri="{91240B29-F687-4F45-9708-019B960494DF}">
+              <a14:hiddenLine xmlns:a14="http://schemas.microsoft.com/office/drawing/2010/main" w="9525">
+                <a:solidFill>
+                  <a:schemeClr val="tx1"/>
+                </a:solidFill>
+                <a:miter lim="800000"/>
+                <a:headEnd/>
+                <a:tailEnd/>
+              </a14:hiddenLine>
+            </a:ext>
+          </a:extLst>
+        </p:spPr>
+      </p:pic>
+    </p:spTree>
+    <p:extLst>
+      <p:ext uri="{BB962C8B-B14F-4D97-AF65-F5344CB8AC3E}">
+        <p14:creationId xmlns:p14="http://schemas.microsoft.com/office/powerpoint/2010/main" val="606318812"/>
+      </p:ext>
+    </p:extLst>
+  </p:cSld>
+  <p:clrMapOvr>
+    <a:masterClrMapping/>
+  </p:clrMapOvr>
+</p:sld>
+</file>
+
+<file path=ppt/slides/slide49.xml><?xml version="1.0" encoding="utf-8"?>
+<p:sld xmlns:a="http://schemas.openxmlformats.org/drawingml/2006/main" xmlns:r="http://schemas.openxmlformats.org/officeDocument/2006/relationships" xmlns:p="http://schemas.openxmlformats.org/presentationml/2006/main">
+  <p:cSld>
+    <p:spTree>
+      <p:nvGrpSpPr>
+        <p:cNvPr id="1" name=""/>
+        <p:cNvGrpSpPr/>
+        <p:nvPr/>
+      </p:nvGrpSpPr>
+      <p:grpSpPr>
+        <a:xfrm>
+          <a:off x="0" y="0"/>
+          <a:ext cx="0" cy="0"/>
+          <a:chOff x="0" y="0"/>
+          <a:chExt cx="0" cy="0"/>
+        </a:xfrm>
+      </p:grpSpPr>
+      <p:pic>
+        <p:nvPicPr>
+          <p:cNvPr id="28674" name="Picture 2"/>
+          <p:cNvPicPr>
+            <a:picLocks noChangeAspect="1" noChangeArrowheads="1"/>
+          </p:cNvPicPr>
+          <p:nvPr/>
+        </p:nvPicPr>
+        <p:blipFill>
+          <a:blip r:embed="rId2">
+            <a:extLst>
+              <a:ext uri="{28A0092B-C50C-407E-A947-70E740481C1C}">
+                <a14:useLocalDpi xmlns:a14="http://schemas.microsoft.com/office/drawing/2010/main" val="0"/>
+              </a:ext>
+            </a:extLst>
+          </a:blip>
+          <a:srcRect/>
+          <a:stretch>
+            <a:fillRect/>
+          </a:stretch>
+        </p:blipFill>
+        <p:spPr bwMode="auto">
+          <a:xfrm>
+            <a:off x="497586" y="1276350"/>
+            <a:ext cx="6415278" cy="4305300"/>
+          </a:xfrm>
+          <a:prstGeom prst="rect">
+            <a:avLst/>
+          </a:prstGeom>
+          <a:noFill/>
+          <a:ln>
+            <a:noFill/>
+          </a:ln>
+          <a:extLst>
+            <a:ext uri="{909E8E84-426E-40DD-AFC4-6F175D3DCCD1}">
+              <a14:hiddenFill xmlns:a14="http://schemas.microsoft.com/office/drawing/2010/main">
+                <a:solidFill>
+                  <a:schemeClr val="accent1"/>
+                </a:solidFill>
+              </a14:hiddenFill>
+            </a:ext>
+            <a:ext uri="{91240B29-F687-4F45-9708-019B960494DF}">
+              <a14:hiddenLine xmlns:a14="http://schemas.microsoft.com/office/drawing/2010/main" w="9525">
+                <a:solidFill>
+                  <a:schemeClr val="tx1"/>
+                </a:solidFill>
+                <a:miter lim="800000"/>
+                <a:headEnd/>
+                <a:tailEnd/>
+              </a14:hiddenLine>
+            </a:ext>
+          </a:extLst>
+        </p:spPr>
+      </p:pic>
+      <p:pic>
+        <p:nvPicPr>
+          <p:cNvPr id="28675" name="Picture 3"/>
+          <p:cNvPicPr>
+            <a:picLocks noChangeAspect="1" noChangeArrowheads="1"/>
+          </p:cNvPicPr>
+          <p:nvPr/>
+        </p:nvPicPr>
+        <p:blipFill>
+          <a:blip r:embed="rId3">
+            <a:extLst>
+              <a:ext uri="{28A0092B-C50C-407E-A947-70E740481C1C}">
+                <a14:useLocalDpi xmlns:a14="http://schemas.microsoft.com/office/drawing/2010/main" val="0"/>
+              </a:ext>
+            </a:extLst>
+          </a:blip>
+          <a:srcRect/>
+          <a:stretch>
+            <a:fillRect/>
+          </a:stretch>
+        </p:blipFill>
+        <p:spPr bwMode="auto">
+          <a:xfrm>
+            <a:off x="6528817" y="1276350"/>
+            <a:ext cx="5352668" cy="4400550"/>
+          </a:xfrm>
+          <a:prstGeom prst="rect">
+            <a:avLst/>
+          </a:prstGeom>
+          <a:noFill/>
+          <a:ln>
+            <a:noFill/>
+          </a:ln>
+          <a:extLst>
+            <a:ext uri="{909E8E84-426E-40DD-AFC4-6F175D3DCCD1}">
+              <a14:hiddenFill xmlns:a14="http://schemas.microsoft.com/office/drawing/2010/main">
+                <a:solidFill>
+                  <a:schemeClr val="accent1"/>
+                </a:solidFill>
+              </a14:hiddenFill>
+            </a:ext>
+            <a:ext uri="{91240B29-F687-4F45-9708-019B960494DF}">
+              <a14:hiddenLine xmlns:a14="http://schemas.microsoft.com/office/drawing/2010/main" w="9525">
+                <a:solidFill>
+                  <a:schemeClr val="tx1"/>
+                </a:solidFill>
+                <a:miter lim="800000"/>
+                <a:headEnd/>
+                <a:tailEnd/>
+              </a14:hiddenLine>
+            </a:ext>
+          </a:extLst>
+        </p:spPr>
+      </p:pic>
+    </p:spTree>
+    <p:extLst>
+      <p:ext uri="{BB962C8B-B14F-4D97-AF65-F5344CB8AC3E}">
+        <p14:creationId xmlns:p14="http://schemas.microsoft.com/office/powerpoint/2010/main" val="456681104"/>
+      </p:ext>
+    </p:extLst>
+  </p:cSld>
+  <p:clrMapOvr>
+    <a:masterClrMapping/>
+  </p:clrMapOvr>
+</p:sld>
+</file>
+
 <file path=ppt/slides/slide5.xml><?xml version="1.0" encoding="utf-8"?>
 <p:sld xmlns:a="http://schemas.openxmlformats.org/drawingml/2006/main" xmlns:r="http://schemas.openxmlformats.org/officeDocument/2006/relationships" xmlns:p="http://schemas.openxmlformats.org/presentationml/2006/main">
   <p:cSld>
@@ -7460,6 +9872,1070 @@
     <p:extLst>
       <p:ext uri="{BB962C8B-B14F-4D97-AF65-F5344CB8AC3E}">
         <p14:creationId xmlns:p14="http://schemas.microsoft.com/office/powerpoint/2010/main" val="3286428578"/>
+      </p:ext>
+    </p:extLst>
+  </p:cSld>
+  <p:clrMapOvr>
+    <a:masterClrMapping/>
+  </p:clrMapOvr>
+</p:sld>
+</file>
+
+<file path=ppt/slides/slide50.xml><?xml version="1.0" encoding="utf-8"?>
+<p:sld xmlns:a="http://schemas.openxmlformats.org/drawingml/2006/main" xmlns:r="http://schemas.openxmlformats.org/officeDocument/2006/relationships" xmlns:p="http://schemas.openxmlformats.org/presentationml/2006/main">
+  <p:cSld>
+    <p:spTree>
+      <p:nvGrpSpPr>
+        <p:cNvPr id="1" name=""/>
+        <p:cNvGrpSpPr/>
+        <p:nvPr/>
+      </p:nvGrpSpPr>
+      <p:grpSpPr>
+        <a:xfrm>
+          <a:off x="0" y="0"/>
+          <a:ext cx="0" cy="0"/>
+          <a:chOff x="0" y="0"/>
+          <a:chExt cx="0" cy="0"/>
+        </a:xfrm>
+      </p:grpSpPr>
+      <p:pic>
+        <p:nvPicPr>
+          <p:cNvPr id="29698" name="Picture 2"/>
+          <p:cNvPicPr>
+            <a:picLocks noChangeAspect="1" noChangeArrowheads="1"/>
+          </p:cNvPicPr>
+          <p:nvPr/>
+        </p:nvPicPr>
+        <p:blipFill>
+          <a:blip r:embed="rId2">
+            <a:extLst>
+              <a:ext uri="{28A0092B-C50C-407E-A947-70E740481C1C}">
+                <a14:useLocalDpi xmlns:a14="http://schemas.microsoft.com/office/drawing/2010/main" val="0"/>
+              </a:ext>
+            </a:extLst>
+          </a:blip>
+          <a:srcRect/>
+          <a:stretch>
+            <a:fillRect/>
+          </a:stretch>
+        </p:blipFill>
+        <p:spPr bwMode="auto">
+          <a:xfrm>
+            <a:off x="2229992" y="388111"/>
+            <a:ext cx="7206615" cy="6247431"/>
+          </a:xfrm>
+          <a:prstGeom prst="rect">
+            <a:avLst/>
+          </a:prstGeom>
+          <a:noFill/>
+          <a:ln>
+            <a:noFill/>
+          </a:ln>
+          <a:extLst>
+            <a:ext uri="{909E8E84-426E-40DD-AFC4-6F175D3DCCD1}">
+              <a14:hiddenFill xmlns:a14="http://schemas.microsoft.com/office/drawing/2010/main">
+                <a:solidFill>
+                  <a:schemeClr val="accent1"/>
+                </a:solidFill>
+              </a14:hiddenFill>
+            </a:ext>
+            <a:ext uri="{91240B29-F687-4F45-9708-019B960494DF}">
+              <a14:hiddenLine xmlns:a14="http://schemas.microsoft.com/office/drawing/2010/main" w="9525">
+                <a:solidFill>
+                  <a:schemeClr val="tx1"/>
+                </a:solidFill>
+                <a:miter lim="800000"/>
+                <a:headEnd/>
+                <a:tailEnd/>
+              </a14:hiddenLine>
+            </a:ext>
+          </a:extLst>
+        </p:spPr>
+      </p:pic>
+    </p:spTree>
+    <p:extLst>
+      <p:ext uri="{BB962C8B-B14F-4D97-AF65-F5344CB8AC3E}">
+        <p14:creationId xmlns:p14="http://schemas.microsoft.com/office/powerpoint/2010/main" val="1666486690"/>
+      </p:ext>
+    </p:extLst>
+  </p:cSld>
+  <p:clrMapOvr>
+    <a:masterClrMapping/>
+  </p:clrMapOvr>
+</p:sld>
+</file>
+
+<file path=ppt/slides/slide51.xml><?xml version="1.0" encoding="utf-8"?>
+<p:sld xmlns:a="http://schemas.openxmlformats.org/drawingml/2006/main" xmlns:r="http://schemas.openxmlformats.org/officeDocument/2006/relationships" xmlns:p="http://schemas.openxmlformats.org/presentationml/2006/main">
+  <p:cSld>
+    <p:spTree>
+      <p:nvGrpSpPr>
+        <p:cNvPr id="1" name=""/>
+        <p:cNvGrpSpPr/>
+        <p:nvPr/>
+      </p:nvGrpSpPr>
+      <p:grpSpPr>
+        <a:xfrm>
+          <a:off x="0" y="0"/>
+          <a:ext cx="0" cy="0"/>
+          <a:chOff x="0" y="0"/>
+          <a:chExt cx="0" cy="0"/>
+        </a:xfrm>
+      </p:grpSpPr>
+      <p:pic>
+        <p:nvPicPr>
+          <p:cNvPr id="30722" name="Picture 2"/>
+          <p:cNvPicPr>
+            <a:picLocks noChangeAspect="1" noChangeArrowheads="1"/>
+          </p:cNvPicPr>
+          <p:nvPr/>
+        </p:nvPicPr>
+        <p:blipFill>
+          <a:blip r:embed="rId2">
+            <a:extLst>
+              <a:ext uri="{28A0092B-C50C-407E-A947-70E740481C1C}">
+                <a14:useLocalDpi xmlns:a14="http://schemas.microsoft.com/office/drawing/2010/main" val="0"/>
+              </a:ext>
+            </a:extLst>
+          </a:blip>
+          <a:srcRect/>
+          <a:stretch>
+            <a:fillRect/>
+          </a:stretch>
+        </p:blipFill>
+        <p:spPr bwMode="auto">
+          <a:xfrm>
+            <a:off x="3242691" y="350710"/>
+            <a:ext cx="5505450" cy="6010275"/>
+          </a:xfrm>
+          <a:prstGeom prst="rect">
+            <a:avLst/>
+          </a:prstGeom>
+          <a:noFill/>
+          <a:ln>
+            <a:noFill/>
+          </a:ln>
+          <a:extLst>
+            <a:ext uri="{909E8E84-426E-40DD-AFC4-6F175D3DCCD1}">
+              <a14:hiddenFill xmlns:a14="http://schemas.microsoft.com/office/drawing/2010/main">
+                <a:solidFill>
+                  <a:schemeClr val="accent1"/>
+                </a:solidFill>
+              </a14:hiddenFill>
+            </a:ext>
+            <a:ext uri="{91240B29-F687-4F45-9708-019B960494DF}">
+              <a14:hiddenLine xmlns:a14="http://schemas.microsoft.com/office/drawing/2010/main" w="9525">
+                <a:solidFill>
+                  <a:schemeClr val="tx1"/>
+                </a:solidFill>
+                <a:miter lim="800000"/>
+                <a:headEnd/>
+                <a:tailEnd/>
+              </a14:hiddenLine>
+            </a:ext>
+          </a:extLst>
+        </p:spPr>
+      </p:pic>
+    </p:spTree>
+    <p:extLst>
+      <p:ext uri="{BB962C8B-B14F-4D97-AF65-F5344CB8AC3E}">
+        <p14:creationId xmlns:p14="http://schemas.microsoft.com/office/powerpoint/2010/main" val="1991609768"/>
+      </p:ext>
+    </p:extLst>
+  </p:cSld>
+  <p:clrMapOvr>
+    <a:masterClrMapping/>
+  </p:clrMapOvr>
+</p:sld>
+</file>
+
+<file path=ppt/slides/slide52.xml><?xml version="1.0" encoding="utf-8"?>
+<p:sld xmlns:a="http://schemas.openxmlformats.org/drawingml/2006/main" xmlns:r="http://schemas.openxmlformats.org/officeDocument/2006/relationships" xmlns:p="http://schemas.openxmlformats.org/presentationml/2006/main">
+  <p:cSld>
+    <p:spTree>
+      <p:nvGrpSpPr>
+        <p:cNvPr id="1" name=""/>
+        <p:cNvGrpSpPr/>
+        <p:nvPr/>
+      </p:nvGrpSpPr>
+      <p:grpSpPr>
+        <a:xfrm>
+          <a:off x="0" y="0"/>
+          <a:ext cx="0" cy="0"/>
+          <a:chOff x="0" y="0"/>
+          <a:chExt cx="0" cy="0"/>
+        </a:xfrm>
+      </p:grpSpPr>
+      <p:pic>
+        <p:nvPicPr>
+          <p:cNvPr id="31746" name="Picture 2"/>
+          <p:cNvPicPr>
+            <a:picLocks noChangeAspect="1" noChangeArrowheads="1"/>
+          </p:cNvPicPr>
+          <p:nvPr/>
+        </p:nvPicPr>
+        <p:blipFill>
+          <a:blip r:embed="rId2">
+            <a:extLst>
+              <a:ext uri="{28A0092B-C50C-407E-A947-70E740481C1C}">
+                <a14:useLocalDpi xmlns:a14="http://schemas.microsoft.com/office/drawing/2010/main" val="0"/>
+              </a:ext>
+            </a:extLst>
+          </a:blip>
+          <a:srcRect/>
+          <a:stretch>
+            <a:fillRect/>
+          </a:stretch>
+        </p:blipFill>
+        <p:spPr bwMode="auto">
+          <a:xfrm>
+            <a:off x="1943100" y="1676400"/>
+            <a:ext cx="8305800" cy="3505200"/>
+          </a:xfrm>
+          <a:prstGeom prst="rect">
+            <a:avLst/>
+          </a:prstGeom>
+          <a:noFill/>
+          <a:ln>
+            <a:noFill/>
+          </a:ln>
+          <a:extLst>
+            <a:ext uri="{909E8E84-426E-40DD-AFC4-6F175D3DCCD1}">
+              <a14:hiddenFill xmlns:a14="http://schemas.microsoft.com/office/drawing/2010/main">
+                <a:solidFill>
+                  <a:schemeClr val="accent1"/>
+                </a:solidFill>
+              </a14:hiddenFill>
+            </a:ext>
+            <a:ext uri="{91240B29-F687-4F45-9708-019B960494DF}">
+              <a14:hiddenLine xmlns:a14="http://schemas.microsoft.com/office/drawing/2010/main" w="9525">
+                <a:solidFill>
+                  <a:schemeClr val="tx1"/>
+                </a:solidFill>
+                <a:miter lim="800000"/>
+                <a:headEnd/>
+                <a:tailEnd/>
+              </a14:hiddenLine>
+            </a:ext>
+          </a:extLst>
+        </p:spPr>
+      </p:pic>
+    </p:spTree>
+    <p:extLst>
+      <p:ext uri="{BB962C8B-B14F-4D97-AF65-F5344CB8AC3E}">
+        <p14:creationId xmlns:p14="http://schemas.microsoft.com/office/powerpoint/2010/main" val="1350820612"/>
+      </p:ext>
+    </p:extLst>
+  </p:cSld>
+  <p:clrMapOvr>
+    <a:masterClrMapping/>
+  </p:clrMapOvr>
+</p:sld>
+</file>
+
+<file path=ppt/slides/slide53.xml><?xml version="1.0" encoding="utf-8"?>
+<p:sld xmlns:a="http://schemas.openxmlformats.org/drawingml/2006/main" xmlns:r="http://schemas.openxmlformats.org/officeDocument/2006/relationships" xmlns:p="http://schemas.openxmlformats.org/presentationml/2006/main">
+  <p:cSld>
+    <p:spTree>
+      <p:nvGrpSpPr>
+        <p:cNvPr id="1" name=""/>
+        <p:cNvGrpSpPr/>
+        <p:nvPr/>
+      </p:nvGrpSpPr>
+      <p:grpSpPr>
+        <a:xfrm>
+          <a:off x="0" y="0"/>
+          <a:ext cx="0" cy="0"/>
+          <a:chOff x="0" y="0"/>
+          <a:chExt cx="0" cy="0"/>
+        </a:xfrm>
+      </p:grpSpPr>
+      <p:pic>
+        <p:nvPicPr>
+          <p:cNvPr id="32770" name="Picture 2"/>
+          <p:cNvPicPr>
+            <a:picLocks noChangeAspect="1" noChangeArrowheads="1"/>
+          </p:cNvPicPr>
+          <p:nvPr/>
+        </p:nvPicPr>
+        <p:blipFill>
+          <a:blip r:embed="rId2">
+            <a:extLst>
+              <a:ext uri="{28A0092B-C50C-407E-A947-70E740481C1C}">
+                <a14:useLocalDpi xmlns:a14="http://schemas.microsoft.com/office/drawing/2010/main" val="0"/>
+              </a:ext>
+            </a:extLst>
+          </a:blip>
+          <a:srcRect/>
+          <a:stretch>
+            <a:fillRect/>
+          </a:stretch>
+        </p:blipFill>
+        <p:spPr bwMode="auto">
+          <a:xfrm>
+            <a:off x="1652588" y="981075"/>
+            <a:ext cx="8886825" cy="4895850"/>
+          </a:xfrm>
+          <a:prstGeom prst="rect">
+            <a:avLst/>
+          </a:prstGeom>
+          <a:noFill/>
+          <a:ln>
+            <a:noFill/>
+          </a:ln>
+          <a:extLst>
+            <a:ext uri="{909E8E84-426E-40DD-AFC4-6F175D3DCCD1}">
+              <a14:hiddenFill xmlns:a14="http://schemas.microsoft.com/office/drawing/2010/main">
+                <a:solidFill>
+                  <a:schemeClr val="accent1"/>
+                </a:solidFill>
+              </a14:hiddenFill>
+            </a:ext>
+            <a:ext uri="{91240B29-F687-4F45-9708-019B960494DF}">
+              <a14:hiddenLine xmlns:a14="http://schemas.microsoft.com/office/drawing/2010/main" w="9525">
+                <a:solidFill>
+                  <a:schemeClr val="tx1"/>
+                </a:solidFill>
+                <a:miter lim="800000"/>
+                <a:headEnd/>
+                <a:tailEnd/>
+              </a14:hiddenLine>
+            </a:ext>
+          </a:extLst>
+        </p:spPr>
+      </p:pic>
+    </p:spTree>
+    <p:extLst>
+      <p:ext uri="{BB962C8B-B14F-4D97-AF65-F5344CB8AC3E}">
+        <p14:creationId xmlns:p14="http://schemas.microsoft.com/office/powerpoint/2010/main" val="714076758"/>
+      </p:ext>
+    </p:extLst>
+  </p:cSld>
+  <p:clrMapOvr>
+    <a:masterClrMapping/>
+  </p:clrMapOvr>
+</p:sld>
+</file>
+
+<file path=ppt/slides/slide54.xml><?xml version="1.0" encoding="utf-8"?>
+<p:sld xmlns:a="http://schemas.openxmlformats.org/drawingml/2006/main" xmlns:r="http://schemas.openxmlformats.org/officeDocument/2006/relationships" xmlns:p="http://schemas.openxmlformats.org/presentationml/2006/main">
+  <p:cSld>
+    <p:spTree>
+      <p:nvGrpSpPr>
+        <p:cNvPr id="1" name=""/>
+        <p:cNvGrpSpPr/>
+        <p:nvPr/>
+      </p:nvGrpSpPr>
+      <p:grpSpPr>
+        <a:xfrm>
+          <a:off x="0" y="0"/>
+          <a:ext cx="0" cy="0"/>
+          <a:chOff x="0" y="0"/>
+          <a:chExt cx="0" cy="0"/>
+        </a:xfrm>
+      </p:grpSpPr>
+      <p:sp>
+        <p:nvSpPr>
+          <p:cNvPr id="2" name="Title 1"/>
+          <p:cNvSpPr>
+            <a:spLocks noGrp="1"/>
+          </p:cNvSpPr>
+          <p:nvPr>
+            <p:ph type="title"/>
+          </p:nvPr>
+        </p:nvSpPr>
+        <p:spPr>
+          <a:xfrm>
+            <a:off x="508951" y="589878"/>
+            <a:ext cx="11826305" cy="842682"/>
+          </a:xfrm>
+        </p:spPr>
+        <p:txBody>
+          <a:bodyPr/>
+          <a:lstStyle/>
+          <a:p>
+            <a:r>
+              <a:rPr lang="en-IN" b="1" i="1" dirty="0" smtClean="0">
+                <a:effectLst/>
+                <a:latin typeface="Arial Black" panose="020B0A04020102020204" pitchFamily="34" charset="0"/>
+              </a:rPr>
+              <a:t>Conclusion of the Project</a:t>
+            </a:r>
+            <a:endParaRPr lang="en-IN" b="1" i="1" dirty="0">
+              <a:effectLst/>
+              <a:latin typeface="Arial Black" panose="020B0A04020102020204" pitchFamily="34" charset="0"/>
+            </a:endParaRPr>
+          </a:p>
+        </p:txBody>
+      </p:sp>
+      <p:sp>
+        <p:nvSpPr>
+          <p:cNvPr id="3" name="Content Placeholder 2"/>
+          <p:cNvSpPr>
+            <a:spLocks noGrp="1"/>
+          </p:cNvSpPr>
+          <p:nvPr>
+            <p:ph idx="1"/>
+          </p:nvPr>
+        </p:nvSpPr>
+        <p:spPr>
+          <a:xfrm>
+            <a:off x="518096" y="1362038"/>
+            <a:ext cx="11341672" cy="4855882"/>
+          </a:xfrm>
+        </p:spPr>
+        <p:txBody>
+          <a:bodyPr>
+            <a:noAutofit/>
+          </a:bodyPr>
+          <a:lstStyle/>
+          <a:p>
+            <a:pPr marL="0" indent="0">
+              <a:buNone/>
+            </a:pPr>
+            <a:r>
+              <a:rPr lang="en-US" sz="1800" dirty="0" smtClean="0">
+                <a:solidFill>
+                  <a:schemeClr val="tx1"/>
+                </a:solidFill>
+                <a:latin typeface="Arial" panose="020B0604020202020204" pitchFamily="34" charset="0"/>
+                <a:cs typeface="Arial" panose="020B0604020202020204" pitchFamily="34" charset="0"/>
+              </a:rPr>
+              <a:t>1) </a:t>
+            </a:r>
+            <a:r>
+              <a:rPr lang="en-US" sz="1800" dirty="0">
+                <a:solidFill>
+                  <a:schemeClr val="tx1"/>
+                </a:solidFill>
+                <a:latin typeface="Arial" panose="020B0604020202020204" pitchFamily="34" charset="0"/>
+                <a:cs typeface="Arial" panose="020B0604020202020204" pitchFamily="34" charset="0"/>
+              </a:rPr>
+              <a:t>Around 28% users are highly defaulters with a mostly negative or null balance.</a:t>
+            </a:r>
+          </a:p>
+          <a:p>
+            <a:pPr marL="0" indent="0">
+              <a:buNone/>
+            </a:pPr>
+            <a:r>
+              <a:rPr lang="en-US" sz="1800" dirty="0">
+                <a:solidFill>
+                  <a:schemeClr val="tx1"/>
+                </a:solidFill>
+                <a:latin typeface="Arial" panose="020B0604020202020204" pitchFamily="34" charset="0"/>
+                <a:cs typeface="Arial" panose="020B0604020202020204" pitchFamily="34" charset="0"/>
+              </a:rPr>
+              <a:t>2) Users with high equilibrium and a much lower number are defaulter.</a:t>
+            </a:r>
+          </a:p>
+          <a:p>
+            <a:pPr marL="0" indent="0">
+              <a:buNone/>
+            </a:pPr>
+            <a:r>
+              <a:rPr lang="en-US" sz="1800" dirty="0">
+                <a:solidFill>
+                  <a:schemeClr val="tx1"/>
+                </a:solidFill>
+                <a:latin typeface="Arial" panose="020B0604020202020204" pitchFamily="34" charset="0"/>
+                <a:cs typeface="Arial" panose="020B0604020202020204" pitchFamily="34" charset="0"/>
+              </a:rPr>
+              <a:t>3) Nonstandard loans (i.e. 98 percent of the category) are paid to users who take up more loans as they pay back the loan within 5 days.</a:t>
+            </a:r>
+          </a:p>
+          <a:p>
+            <a:pPr marL="0" indent="0">
+              <a:buNone/>
+            </a:pPr>
+            <a:r>
+              <a:rPr lang="en-US" sz="1800" dirty="0">
+                <a:solidFill>
+                  <a:schemeClr val="tx1"/>
+                </a:solidFill>
+                <a:latin typeface="Arial" panose="020B0604020202020204" pitchFamily="34" charset="0"/>
+                <a:cs typeface="Arial" panose="020B0604020202020204" pitchFamily="34" charset="0"/>
+              </a:rPr>
+              <a:t>4) 10% to 12% of users are defaulters in the Average and Low Balance categories.</a:t>
+            </a:r>
+          </a:p>
+          <a:p>
+            <a:pPr marL="0" indent="0">
+              <a:buNone/>
+            </a:pPr>
+            <a:r>
+              <a:rPr lang="en-US" sz="1800" dirty="0">
+                <a:solidFill>
+                  <a:schemeClr val="tx1"/>
+                </a:solidFill>
+                <a:latin typeface="Arial" panose="020B0604020202020204" pitchFamily="34" charset="0"/>
+                <a:cs typeface="Arial" panose="020B0604020202020204" pitchFamily="34" charset="0"/>
+              </a:rPr>
+              <a:t>5) Non-defaulting users who have taken no loans.</a:t>
+            </a:r>
+          </a:p>
+          <a:p>
+            <a:pPr marL="0" indent="0">
+              <a:buNone/>
+            </a:pPr>
+            <a:r>
+              <a:rPr lang="en-US" sz="1800" dirty="0">
+                <a:solidFill>
+                  <a:schemeClr val="tx1"/>
+                </a:solidFill>
+                <a:latin typeface="Arial" panose="020B0604020202020204" pitchFamily="34" charset="0"/>
+                <a:cs typeface="Arial" panose="020B0604020202020204" pitchFamily="34" charset="0"/>
+              </a:rPr>
+              <a:t>6) Around 97% users are taking large loans which fall into non-default categories.</a:t>
+            </a:r>
+          </a:p>
+          <a:p>
+            <a:pPr marL="0" indent="0">
+              <a:buNone/>
+            </a:pPr>
+            <a:r>
+              <a:rPr lang="en-US" sz="1800" dirty="0">
+                <a:solidFill>
+                  <a:schemeClr val="tx1"/>
+                </a:solidFill>
+                <a:latin typeface="Arial" panose="020B0604020202020204" pitchFamily="34" charset="0"/>
+                <a:cs typeface="Arial" panose="020B0604020202020204" pitchFamily="34" charset="0"/>
+              </a:rPr>
+              <a:t>7) Defaulters include 40 percent of the users that do not have a single recharge in 3 months.</a:t>
+            </a:r>
+          </a:p>
+          <a:p>
+            <a:pPr marL="0" indent="0">
+              <a:buNone/>
+            </a:pPr>
+            <a:r>
+              <a:rPr lang="en-US" sz="1800" dirty="0">
+                <a:solidFill>
+                  <a:schemeClr val="tx1"/>
+                </a:solidFill>
+                <a:latin typeface="Arial" panose="020B0604020202020204" pitchFamily="34" charset="0"/>
+                <a:cs typeface="Arial" panose="020B0604020202020204" pitchFamily="34" charset="0"/>
+              </a:rPr>
+              <a:t>8) Around 14 percent of users fall into the category of defaulting loans, on average.</a:t>
+            </a:r>
+          </a:p>
+          <a:p>
+            <a:pPr marL="0" indent="0">
+              <a:buNone/>
+            </a:pPr>
+            <a:r>
+              <a:rPr lang="en-US" sz="1800" dirty="0">
+                <a:solidFill>
+                  <a:schemeClr val="tx1"/>
+                </a:solidFill>
+                <a:latin typeface="Arial" panose="020B0604020202020204" pitchFamily="34" charset="0"/>
+                <a:cs typeface="Arial" panose="020B0604020202020204" pitchFamily="34" charset="0"/>
+              </a:rPr>
+              <a:t>9) The default is only 40% of users who do not reload in 90 days.</a:t>
+            </a:r>
+          </a:p>
+          <a:p>
+            <a:pPr marL="0" indent="0">
+              <a:buNone/>
+            </a:pPr>
+            <a:r>
+              <a:rPr lang="en-US" sz="1800" dirty="0">
+                <a:solidFill>
+                  <a:schemeClr val="tx1"/>
+                </a:solidFill>
+                <a:latin typeface="Arial" panose="020B0604020202020204" pitchFamily="34" charset="0"/>
+                <a:cs typeface="Arial" panose="020B0604020202020204" pitchFamily="34" charset="0"/>
+              </a:rPr>
+              <a:t>10) Users who recharge very high pay their loans on time. That is, 98% of them are non-defaulting ones.</a:t>
+            </a:r>
+          </a:p>
+          <a:p>
+            <a:pPr marL="0" indent="0">
+              <a:buNone/>
+            </a:pPr>
+            <a:r>
+              <a:rPr lang="en-US" sz="1800" dirty="0">
+                <a:solidFill>
+                  <a:schemeClr val="tx1"/>
+                </a:solidFill>
+                <a:latin typeface="Arial" panose="020B0604020202020204" pitchFamily="34" charset="0"/>
+                <a:cs typeface="Arial" panose="020B0604020202020204" pitchFamily="34" charset="0"/>
+              </a:rPr>
+              <a:t>11) defaulting is 34 percent of users who reload less.</a:t>
+            </a:r>
+          </a:p>
+          <a:p>
+            <a:pPr marL="0" indent="0">
+              <a:buNone/>
+            </a:pPr>
+            <a:r>
+              <a:rPr lang="en-US" sz="1800" dirty="0">
+                <a:solidFill>
+                  <a:schemeClr val="tx1"/>
+                </a:solidFill>
+                <a:latin typeface="Arial" panose="020B0604020202020204" pitchFamily="34" charset="0"/>
+                <a:cs typeface="Arial" panose="020B0604020202020204" pitchFamily="34" charset="0"/>
+              </a:rPr>
+              <a:t>12) Old and largely non default users are trusted</a:t>
+            </a:r>
+          </a:p>
+          <a:p>
+            <a:pPr marL="0" indent="0">
+              <a:buNone/>
+            </a:pPr>
+            <a:r>
+              <a:rPr lang="en-US" sz="1800" dirty="0">
+                <a:solidFill>
+                  <a:schemeClr val="tx1"/>
+                </a:solidFill>
+                <a:latin typeface="Arial" panose="020B0604020202020204" pitchFamily="34" charset="0"/>
+                <a:cs typeface="Arial" panose="020B0604020202020204" pitchFamily="34" charset="0"/>
+              </a:rPr>
+              <a:t>13) 17% of users receiving small loans are non-performing.</a:t>
+            </a:r>
+          </a:p>
+          <a:p>
+            <a:pPr marL="0" indent="0">
+              <a:buNone/>
+            </a:pPr>
+            <a:r>
+              <a:rPr lang="en-US" sz="1800" dirty="0">
+                <a:solidFill>
+                  <a:schemeClr val="tx1"/>
+                </a:solidFill>
+                <a:latin typeface="Arial" panose="020B0604020202020204" pitchFamily="34" charset="0"/>
+                <a:cs typeface="Arial" panose="020B0604020202020204" pitchFamily="34" charset="0"/>
+              </a:rPr>
+              <a:t>14) The new users constitute 32% of the users defaulting.</a:t>
+            </a:r>
+          </a:p>
+          <a:p>
+            <a:pPr marL="0" indent="0">
+              <a:buNone/>
+            </a:pPr>
+            <a:r>
+              <a:rPr lang="en-US" sz="1800" dirty="0">
+                <a:solidFill>
+                  <a:schemeClr val="tx1"/>
+                </a:solidFill>
+                <a:latin typeface="Arial" panose="020B0604020202020204" pitchFamily="34" charset="0"/>
+                <a:cs typeface="Arial" panose="020B0604020202020204" pitchFamily="34" charset="0"/>
+              </a:rPr>
+              <a:t>15) Of users who recharge and pay their loans on time, 99 percent are more in number, which is good news for the company than for any other category.</a:t>
+            </a:r>
+          </a:p>
+        </p:txBody>
+      </p:sp>
+    </p:spTree>
+    <p:extLst>
+      <p:ext uri="{BB962C8B-B14F-4D97-AF65-F5344CB8AC3E}">
+        <p14:creationId xmlns:p14="http://schemas.microsoft.com/office/powerpoint/2010/main" val="4243660968"/>
+      </p:ext>
+    </p:extLst>
+  </p:cSld>
+  <p:clrMapOvr>
+    <a:masterClrMapping/>
+  </p:clrMapOvr>
+</p:sld>
+</file>
+
+<file path=ppt/slides/slide55.xml><?xml version="1.0" encoding="utf-8"?>
+<p:sld xmlns:a="http://schemas.openxmlformats.org/drawingml/2006/main" xmlns:r="http://schemas.openxmlformats.org/officeDocument/2006/relationships" xmlns:p="http://schemas.openxmlformats.org/presentationml/2006/main">
+  <p:cSld>
+    <p:spTree>
+      <p:nvGrpSpPr>
+        <p:cNvPr id="1" name=""/>
+        <p:cNvGrpSpPr/>
+        <p:nvPr/>
+      </p:nvGrpSpPr>
+      <p:grpSpPr>
+        <a:xfrm>
+          <a:off x="0" y="0"/>
+          <a:ext cx="0" cy="0"/>
+          <a:chOff x="0" y="0"/>
+          <a:chExt cx="0" cy="0"/>
+        </a:xfrm>
+      </p:grpSpPr>
+      <p:sp>
+        <p:nvSpPr>
+          <p:cNvPr id="2" name="Title 1"/>
+          <p:cNvSpPr>
+            <a:spLocks noGrp="1"/>
+          </p:cNvSpPr>
+          <p:nvPr>
+            <p:ph type="title"/>
+          </p:nvPr>
+        </p:nvSpPr>
+        <p:spPr>
+          <a:xfrm>
+            <a:off x="508951" y="589878"/>
+            <a:ext cx="11826305" cy="842682"/>
+          </a:xfrm>
+        </p:spPr>
+        <p:txBody>
+          <a:bodyPr/>
+          <a:lstStyle/>
+          <a:p>
+            <a:r>
+              <a:rPr lang="en-IN" b="1" i="1" dirty="0" smtClean="0">
+                <a:effectLst/>
+                <a:latin typeface="Arial Black" panose="020B0A04020102020204" pitchFamily="34" charset="0"/>
+              </a:rPr>
+              <a:t>Conclusion of the Project</a:t>
+            </a:r>
+            <a:endParaRPr lang="en-IN" b="1" i="1" dirty="0">
+              <a:effectLst/>
+              <a:latin typeface="Arial Black" panose="020B0A04020102020204" pitchFamily="34" charset="0"/>
+            </a:endParaRPr>
+          </a:p>
+        </p:txBody>
+      </p:sp>
+      <p:sp>
+        <p:nvSpPr>
+          <p:cNvPr id="3" name="Content Placeholder 2"/>
+          <p:cNvSpPr>
+            <a:spLocks noGrp="1"/>
+          </p:cNvSpPr>
+          <p:nvPr>
+            <p:ph idx="1"/>
+          </p:nvPr>
+        </p:nvSpPr>
+        <p:spPr>
+          <a:xfrm>
+            <a:off x="902144" y="1810094"/>
+            <a:ext cx="10171240" cy="4389538"/>
+          </a:xfrm>
+        </p:spPr>
+        <p:txBody>
+          <a:bodyPr>
+            <a:noAutofit/>
+          </a:bodyPr>
+          <a:lstStyle/>
+          <a:p>
+            <a:r>
+              <a:rPr lang="en-IN" sz="2800" dirty="0">
+                <a:solidFill>
+                  <a:schemeClr val="tx1"/>
+                </a:solidFill>
+                <a:latin typeface="Arial" panose="020B0604020202020204" pitchFamily="34" charset="0"/>
+                <a:cs typeface="Arial" panose="020B0604020202020204" pitchFamily="34" charset="0"/>
+              </a:rPr>
+              <a:t>From the data analysis we found that the following types of users are generally more likely to default:</a:t>
+            </a:r>
+          </a:p>
+          <a:p>
+            <a:pPr lvl="1"/>
+            <a:r>
+              <a:rPr lang="en-IN" sz="1800" dirty="0">
+                <a:solidFill>
+                  <a:schemeClr val="tx1"/>
+                </a:solidFill>
+                <a:latin typeface="Arial" panose="020B0604020202020204" pitchFamily="34" charset="0"/>
+                <a:cs typeface="Arial" panose="020B0604020202020204" pitchFamily="34" charset="0"/>
+              </a:rPr>
+              <a:t>Short-time users</a:t>
+            </a:r>
+          </a:p>
+          <a:p>
+            <a:pPr lvl="1"/>
+            <a:r>
+              <a:rPr lang="en-IN" sz="1800" dirty="0">
+                <a:solidFill>
+                  <a:schemeClr val="tx1"/>
+                </a:solidFill>
+                <a:latin typeface="Arial" panose="020B0604020202020204" pitchFamily="34" charset="0"/>
+                <a:cs typeface="Arial" panose="020B0604020202020204" pitchFamily="34" charset="0"/>
+              </a:rPr>
+              <a:t>Users with lesser average daily amount spent</a:t>
+            </a:r>
+          </a:p>
+          <a:p>
+            <a:pPr lvl="1"/>
+            <a:r>
+              <a:rPr lang="en-IN" sz="1800" dirty="0">
+                <a:solidFill>
+                  <a:schemeClr val="tx1"/>
+                </a:solidFill>
+                <a:latin typeface="Arial" panose="020B0604020202020204" pitchFamily="34" charset="0"/>
+                <a:cs typeface="Arial" panose="020B0604020202020204" pitchFamily="34" charset="0"/>
+              </a:rPr>
+              <a:t>Users with lesser average main account balance</a:t>
+            </a:r>
+          </a:p>
+          <a:p>
+            <a:pPr lvl="1"/>
+            <a:r>
+              <a:rPr lang="en-IN" sz="1800" dirty="0">
+                <a:solidFill>
+                  <a:schemeClr val="tx1"/>
+                </a:solidFill>
+                <a:latin typeface="Arial" panose="020B0604020202020204" pitchFamily="34" charset="0"/>
+                <a:cs typeface="Arial" panose="020B0604020202020204" pitchFamily="34" charset="0"/>
+              </a:rPr>
+              <a:t>Users who recharge less frequently or lesser number of times over 30/90 days</a:t>
+            </a:r>
+          </a:p>
+          <a:p>
+            <a:pPr lvl="1"/>
+            <a:r>
+              <a:rPr lang="en-IN" sz="1800" dirty="0">
+                <a:solidFill>
+                  <a:schemeClr val="tx1"/>
+                </a:solidFill>
+                <a:latin typeface="Arial" panose="020B0604020202020204" pitchFamily="34" charset="0"/>
+                <a:cs typeface="Arial" panose="020B0604020202020204" pitchFamily="34" charset="0"/>
+              </a:rPr>
+              <a:t>Users who recharge lesser amounts</a:t>
+            </a:r>
+          </a:p>
+          <a:p>
+            <a:pPr lvl="1"/>
+            <a:r>
+              <a:rPr lang="en-IN" sz="1800" dirty="0">
+                <a:solidFill>
+                  <a:schemeClr val="tx1"/>
+                </a:solidFill>
+                <a:latin typeface="Arial" panose="020B0604020202020204" pitchFamily="34" charset="0"/>
+                <a:cs typeface="Arial" panose="020B0604020202020204" pitchFamily="34" charset="0"/>
+              </a:rPr>
+              <a:t>Users who recharge lower total amounts over 30/90 days</a:t>
+            </a:r>
+          </a:p>
+          <a:p>
+            <a:pPr lvl="1"/>
+            <a:r>
+              <a:rPr lang="en-IN" sz="1800" dirty="0">
+                <a:solidFill>
+                  <a:schemeClr val="tx1"/>
+                </a:solidFill>
+                <a:latin typeface="Arial" panose="020B0604020202020204" pitchFamily="34" charset="0"/>
+                <a:cs typeface="Arial" panose="020B0604020202020204" pitchFamily="34" charset="0"/>
+              </a:rPr>
+              <a:t>Users with lower median of amount of recharges over 30/90 days</a:t>
+            </a:r>
+          </a:p>
+          <a:p>
+            <a:pPr lvl="1"/>
+            <a:r>
+              <a:rPr lang="en-IN" sz="1800" dirty="0">
+                <a:solidFill>
+                  <a:schemeClr val="tx1"/>
+                </a:solidFill>
+                <a:latin typeface="Arial" panose="020B0604020202020204" pitchFamily="34" charset="0"/>
+                <a:cs typeface="Arial" panose="020B0604020202020204" pitchFamily="34" charset="0"/>
+              </a:rPr>
+              <a:t>Users with lower median of main account balance just before recharge</a:t>
+            </a:r>
+          </a:p>
+          <a:p>
+            <a:pPr lvl="1"/>
+            <a:r>
+              <a:rPr lang="en-IN" sz="1800" dirty="0">
+                <a:solidFill>
+                  <a:schemeClr val="tx1"/>
+                </a:solidFill>
+                <a:latin typeface="Arial" panose="020B0604020202020204" pitchFamily="34" charset="0"/>
+                <a:cs typeface="Arial" panose="020B0604020202020204" pitchFamily="34" charset="0"/>
+              </a:rPr>
+              <a:t>Users who take loans less frequently or lower number of loans taken over 30/90 days</a:t>
+            </a:r>
+          </a:p>
+          <a:p>
+            <a:pPr lvl="1"/>
+            <a:r>
+              <a:rPr lang="en-IN" sz="1800" dirty="0">
+                <a:solidFill>
+                  <a:schemeClr val="tx1"/>
+                </a:solidFill>
+                <a:latin typeface="Arial" panose="020B0604020202020204" pitchFamily="34" charset="0"/>
+                <a:cs typeface="Arial" panose="020B0604020202020204" pitchFamily="34" charset="0"/>
+              </a:rPr>
+              <a:t>Users who take lower total amounts as loans over 30/90 days</a:t>
+            </a:r>
+          </a:p>
+          <a:p>
+            <a:pPr lvl="1"/>
+            <a:r>
+              <a:rPr lang="en-IN" sz="1800" dirty="0">
+                <a:solidFill>
+                  <a:schemeClr val="tx1"/>
+                </a:solidFill>
+                <a:latin typeface="Arial" panose="020B0604020202020204" pitchFamily="34" charset="0"/>
+                <a:cs typeface="Arial" panose="020B0604020202020204" pitchFamily="34" charset="0"/>
+              </a:rPr>
+              <a:t>Also 6 Rupiah loans were defaulted more frequently when compared to 12 Rupiah loans</a:t>
+            </a:r>
+            <a:r>
+              <a:rPr lang="en-IN" sz="1800" dirty="0" smtClean="0">
+                <a:solidFill>
+                  <a:schemeClr val="tx1"/>
+                </a:solidFill>
+                <a:latin typeface="Arial" panose="020B0604020202020204" pitchFamily="34" charset="0"/>
+                <a:cs typeface="Arial" panose="020B0604020202020204" pitchFamily="34" charset="0"/>
+              </a:rPr>
+              <a:t>.</a:t>
+            </a:r>
+            <a:endParaRPr lang="en-IN" sz="1800" dirty="0">
+              <a:solidFill>
+                <a:schemeClr val="tx1"/>
+              </a:solidFill>
+              <a:latin typeface="Arial" panose="020B0604020202020204" pitchFamily="34" charset="0"/>
+              <a:cs typeface="Arial" panose="020B0604020202020204" pitchFamily="34" charset="0"/>
+            </a:endParaRPr>
+          </a:p>
+        </p:txBody>
+      </p:sp>
+    </p:spTree>
+    <p:extLst>
+      <p:ext uri="{BB962C8B-B14F-4D97-AF65-F5344CB8AC3E}">
+        <p14:creationId xmlns:p14="http://schemas.microsoft.com/office/powerpoint/2010/main" val="3919402375"/>
+      </p:ext>
+    </p:extLst>
+  </p:cSld>
+  <p:clrMapOvr>
+    <a:masterClrMapping/>
+  </p:clrMapOvr>
+</p:sld>
+</file>
+
+<file path=ppt/slides/slide56.xml><?xml version="1.0" encoding="utf-8"?>
+<p:sld xmlns:a="http://schemas.openxmlformats.org/drawingml/2006/main" xmlns:r="http://schemas.openxmlformats.org/officeDocument/2006/relationships" xmlns:p="http://schemas.openxmlformats.org/presentationml/2006/main">
+  <p:cSld>
+    <p:spTree>
+      <p:nvGrpSpPr>
+        <p:cNvPr id="1" name=""/>
+        <p:cNvGrpSpPr/>
+        <p:nvPr/>
+      </p:nvGrpSpPr>
+      <p:grpSpPr>
+        <a:xfrm>
+          <a:off x="0" y="0"/>
+          <a:ext cx="0" cy="0"/>
+          <a:chOff x="0" y="0"/>
+          <a:chExt cx="0" cy="0"/>
+        </a:xfrm>
+      </p:grpSpPr>
+      <p:pic>
+        <p:nvPicPr>
+          <p:cNvPr id="33794" name="Picture 2"/>
+          <p:cNvPicPr>
+            <a:picLocks noChangeAspect="1" noChangeArrowheads="1"/>
+          </p:cNvPicPr>
+          <p:nvPr/>
+        </p:nvPicPr>
+        <p:blipFill>
+          <a:blip r:embed="rId2">
+            <a:extLst>
+              <a:ext uri="{28A0092B-C50C-407E-A947-70E740481C1C}">
+                <a14:useLocalDpi xmlns:a14="http://schemas.microsoft.com/office/drawing/2010/main" val="0"/>
+              </a:ext>
+            </a:extLst>
+          </a:blip>
+          <a:srcRect/>
+          <a:stretch>
+            <a:fillRect/>
+          </a:stretch>
+        </p:blipFill>
+        <p:spPr bwMode="auto">
+          <a:xfrm>
+            <a:off x="938013" y="1335786"/>
+            <a:ext cx="10450077" cy="4315206"/>
+          </a:xfrm>
+          <a:prstGeom prst="rect">
+            <a:avLst/>
+          </a:prstGeom>
+          <a:noFill/>
+          <a:ln>
+            <a:noFill/>
+          </a:ln>
+          <a:extLst>
+            <a:ext uri="{909E8E84-426E-40DD-AFC4-6F175D3DCCD1}">
+              <a14:hiddenFill xmlns:a14="http://schemas.microsoft.com/office/drawing/2010/main">
+                <a:solidFill>
+                  <a:schemeClr val="accent1"/>
+                </a:solidFill>
+              </a14:hiddenFill>
+            </a:ext>
+            <a:ext uri="{91240B29-F687-4F45-9708-019B960494DF}">
+              <a14:hiddenLine xmlns:a14="http://schemas.microsoft.com/office/drawing/2010/main" w="9525">
+                <a:solidFill>
+                  <a:schemeClr val="tx1"/>
+                </a:solidFill>
+                <a:miter lim="800000"/>
+                <a:headEnd/>
+                <a:tailEnd/>
+              </a14:hiddenLine>
+            </a:ext>
+          </a:extLst>
+        </p:spPr>
+      </p:pic>
+    </p:spTree>
+    <p:extLst>
+      <p:ext uri="{BB962C8B-B14F-4D97-AF65-F5344CB8AC3E}">
+        <p14:creationId xmlns:p14="http://schemas.microsoft.com/office/powerpoint/2010/main" val="264711224"/>
+      </p:ext>
+    </p:extLst>
+  </p:cSld>
+  <p:clrMapOvr>
+    <a:masterClrMapping/>
+  </p:clrMapOvr>
+</p:sld>
+</file>
+
+<file path=ppt/slides/slide57.xml><?xml version="1.0" encoding="utf-8"?>
+<p:sld xmlns:a="http://schemas.openxmlformats.org/drawingml/2006/main" xmlns:r="http://schemas.openxmlformats.org/officeDocument/2006/relationships" xmlns:p="http://schemas.openxmlformats.org/presentationml/2006/main">
+  <p:cSld>
+    <p:spTree>
+      <p:nvGrpSpPr>
+        <p:cNvPr id="1" name=""/>
+        <p:cNvGrpSpPr/>
+        <p:nvPr/>
+      </p:nvGrpSpPr>
+      <p:grpSpPr>
+        <a:xfrm>
+          <a:off x="0" y="0"/>
+          <a:ext cx="0" cy="0"/>
+          <a:chOff x="0" y="0"/>
+          <a:chExt cx="0" cy="0"/>
+        </a:xfrm>
+      </p:grpSpPr>
+      <p:sp>
+        <p:nvSpPr>
+          <p:cNvPr id="2" name="Title 1"/>
+          <p:cNvSpPr>
+            <a:spLocks noGrp="1"/>
+          </p:cNvSpPr>
+          <p:nvPr>
+            <p:ph type="title"/>
+          </p:nvPr>
+        </p:nvSpPr>
+        <p:spPr>
+          <a:xfrm>
+            <a:off x="1130743" y="2531454"/>
+            <a:ext cx="9404723" cy="1400530"/>
+          </a:xfrm>
+        </p:spPr>
+        <p:txBody>
+          <a:bodyPr/>
+          <a:lstStyle/>
+          <a:p>
+            <a:pPr algn="ctr"/>
+            <a:r>
+              <a:rPr lang="en-IN" sz="13800" dirty="0" smtClean="0">
+                <a:latin typeface="Blackadder ITC" panose="04020505051007020D02" pitchFamily="82" charset="0"/>
+              </a:rPr>
+              <a:t>Thank You</a:t>
+            </a:r>
+            <a:endParaRPr lang="en-IN" sz="13800" dirty="0">
+              <a:latin typeface="Blackadder ITC" panose="04020505051007020D02" pitchFamily="82" charset="0"/>
+            </a:endParaRPr>
+          </a:p>
+        </p:txBody>
+      </p:sp>
+    </p:spTree>
+    <p:extLst>
+      <p:ext uri="{BB962C8B-B14F-4D97-AF65-F5344CB8AC3E}">
+        <p14:creationId xmlns:p14="http://schemas.microsoft.com/office/powerpoint/2010/main" val="2404791"/>
       </p:ext>
     </p:extLst>
   </p:cSld>
@@ -8617,96 +12093,64 @@
           <a:chExt cx="0" cy="0"/>
         </a:xfrm>
       </p:grpSpPr>
-      <p:sp>
-        <p:nvSpPr>
-          <p:cNvPr id="2" name="Title 1"/>
-          <p:cNvSpPr>
-            <a:spLocks noGrp="1"/>
-          </p:cNvSpPr>
-          <p:nvPr>
-            <p:ph type="title"/>
-          </p:nvPr>
-        </p:nvSpPr>
-        <p:spPr/>
-        <p:txBody>
-          <a:bodyPr/>
-          <a:lstStyle/>
-          <a:p>
-            <a:r>
-              <a:rPr lang="en-IN" b="1" i="1" dirty="0" smtClean="0">
-                <a:effectLst/>
-                <a:latin typeface="Arial Black" panose="020B0A04020102020204" pitchFamily="34" charset="0"/>
-              </a:rPr>
-              <a:t>Data Analysis &amp; Visualization</a:t>
-            </a:r>
-            <a:endParaRPr lang="en-IN" b="1" i="1" dirty="0">
-              <a:effectLst/>
-              <a:latin typeface="Arial Black" panose="020B0A04020102020204" pitchFamily="34" charset="0"/>
-            </a:endParaRPr>
-          </a:p>
-        </p:txBody>
-      </p:sp>
       <p:pic>
         <p:nvPicPr>
-          <p:cNvPr id="5" name="Picture 4"/>
-          <p:cNvPicPr/>
+          <p:cNvPr id="1026" name="Picture 2"/>
+          <p:cNvPicPr>
+            <a:picLocks noChangeAspect="1" noChangeArrowheads="1"/>
+          </p:cNvPicPr>
           <p:nvPr/>
         </p:nvPicPr>
         <p:blipFill>
-          <a:blip r:embed="rId2"/>
+          <a:blip r:embed="rId2">
+            <a:extLst>
+              <a:ext uri="{28A0092B-C50C-407E-A947-70E740481C1C}">
+                <a14:useLocalDpi xmlns:a14="http://schemas.microsoft.com/office/drawing/2010/main" val="0"/>
+              </a:ext>
+            </a:extLst>
+          </a:blip>
+          <a:srcRect/>
           <a:stretch>
             <a:fillRect/>
           </a:stretch>
         </p:blipFill>
-        <p:spPr>
+        <p:spPr bwMode="auto">
           <a:xfrm>
-            <a:off x="2966466" y="1796796"/>
-            <a:ext cx="5417820" cy="4709160"/>
+            <a:off x="155448" y="1078992"/>
+            <a:ext cx="11863425" cy="4435820"/>
           </a:xfrm>
           <a:prstGeom prst="rect">
             <a:avLst/>
           </a:prstGeom>
+          <a:noFill/>
+          <a:ln>
+            <a:noFill/>
+          </a:ln>
+          <a:extLst>
+            <a:ext uri="{909E8E84-426E-40DD-AFC4-6F175D3DCCD1}">
+              <a14:hiddenFill xmlns:a14="http://schemas.microsoft.com/office/drawing/2010/main">
+                <a:solidFill>
+                  <a:schemeClr val="accent1"/>
+                </a:solidFill>
+              </a14:hiddenFill>
+            </a:ext>
+            <a:ext uri="{91240B29-F687-4F45-9708-019B960494DF}">
+              <a14:hiddenLine xmlns:a14="http://schemas.microsoft.com/office/drawing/2010/main" w="9525">
+                <a:solidFill>
+                  <a:schemeClr val="tx1"/>
+                </a:solidFill>
+                <a:miter lim="800000"/>
+                <a:headEnd/>
+                <a:tailEnd/>
+              </a14:hiddenLine>
+            </a:ext>
+          </a:extLst>
         </p:spPr>
       </p:pic>
-      <p:sp>
-        <p:nvSpPr>
-          <p:cNvPr id="7" name="Rectangle 6"/>
-          <p:cNvSpPr/>
-          <p:nvPr/>
-        </p:nvSpPr>
-        <p:spPr>
-          <a:xfrm>
-            <a:off x="236679" y="1427464"/>
-            <a:ext cx="4256293" cy="400110"/>
-          </a:xfrm>
-          <a:prstGeom prst="rect">
-            <a:avLst/>
-          </a:prstGeom>
-        </p:spPr>
-        <p:txBody>
-          <a:bodyPr wrap="none">
-            <a:spAutoFit/>
-          </a:bodyPr>
-          <a:lstStyle/>
-          <a:p>
-            <a:r>
-              <a:rPr lang="en-IN" sz="2000" b="1" dirty="0">
-                <a:latin typeface="Arial" panose="020B0604020202020204" pitchFamily="34" charset="0"/>
-                <a:cs typeface="Arial" panose="020B0604020202020204" pitchFamily="34" charset="0"/>
-              </a:rPr>
-              <a:t>Dataset Datatypes are as follows:</a:t>
-            </a:r>
-            <a:endParaRPr lang="en-US" sz="2000" b="1" dirty="0">
-              <a:latin typeface="Arial" panose="020B0604020202020204" pitchFamily="34" charset="0"/>
-              <a:cs typeface="Arial" panose="020B0604020202020204" pitchFamily="34" charset="0"/>
-            </a:endParaRPr>
-          </a:p>
-        </p:txBody>
-      </p:sp>
     </p:spTree>
     <p:extLst>
       <p:ext uri="{BB962C8B-B14F-4D97-AF65-F5344CB8AC3E}">
-        <p14:creationId xmlns:p14="http://schemas.microsoft.com/office/powerpoint/2010/main" val="2928757114"/>
+        <p14:creationId xmlns:p14="http://schemas.microsoft.com/office/powerpoint/2010/main" val="1973896378"/>
       </p:ext>
     </p:extLst>
   </p:cSld>
@@ -8735,7 +12179,7 @@
       </p:grpSpPr>
       <p:pic>
         <p:nvPicPr>
-          <p:cNvPr id="1026" name="Picture 2"/>
+          <p:cNvPr id="2050" name="Picture 2"/>
           <p:cNvPicPr>
             <a:picLocks noChangeAspect="1" noChangeArrowheads="1"/>
           </p:cNvPicPr>
@@ -8756,8 +12200,8 @@
         </p:blipFill>
         <p:spPr bwMode="auto">
           <a:xfrm>
-            <a:off x="2124075" y="423863"/>
-            <a:ext cx="7943850" cy="6010275"/>
+            <a:off x="613409" y="1600200"/>
+            <a:ext cx="10837209" cy="3232150"/>
           </a:xfrm>
           <a:prstGeom prst="rect">
             <a:avLst/>
@@ -8790,7 +12234,7 @@
     </p:spTree>
     <p:extLst>
       <p:ext uri="{BB962C8B-B14F-4D97-AF65-F5344CB8AC3E}">
-        <p14:creationId xmlns:p14="http://schemas.microsoft.com/office/powerpoint/2010/main" val="766999247"/>
+        <p14:creationId xmlns:p14="http://schemas.microsoft.com/office/powerpoint/2010/main" val="3012286618"/>
       </p:ext>
     </p:extLst>
   </p:cSld>
